--- a/vienna-lectures/lecture3-theories.pptx
+++ b/vienna-lectures/lecture3-theories.pptx
@@ -5,7 +5,7 @@
     <p:sldMasterId id="2147483648" r:id="rId4"/>
   </p:sldMasterIdLst>
   <p:notesMasterIdLst>
-    <p:notesMasterId r:id="rId37"/>
+    <p:notesMasterId r:id="rId42"/>
   </p:notesMasterIdLst>
   <p:sldIdLst>
     <p:sldId id="256" r:id="rId5"/>
@@ -39,7 +39,12 @@
     <p:sldId id="2146847252" r:id="rId33"/>
     <p:sldId id="2146847253" r:id="rId34"/>
     <p:sldId id="2146847254" r:id="rId35"/>
-    <p:sldId id="2146847255" r:id="rId36"/>
+    <p:sldId id="2146847256" r:id="rId36"/>
+    <p:sldId id="2146847257" r:id="rId37"/>
+    <p:sldId id="2146847258" r:id="rId38"/>
+    <p:sldId id="2146847255" r:id="rId39"/>
+    <p:sldId id="2146847259" r:id="rId40"/>
+    <p:sldId id="2146847260" r:id="rId41"/>
   </p:sldIdLst>
   <p:sldSz cx="12192000" cy="6858000"/>
   <p:notesSz cx="6858000" cy="9144000"/>
@@ -3132,7 +3137,7 @@
           <a:p>
             <a:fld id="{E0060B70-99F6-46DC-AC28-61E24B2D140B}" type="datetimeFigureOut">
               <a:rPr lang="en-US" smtClean="0"/>
-              <a:t>10/5/2025</a:t>
+              <a:t>10/7/2025</a:t>
             </a:fld>
             <a:endParaRPr lang="en-US"/>
           </a:p>
@@ -3653,7 +3658,7 @@
                 <a:tabLst/>
                 <a:defRPr/>
               </a:pPr>
-              <a:t>10/5/2025 10:09 AM</a:t>
+              <a:t>10/7/2025 3:07 PM</a:t>
             </a:fld>
             <a:endParaRPr kumimoji="0" lang="en-US" sz="1200" b="0" i="0" u="none" strike="noStrike" kern="1200" cap="none" spc="0" normalizeH="0" baseline="0" noProof="0">
               <a:ln>
@@ -4077,7 +4082,7 @@
           <a:p>
             <a:fld id="{D71F6AB6-6FBF-4B63-A5C3-90DEBBF6936C}" type="datetimeFigureOut">
               <a:rPr lang="en-US" smtClean="0"/>
-              <a:t>10/5/2025</a:t>
+              <a:t>10/7/2025</a:t>
             </a:fld>
             <a:endParaRPr lang="en-US"/>
           </a:p>
@@ -4275,7 +4280,7 @@
           <a:p>
             <a:fld id="{D71F6AB6-6FBF-4B63-A5C3-90DEBBF6936C}" type="datetimeFigureOut">
               <a:rPr lang="en-US" smtClean="0"/>
-              <a:t>10/5/2025</a:t>
+              <a:t>10/7/2025</a:t>
             </a:fld>
             <a:endParaRPr lang="en-US"/>
           </a:p>
@@ -4483,7 +4488,7 @@
           <a:p>
             <a:fld id="{D71F6AB6-6FBF-4B63-A5C3-90DEBBF6936C}" type="datetimeFigureOut">
               <a:rPr lang="en-US" smtClean="0"/>
-              <a:t>10/5/2025</a:t>
+              <a:t>10/7/2025</a:t>
             </a:fld>
             <a:endParaRPr lang="en-US"/>
           </a:p>
@@ -4681,7 +4686,7 @@
           <a:p>
             <a:fld id="{D71F6AB6-6FBF-4B63-A5C3-90DEBBF6936C}" type="datetimeFigureOut">
               <a:rPr lang="en-US" smtClean="0"/>
-              <a:t>10/5/2025</a:t>
+              <a:t>10/7/2025</a:t>
             </a:fld>
             <a:endParaRPr lang="en-US"/>
           </a:p>
@@ -4956,7 +4961,7 @@
           <a:p>
             <a:fld id="{D71F6AB6-6FBF-4B63-A5C3-90DEBBF6936C}" type="datetimeFigureOut">
               <a:rPr lang="en-US" smtClean="0"/>
-              <a:t>10/5/2025</a:t>
+              <a:t>10/7/2025</a:t>
             </a:fld>
             <a:endParaRPr lang="en-US"/>
           </a:p>
@@ -5221,7 +5226,7 @@
           <a:p>
             <a:fld id="{D71F6AB6-6FBF-4B63-A5C3-90DEBBF6936C}" type="datetimeFigureOut">
               <a:rPr lang="en-US" smtClean="0"/>
-              <a:t>10/5/2025</a:t>
+              <a:t>10/7/2025</a:t>
             </a:fld>
             <a:endParaRPr lang="en-US"/>
           </a:p>
@@ -5633,7 +5638,7 @@
           <a:p>
             <a:fld id="{D71F6AB6-6FBF-4B63-A5C3-90DEBBF6936C}" type="datetimeFigureOut">
               <a:rPr lang="en-US" smtClean="0"/>
-              <a:t>10/5/2025</a:t>
+              <a:t>10/7/2025</a:t>
             </a:fld>
             <a:endParaRPr lang="en-US"/>
           </a:p>
@@ -5774,7 +5779,7 @@
           <a:p>
             <a:fld id="{D71F6AB6-6FBF-4B63-A5C3-90DEBBF6936C}" type="datetimeFigureOut">
               <a:rPr lang="en-US" smtClean="0"/>
-              <a:t>10/5/2025</a:t>
+              <a:t>10/7/2025</a:t>
             </a:fld>
             <a:endParaRPr lang="en-US"/>
           </a:p>
@@ -5887,7 +5892,7 @@
           <a:p>
             <a:fld id="{D71F6AB6-6FBF-4B63-A5C3-90DEBBF6936C}" type="datetimeFigureOut">
               <a:rPr lang="en-US" smtClean="0"/>
-              <a:t>10/5/2025</a:t>
+              <a:t>10/7/2025</a:t>
             </a:fld>
             <a:endParaRPr lang="en-US"/>
           </a:p>
@@ -6198,7 +6203,7 @@
           <a:p>
             <a:fld id="{D71F6AB6-6FBF-4B63-A5C3-90DEBBF6936C}" type="datetimeFigureOut">
               <a:rPr lang="en-US" smtClean="0"/>
-              <a:t>10/5/2025</a:t>
+              <a:t>10/7/2025</a:t>
             </a:fld>
             <a:endParaRPr lang="en-US"/>
           </a:p>
@@ -6486,7 +6491,7 @@
           <a:p>
             <a:fld id="{D71F6AB6-6FBF-4B63-A5C3-90DEBBF6936C}" type="datetimeFigureOut">
               <a:rPr lang="en-US" smtClean="0"/>
-              <a:t>10/5/2025</a:t>
+              <a:t>10/7/2025</a:t>
             </a:fld>
             <a:endParaRPr lang="en-US"/>
           </a:p>
@@ -6727,7 +6732,7 @@
           <a:p>
             <a:fld id="{D71F6AB6-6FBF-4B63-A5C3-90DEBBF6936C}" type="datetimeFigureOut">
               <a:rPr lang="en-US" smtClean="0"/>
-              <a:t>10/5/2025</a:t>
+              <a:t>10/7/2025</a:t>
             </a:fld>
             <a:endParaRPr lang="en-US"/>
           </a:p>
@@ -26039,7 +26044,7 @@
           </a:ln>
           <a:extLst>
             <a:ext uri="{C572A759-6A51-4108-AA02-DFA0A04FC94B}">
-              <ma14:wrappingTextBoxFlag xmlns="" xmlns:ma14="http://schemas.microsoft.com/office/mac/drawingml/2011/main" xmlns:a14="http://schemas.microsoft.com/office/drawing/2010/main" xmlns:m="http://schemas.openxmlformats.org/officeDocument/2006/math" val="1"/>
+              <ma14:wrappingTextBoxFlag xmlns:m="http://schemas.openxmlformats.org/officeDocument/2006/math" xmlns:a14="http://schemas.microsoft.com/office/drawing/2010/main" xmlns:ma14="http://schemas.microsoft.com/office/mac/drawingml/2011/main" xmlns="" val="1"/>
             </a:ext>
           </a:extLst>
         </p:spPr>
@@ -27720,7 +27725,7 @@
           </a:ln>
           <a:extLst>
             <a:ext uri="{C572A759-6A51-4108-AA02-DFA0A04FC94B}">
-              <ma14:wrappingTextBoxFlag xmlns="" xmlns:m="http://schemas.openxmlformats.org/officeDocument/2006/math" xmlns:a14="http://schemas.microsoft.com/office/drawing/2010/main" xmlns:ma14="http://schemas.microsoft.com/office/mac/drawingml/2011/main" val="1"/>
+              <ma14:wrappingTextBoxFlag xmlns:ma14="http://schemas.microsoft.com/office/mac/drawingml/2011/main" xmlns:a14="http://schemas.microsoft.com/office/drawing/2010/main" xmlns:m="http://schemas.openxmlformats.org/officeDocument/2006/math" xmlns="" val="1"/>
             </a:ext>
           </a:extLst>
         </p:spPr>
@@ -29298,7 +29303,7 @@
               </a:ln>
               <a:extLst>
                 <a:ext uri="{C572A759-6A51-4108-AA02-DFA0A04FC94B}">
-                  <ma14:wrappingTextBoxFlag xmlns="" xmlns:ma14="http://schemas.microsoft.com/office/mac/drawingml/2011/main" xmlns:m="http://schemas.openxmlformats.org/officeDocument/2006/math" val="1"/>
+                  <ma14:wrappingTextBoxFlag xmlns:m="http://schemas.openxmlformats.org/officeDocument/2006/math" xmlns:ma14="http://schemas.microsoft.com/office/mac/drawingml/2011/main" xmlns="" val="1"/>
                 </a:ext>
               </a:extLst>
             </p:spPr>
@@ -29666,7 +29671,7 @@
               </a:ln>
               <a:extLst>
                 <a:ext uri="{C572A759-6A51-4108-AA02-DFA0A04FC94B}">
-                  <ma14:wrappingTextBoxFlag xmlns="" xmlns:m="http://schemas.openxmlformats.org/officeDocument/2006/math" xmlns:ma14="http://schemas.microsoft.com/office/mac/drawingml/2011/main" val="1"/>
+                  <ma14:wrappingTextBoxFlag xmlns:ma14="http://schemas.microsoft.com/office/mac/drawingml/2011/main" xmlns:m="http://schemas.openxmlformats.org/officeDocument/2006/math" xmlns="" val="1"/>
                 </a:ext>
               </a:extLst>
             </p:spPr>
@@ -30460,7 +30465,7 @@
               </a:ln>
               <a:extLst>
                 <a:ext uri="{C572A759-6A51-4108-AA02-DFA0A04FC94B}">
-                  <ma14:wrappingTextBoxFlag xmlns="" xmlns:ma14="http://schemas.microsoft.com/office/mac/drawingml/2011/main" xmlns:m="http://schemas.openxmlformats.org/officeDocument/2006/math" val="1"/>
+                  <ma14:wrappingTextBoxFlag xmlns:m="http://schemas.openxmlformats.org/officeDocument/2006/math" xmlns:ma14="http://schemas.microsoft.com/office/mac/drawingml/2011/main" xmlns="" val="1"/>
                 </a:ext>
               </a:extLst>
             </p:spPr>
@@ -31588,7 +31593,7 @@
               </a:ln>
               <a:extLst>
                 <a:ext uri="{C572A759-6A51-4108-AA02-DFA0A04FC94B}">
-                  <ma14:wrappingTextBoxFlag xmlns="" xmlns:m="http://schemas.openxmlformats.org/officeDocument/2006/math" xmlns:ma14="http://schemas.microsoft.com/office/mac/drawingml/2011/main" val="1"/>
+                  <ma14:wrappingTextBoxFlag xmlns:ma14="http://schemas.microsoft.com/office/mac/drawingml/2011/main" xmlns:m="http://schemas.openxmlformats.org/officeDocument/2006/math" xmlns="" val="1"/>
                 </a:ext>
               </a:extLst>
             </p:spPr>
@@ -31956,7 +31961,7 @@
               </a:ln>
               <a:extLst>
                 <a:ext uri="{C572A759-6A51-4108-AA02-DFA0A04FC94B}">
-                  <ma14:wrappingTextBoxFlag xmlns="" xmlns:ma14="http://schemas.microsoft.com/office/mac/drawingml/2011/main" xmlns:m="http://schemas.openxmlformats.org/officeDocument/2006/math" val="1"/>
+                  <ma14:wrappingTextBoxFlag xmlns:m="http://schemas.openxmlformats.org/officeDocument/2006/math" xmlns:ma14="http://schemas.microsoft.com/office/mac/drawingml/2011/main" xmlns="" val="1"/>
                 </a:ext>
               </a:extLst>
             </p:spPr>
@@ -33905,8 +33910,8 @@
           </a:p>
         </p:txBody>
       </p:sp>
-      <mc:AlternateContent xmlns:mc="http://schemas.openxmlformats.org/markup-compatibility/2006" xmlns:a14="http://schemas.microsoft.com/office/drawing/2010/main">
-        <mc:Choice Requires="a14">
+      <mc:AlternateContent xmlns:mc="http://schemas.openxmlformats.org/markup-compatibility/2006">
+        <mc:Choice xmlns:a14="http://schemas.microsoft.com/office/drawing/2010/main" Requires="a14">
           <p:sp>
             <p:nvSpPr>
               <p:cNvPr id="3" name="Content Placeholder 2">
@@ -34502,6 +34507,10 @@
                     </m:r>
                   </m:oMath>
                 </a14:m>
+                <a:r>
+                  <a:rPr lang="en-US" dirty="0"/>
+                  <a:t>   + Arithmetic over |S|</a:t>
+                </a:r>
                 <a:br>
                   <a:rPr lang="en-US" dirty="0"/>
                 </a:br>
@@ -34534,7 +34543,7 @@
             </p:txBody>
           </p:sp>
         </mc:Choice>
-        <mc:Fallback xmlns="">
+        <mc:Fallback>
           <p:sp>
             <p:nvSpPr>
               <p:cNvPr id="3" name="Content Placeholder 2">
@@ -35201,163 +35210,1324 @@
           </a:p>
         </p:txBody>
       </p:sp>
+      <mc:AlternateContent xmlns:mc="http://schemas.openxmlformats.org/markup-compatibility/2006">
+        <mc:Choice xmlns:a14="http://schemas.microsoft.com/office/drawing/2010/main" Requires="a14">
+          <p:sp>
+            <p:nvSpPr>
+              <p:cNvPr id="3" name="Content Placeholder 2">
+                <a:extLst>
+                  <a:ext uri="{FF2B5EF4-FFF2-40B4-BE49-F238E27FC236}">
+                    <a16:creationId xmlns:a16="http://schemas.microsoft.com/office/drawing/2014/main" id="{A291AED1-51B4-0E20-2021-3A418743D9DC}"/>
+                  </a:ext>
+                </a:extLst>
+              </p:cNvPr>
+              <p:cNvSpPr>
+                <a:spLocks noGrp="1"/>
+              </p:cNvSpPr>
+              <p:nvPr>
+                <p:ph idx="1"/>
+              </p:nvPr>
+            </p:nvSpPr>
+            <p:spPr>
+              <a:xfrm>
+                <a:off x="2550543" y="1584084"/>
+                <a:ext cx="9261894" cy="4351338"/>
+              </a:xfrm>
+            </p:spPr>
+            <p:txBody>
+              <a:bodyPr>
+                <a:normAutofit fontScale="77500" lnSpcReduction="20000"/>
+              </a:bodyPr>
+              <a:lstStyle/>
+              <a:p>
+                <a:pPr marL="0" indent="0">
+                  <a:buNone/>
+                </a:pPr>
+                <a:r>
+                  <a:rPr lang="en-US" b="0" dirty="0"/>
+                  <a:t>	</a:t>
+                </a:r>
+                <a14:m>
+                  <m:oMath xmlns:m="http://schemas.openxmlformats.org/officeDocument/2006/math">
+                    <m:r>
+                      <a:rPr lang="en-US" i="1">
+                        <a:latin typeface="Cambria Math" panose="02040503050406030204" pitchFamily="18" charset="0"/>
+                      </a:rPr>
+                      <m:t>𝑥</m:t>
+                    </m:r>
+                    <m:r>
+                      <a:rPr lang="en-US" i="1">
+                        <a:latin typeface="Cambria Math" panose="02040503050406030204" pitchFamily="18" charset="0"/>
+                        <a:ea typeface="Cambria Math" panose="02040503050406030204" pitchFamily="18" charset="0"/>
+                      </a:rPr>
+                      <m:t>∉</m:t>
+                    </m:r>
+                    <m:r>
+                      <a:rPr lang="en-US" b="0" i="1" smtClean="0">
+                        <a:latin typeface="Cambria Math" panose="02040503050406030204" pitchFamily="18" charset="0"/>
+                        <a:ea typeface="Cambria Math" panose="02040503050406030204" pitchFamily="18" charset="0"/>
+                      </a:rPr>
+                      <m:t>∅</m:t>
+                    </m:r>
+                  </m:oMath>
+                </a14:m>
+                <a:endParaRPr lang="en-US" dirty="0"/>
+              </a:p>
+              <a:p>
+                <a:pPr marL="0" indent="0">
+                  <a:buNone/>
+                </a:pPr>
+                <a:r>
+                  <a:rPr lang="en-US" b="0" dirty="0"/>
+                  <a:t>              </a:t>
+                </a:r>
+                <a14:m>
+                  <m:oMath xmlns:m="http://schemas.openxmlformats.org/officeDocument/2006/math">
+                    <m:r>
+                      <a:rPr lang="en-US" b="0" i="1" smtClean="0">
+                        <a:latin typeface="Cambria Math" panose="02040503050406030204" pitchFamily="18" charset="0"/>
+                      </a:rPr>
+                      <m:t>𝑥</m:t>
+                    </m:r>
+                    <m:r>
+                      <a:rPr lang="en-US" b="0" i="1" smtClean="0">
+                        <a:latin typeface="Cambria Math" panose="02040503050406030204" pitchFamily="18" charset="0"/>
+                      </a:rPr>
+                      <m:t>∈</m:t>
+                    </m:r>
+                    <m:r>
+                      <a:rPr lang="en-US" b="0" i="1" smtClean="0">
+                        <a:latin typeface="Cambria Math" panose="02040503050406030204" pitchFamily="18" charset="0"/>
+                      </a:rPr>
+                      <m:t>𝑆</m:t>
+                    </m:r>
+                    <m:r>
+                      <a:rPr lang="en-US" b="0" i="1" smtClean="0">
+                        <a:latin typeface="Cambria Math" panose="02040503050406030204" pitchFamily="18" charset="0"/>
+                      </a:rPr>
+                      <m:t>∪</m:t>
+                    </m:r>
+                    <m:r>
+                      <a:rPr lang="en-US" b="0" i="1" smtClean="0">
+                        <a:latin typeface="Cambria Math" panose="02040503050406030204" pitchFamily="18" charset="0"/>
+                      </a:rPr>
+                      <m:t>𝑇</m:t>
+                    </m:r>
+                    <m:r>
+                      <a:rPr lang="en-US" b="0" i="1" smtClean="0">
+                        <a:latin typeface="Cambria Math" panose="02040503050406030204" pitchFamily="18" charset="0"/>
+                      </a:rPr>
+                      <m:t>⇔</m:t>
+                    </m:r>
+                    <m:r>
+                      <a:rPr lang="en-US" b="0" i="1" smtClean="0">
+                        <a:latin typeface="Cambria Math" panose="02040503050406030204" pitchFamily="18" charset="0"/>
+                      </a:rPr>
+                      <m:t>𝑥</m:t>
+                    </m:r>
+                    <m:r>
+                      <a:rPr lang="en-US" b="0" i="1" smtClean="0">
+                        <a:latin typeface="Cambria Math" panose="02040503050406030204" pitchFamily="18" charset="0"/>
+                      </a:rPr>
+                      <m:t>∈</m:t>
+                    </m:r>
+                    <m:r>
+                      <a:rPr lang="en-US" b="0" i="1" smtClean="0">
+                        <a:latin typeface="Cambria Math" panose="02040503050406030204" pitchFamily="18" charset="0"/>
+                      </a:rPr>
+                      <m:t>𝑆</m:t>
+                    </m:r>
+                    <m:r>
+                      <a:rPr lang="en-US" b="0" i="1" smtClean="0">
+                        <a:latin typeface="Cambria Math" panose="02040503050406030204" pitchFamily="18" charset="0"/>
+                      </a:rPr>
+                      <m:t>∨</m:t>
+                    </m:r>
+                    <m:r>
+                      <a:rPr lang="en-US" b="0" i="1" smtClean="0">
+                        <a:latin typeface="Cambria Math" panose="02040503050406030204" pitchFamily="18" charset="0"/>
+                      </a:rPr>
+                      <m:t>𝑥</m:t>
+                    </m:r>
+                    <m:r>
+                      <a:rPr lang="en-US" b="0" i="1" smtClean="0">
+                        <a:latin typeface="Cambria Math" panose="02040503050406030204" pitchFamily="18" charset="0"/>
+                      </a:rPr>
+                      <m:t>∈</m:t>
+                    </m:r>
+                    <m:r>
+                      <a:rPr lang="en-US" b="0" i="1" smtClean="0">
+                        <a:latin typeface="Cambria Math" panose="02040503050406030204" pitchFamily="18" charset="0"/>
+                      </a:rPr>
+                      <m:t>𝑇</m:t>
+                    </m:r>
+                  </m:oMath>
+                </a14:m>
+                <a:endParaRPr lang="en-US" b="0" dirty="0"/>
+              </a:p>
+              <a:p>
+                <a:pPr marL="0" indent="0">
+                  <a:buNone/>
+                </a:pPr>
+                <a:r>
+                  <a:rPr lang="en-US" dirty="0"/>
+                  <a:t> 	</a:t>
+                </a:r>
+                <a14:m>
+                  <m:oMath xmlns:m="http://schemas.openxmlformats.org/officeDocument/2006/math">
+                    <m:r>
+                      <a:rPr lang="en-US" i="1">
+                        <a:latin typeface="Cambria Math" panose="02040503050406030204" pitchFamily="18" charset="0"/>
+                      </a:rPr>
+                      <m:t>𝑥</m:t>
+                    </m:r>
+                    <m:r>
+                      <a:rPr lang="en-US" i="1">
+                        <a:latin typeface="Cambria Math" panose="02040503050406030204" pitchFamily="18" charset="0"/>
+                      </a:rPr>
+                      <m:t>∈</m:t>
+                    </m:r>
+                    <m:r>
+                      <a:rPr lang="en-US" i="1">
+                        <a:latin typeface="Cambria Math" panose="02040503050406030204" pitchFamily="18" charset="0"/>
+                      </a:rPr>
+                      <m:t>𝑆</m:t>
+                    </m:r>
+                    <m:r>
+                      <a:rPr lang="en-US" b="0" i="1" smtClean="0">
+                        <a:latin typeface="Cambria Math" panose="02040503050406030204" pitchFamily="18" charset="0"/>
+                      </a:rPr>
+                      <m:t>∩</m:t>
+                    </m:r>
+                    <m:r>
+                      <a:rPr lang="en-US" i="1">
+                        <a:latin typeface="Cambria Math" panose="02040503050406030204" pitchFamily="18" charset="0"/>
+                      </a:rPr>
+                      <m:t>𝑇</m:t>
+                    </m:r>
+                    <m:r>
+                      <a:rPr lang="en-US" i="1">
+                        <a:latin typeface="Cambria Math" panose="02040503050406030204" pitchFamily="18" charset="0"/>
+                      </a:rPr>
+                      <m:t>⇔</m:t>
+                    </m:r>
+                    <m:r>
+                      <a:rPr lang="en-US" i="1">
+                        <a:latin typeface="Cambria Math" panose="02040503050406030204" pitchFamily="18" charset="0"/>
+                      </a:rPr>
+                      <m:t>𝑥</m:t>
+                    </m:r>
+                    <m:r>
+                      <a:rPr lang="en-US" i="1">
+                        <a:latin typeface="Cambria Math" panose="02040503050406030204" pitchFamily="18" charset="0"/>
+                      </a:rPr>
+                      <m:t>∈</m:t>
+                    </m:r>
+                    <m:r>
+                      <a:rPr lang="en-US" i="1">
+                        <a:latin typeface="Cambria Math" panose="02040503050406030204" pitchFamily="18" charset="0"/>
+                      </a:rPr>
+                      <m:t>𝑆</m:t>
+                    </m:r>
+                    <m:r>
+                      <a:rPr lang="en-US" b="0" i="1" smtClean="0">
+                        <a:latin typeface="Cambria Math" panose="02040503050406030204" pitchFamily="18" charset="0"/>
+                      </a:rPr>
+                      <m:t>∧</m:t>
+                    </m:r>
+                    <m:r>
+                      <a:rPr lang="en-US" i="1">
+                        <a:latin typeface="Cambria Math" panose="02040503050406030204" pitchFamily="18" charset="0"/>
+                      </a:rPr>
+                      <m:t>𝑥</m:t>
+                    </m:r>
+                    <m:r>
+                      <a:rPr lang="en-US" i="1">
+                        <a:latin typeface="Cambria Math" panose="02040503050406030204" pitchFamily="18" charset="0"/>
+                      </a:rPr>
+                      <m:t>∈</m:t>
+                    </m:r>
+                    <m:r>
+                      <a:rPr lang="en-US" i="1">
+                        <a:latin typeface="Cambria Math" panose="02040503050406030204" pitchFamily="18" charset="0"/>
+                      </a:rPr>
+                      <m:t>𝑇</m:t>
+                    </m:r>
+                  </m:oMath>
+                </a14:m>
+                <a:endParaRPr lang="en-US" dirty="0"/>
+              </a:p>
+              <a:p>
+                <a:pPr marL="0" indent="0">
+                  <a:buNone/>
+                </a:pPr>
+                <a:r>
+                  <a:rPr lang="en-US" dirty="0"/>
+                  <a:t>	</a:t>
+                </a:r>
+                <a14:m>
+                  <m:oMath xmlns:m="http://schemas.openxmlformats.org/officeDocument/2006/math">
+                    <m:r>
+                      <a:rPr lang="en-US" i="1">
+                        <a:latin typeface="Cambria Math" panose="02040503050406030204" pitchFamily="18" charset="0"/>
+                      </a:rPr>
+                      <m:t>𝑥</m:t>
+                    </m:r>
+                    <m:r>
+                      <a:rPr lang="en-US" i="1">
+                        <a:latin typeface="Cambria Math" panose="02040503050406030204" pitchFamily="18" charset="0"/>
+                      </a:rPr>
+                      <m:t>∈</m:t>
+                    </m:r>
+                    <m:r>
+                      <a:rPr lang="en-US" i="1">
+                        <a:latin typeface="Cambria Math" panose="02040503050406030204" pitchFamily="18" charset="0"/>
+                      </a:rPr>
+                      <m:t>𝑆</m:t>
+                    </m:r>
+                    <m:r>
+                      <a:rPr lang="en-US" b="0" i="1" smtClean="0">
+                        <a:latin typeface="Cambria Math" panose="02040503050406030204" pitchFamily="18" charset="0"/>
+                      </a:rPr>
+                      <m:t>∖</m:t>
+                    </m:r>
+                    <m:r>
+                      <a:rPr lang="en-US" i="1">
+                        <a:latin typeface="Cambria Math" panose="02040503050406030204" pitchFamily="18" charset="0"/>
+                      </a:rPr>
+                      <m:t>𝑇</m:t>
+                    </m:r>
+                    <m:r>
+                      <a:rPr lang="en-US" i="1">
+                        <a:latin typeface="Cambria Math" panose="02040503050406030204" pitchFamily="18" charset="0"/>
+                      </a:rPr>
+                      <m:t>⇔</m:t>
+                    </m:r>
+                    <m:r>
+                      <a:rPr lang="en-US" i="1">
+                        <a:latin typeface="Cambria Math" panose="02040503050406030204" pitchFamily="18" charset="0"/>
+                      </a:rPr>
+                      <m:t>𝑥</m:t>
+                    </m:r>
+                    <m:r>
+                      <a:rPr lang="en-US" i="1">
+                        <a:latin typeface="Cambria Math" panose="02040503050406030204" pitchFamily="18" charset="0"/>
+                      </a:rPr>
+                      <m:t>∈</m:t>
+                    </m:r>
+                    <m:r>
+                      <a:rPr lang="en-US" i="1">
+                        <a:latin typeface="Cambria Math" panose="02040503050406030204" pitchFamily="18" charset="0"/>
+                      </a:rPr>
+                      <m:t>𝑆</m:t>
+                    </m:r>
+                    <m:r>
+                      <a:rPr lang="en-US" b="0" i="1" smtClean="0">
+                        <a:latin typeface="Cambria Math" panose="02040503050406030204" pitchFamily="18" charset="0"/>
+                      </a:rPr>
+                      <m:t>∧</m:t>
+                    </m:r>
+                    <m:r>
+                      <a:rPr lang="en-US" i="1">
+                        <a:latin typeface="Cambria Math" panose="02040503050406030204" pitchFamily="18" charset="0"/>
+                      </a:rPr>
+                      <m:t>𝑥</m:t>
+                    </m:r>
+                    <m:r>
+                      <a:rPr lang="en-US" i="1" smtClean="0">
+                        <a:latin typeface="Cambria Math" panose="02040503050406030204" pitchFamily="18" charset="0"/>
+                        <a:ea typeface="Cambria Math" panose="02040503050406030204" pitchFamily="18" charset="0"/>
+                      </a:rPr>
+                      <m:t>∉</m:t>
+                    </m:r>
+                    <m:r>
+                      <a:rPr lang="en-US" i="1">
+                        <a:latin typeface="Cambria Math" panose="02040503050406030204" pitchFamily="18" charset="0"/>
+                      </a:rPr>
+                      <m:t>𝑇</m:t>
+                    </m:r>
+                  </m:oMath>
+                </a14:m>
+                <a:endParaRPr lang="en-US" dirty="0"/>
+              </a:p>
+              <a:p>
+                <a:pPr marL="0" indent="0">
+                  <a:buNone/>
+                </a:pPr>
+                <a:r>
+                  <a:rPr lang="en-US" b="0" dirty="0"/>
+                  <a:t>	</a:t>
+                </a:r>
+                <a14:m>
+                  <m:oMath xmlns:m="http://schemas.openxmlformats.org/officeDocument/2006/math">
+                    <m:r>
+                      <a:rPr lang="en-US" i="1">
+                        <a:latin typeface="Cambria Math" panose="02040503050406030204" pitchFamily="18" charset="0"/>
+                      </a:rPr>
+                      <m:t>𝑥</m:t>
+                    </m:r>
+                    <m:r>
+                      <a:rPr lang="en-US" i="1">
+                        <a:latin typeface="Cambria Math" panose="02040503050406030204" pitchFamily="18" charset="0"/>
+                      </a:rPr>
+                      <m:t>∈</m:t>
+                    </m:r>
+                    <m:d>
+                      <m:dPr>
+                        <m:begChr m:val="{"/>
+                        <m:endChr m:val="}"/>
+                        <m:ctrlPr>
+                          <a:rPr lang="en-US" b="0" i="1" smtClean="0">
+                            <a:latin typeface="Cambria Math" panose="02040503050406030204" pitchFamily="18" charset="0"/>
+                          </a:rPr>
+                        </m:ctrlPr>
+                      </m:dPr>
+                      <m:e>
+                        <m:r>
+                          <a:rPr lang="en-US" b="0" i="1" smtClean="0">
+                            <a:latin typeface="Cambria Math" panose="02040503050406030204" pitchFamily="18" charset="0"/>
+                          </a:rPr>
+                          <m:t>𝑦</m:t>
+                        </m:r>
+                      </m:e>
+                    </m:d>
+                    <m:r>
+                      <a:rPr lang="en-US" i="1">
+                        <a:latin typeface="Cambria Math" panose="02040503050406030204" pitchFamily="18" charset="0"/>
+                      </a:rPr>
+                      <m:t>⇔</m:t>
+                    </m:r>
+                    <m:r>
+                      <a:rPr lang="en-US" i="1">
+                        <a:latin typeface="Cambria Math" panose="02040503050406030204" pitchFamily="18" charset="0"/>
+                      </a:rPr>
+                      <m:t>𝑥</m:t>
+                    </m:r>
+                    <m:r>
+                      <a:rPr lang="en-US" b="0" i="1" smtClean="0">
+                        <a:latin typeface="Cambria Math" panose="02040503050406030204" pitchFamily="18" charset="0"/>
+                      </a:rPr>
+                      <m:t>=</m:t>
+                    </m:r>
+                    <m:r>
+                      <a:rPr lang="en-US" b="0" i="1" smtClean="0">
+                        <a:latin typeface="Cambria Math" panose="02040503050406030204" pitchFamily="18" charset="0"/>
+                      </a:rPr>
+                      <m:t>𝑦</m:t>
+                    </m:r>
+                  </m:oMath>
+                </a14:m>
+                <a:endParaRPr lang="en-US" dirty="0"/>
+              </a:p>
+              <a:p>
+                <a:pPr marL="0" indent="0">
+                  <a:buNone/>
+                </a:pPr>
+                <a:r>
+                  <a:rPr lang="en-US" dirty="0"/>
+                  <a:t>              </a:t>
+                </a:r>
+                <a14:m>
+                  <m:oMath xmlns:m="http://schemas.openxmlformats.org/officeDocument/2006/math">
+                    <m:r>
+                      <a:rPr lang="en-US" i="1">
+                        <a:latin typeface="Cambria Math" panose="02040503050406030204" pitchFamily="18" charset="0"/>
+                      </a:rPr>
+                      <m:t>𝑠</m:t>
+                    </m:r>
+                    <m:r>
+                      <a:rPr lang="en-US" i="1">
+                        <a:latin typeface="Cambria Math" panose="02040503050406030204" pitchFamily="18" charset="0"/>
+                      </a:rPr>
+                      <m:t>≠</m:t>
+                    </m:r>
+                    <m:r>
+                      <a:rPr lang="en-US" i="1">
+                        <a:latin typeface="Cambria Math" panose="02040503050406030204" pitchFamily="18" charset="0"/>
+                      </a:rPr>
+                      <m:t>𝑡</m:t>
+                    </m:r>
+                    <m:r>
+                      <a:rPr lang="en-US" i="1">
+                        <a:latin typeface="Cambria Math" panose="02040503050406030204" pitchFamily="18" charset="0"/>
+                      </a:rPr>
+                      <m:t>⇒</m:t>
+                    </m:r>
+                    <m:r>
+                      <a:rPr lang="en-US" i="1">
+                        <a:latin typeface="Cambria Math" panose="02040503050406030204" pitchFamily="18" charset="0"/>
+                      </a:rPr>
+                      <m:t>𝛿</m:t>
+                    </m:r>
+                    <m:d>
+                      <m:dPr>
+                        <m:ctrlPr>
+                          <a:rPr lang="en-US" i="1">
+                            <a:latin typeface="Cambria Math" panose="02040503050406030204" pitchFamily="18" charset="0"/>
+                          </a:rPr>
+                        </m:ctrlPr>
+                      </m:dPr>
+                      <m:e>
+                        <m:r>
+                          <a:rPr lang="en-US" i="1">
+                            <a:latin typeface="Cambria Math" panose="02040503050406030204" pitchFamily="18" charset="0"/>
+                          </a:rPr>
+                          <m:t>𝑠</m:t>
+                        </m:r>
+                        <m:r>
+                          <a:rPr lang="en-US" i="1">
+                            <a:latin typeface="Cambria Math" panose="02040503050406030204" pitchFamily="18" charset="0"/>
+                          </a:rPr>
+                          <m:t>, </m:t>
+                        </m:r>
+                        <m:r>
+                          <a:rPr lang="en-US" i="1">
+                            <a:latin typeface="Cambria Math" panose="02040503050406030204" pitchFamily="18" charset="0"/>
+                          </a:rPr>
+                          <m:t>𝑡</m:t>
+                        </m:r>
+                      </m:e>
+                    </m:d>
+                    <m:r>
+                      <a:rPr lang="en-US" i="1">
+                        <a:latin typeface="Cambria Math" panose="02040503050406030204" pitchFamily="18" charset="0"/>
+                      </a:rPr>
+                      <m:t>∈</m:t>
+                    </m:r>
+                    <m:r>
+                      <a:rPr lang="en-US" i="1">
+                        <a:latin typeface="Cambria Math" panose="02040503050406030204" pitchFamily="18" charset="0"/>
+                      </a:rPr>
+                      <m:t>𝑠</m:t>
+                    </m:r>
+                    <m:r>
+                      <a:rPr lang="en-US" i="1">
+                        <a:latin typeface="Cambria Math" panose="02040503050406030204" pitchFamily="18" charset="0"/>
+                      </a:rPr>
+                      <m:t>≠</m:t>
+                    </m:r>
+                    <m:r>
+                      <a:rPr lang="en-US" i="1">
+                        <a:latin typeface="Cambria Math" panose="02040503050406030204" pitchFamily="18" charset="0"/>
+                      </a:rPr>
+                      <m:t>𝛿</m:t>
+                    </m:r>
+                    <m:d>
+                      <m:dPr>
+                        <m:ctrlPr>
+                          <a:rPr lang="en-US" i="1">
+                            <a:latin typeface="Cambria Math" panose="02040503050406030204" pitchFamily="18" charset="0"/>
+                          </a:rPr>
+                        </m:ctrlPr>
+                      </m:dPr>
+                      <m:e>
+                        <m:r>
+                          <a:rPr lang="en-US" i="1">
+                            <a:latin typeface="Cambria Math" panose="02040503050406030204" pitchFamily="18" charset="0"/>
+                          </a:rPr>
+                          <m:t>𝑠</m:t>
+                        </m:r>
+                        <m:r>
+                          <a:rPr lang="en-US" i="1">
+                            <a:latin typeface="Cambria Math" panose="02040503050406030204" pitchFamily="18" charset="0"/>
+                          </a:rPr>
+                          <m:t>,</m:t>
+                        </m:r>
+                        <m:r>
+                          <a:rPr lang="en-US" i="1">
+                            <a:latin typeface="Cambria Math" panose="02040503050406030204" pitchFamily="18" charset="0"/>
+                          </a:rPr>
+                          <m:t>𝑡</m:t>
+                        </m:r>
+                      </m:e>
+                    </m:d>
+                    <m:r>
+                      <a:rPr lang="en-US" i="1">
+                        <a:latin typeface="Cambria Math" panose="02040503050406030204" pitchFamily="18" charset="0"/>
+                      </a:rPr>
+                      <m:t>∈</m:t>
+                    </m:r>
+                    <m:r>
+                      <a:rPr lang="en-US" i="1">
+                        <a:latin typeface="Cambria Math" panose="02040503050406030204" pitchFamily="18" charset="0"/>
+                      </a:rPr>
+                      <m:t>𝑡</m:t>
+                    </m:r>
+                  </m:oMath>
+                </a14:m>
+                <a:endParaRPr lang="en-US" dirty="0"/>
+              </a:p>
+              <a:p>
+                <a:pPr marL="0" indent="0">
+                  <a:buNone/>
+                </a:pPr>
+                <a:endParaRPr lang="en-US" dirty="0"/>
+              </a:p>
+              <a:p>
+                <a:pPr marL="0" indent="0">
+                  <a:buNone/>
+                </a:pPr>
+                <a:r>
+                  <a:rPr lang="en-US" dirty="0"/>
+                  <a:t>	</a:t>
+                </a:r>
+                <a14:m>
+                  <m:oMath xmlns:m="http://schemas.openxmlformats.org/officeDocument/2006/math">
+                    <m:r>
+                      <a:rPr lang="en-US" b="0" i="1" smtClean="0">
+                        <a:latin typeface="Cambria Math" panose="02040503050406030204" pitchFamily="18" charset="0"/>
+                      </a:rPr>
+                      <m:t>𝑥</m:t>
+                    </m:r>
+                    <m:r>
+                      <a:rPr lang="en-US" b="0" i="1" smtClean="0">
+                        <a:latin typeface="Cambria Math" panose="02040503050406030204" pitchFamily="18" charset="0"/>
+                      </a:rPr>
+                      <m:t>∈</m:t>
+                    </m:r>
+                    <m:r>
+                      <a:rPr lang="en-US" b="0" i="1" smtClean="0">
+                        <a:latin typeface="Cambria Math" panose="02040503050406030204" pitchFamily="18" charset="0"/>
+                      </a:rPr>
+                      <m:t>𝑆</m:t>
+                    </m:r>
+                    <m:r>
+                      <a:rPr lang="en-US" b="0" i="1" smtClean="0">
+                        <a:latin typeface="Cambria Math" panose="02040503050406030204" pitchFamily="18" charset="0"/>
+                      </a:rPr>
+                      <m:t>⇒</m:t>
+                    </m:r>
+                    <m:r>
+                      <a:rPr lang="en-US" b="0" i="1" smtClean="0">
+                        <a:latin typeface="Cambria Math" panose="02040503050406030204" pitchFamily="18" charset="0"/>
+                      </a:rPr>
+                      <m:t>𝑓</m:t>
+                    </m:r>
+                    <m:d>
+                      <m:dPr>
+                        <m:ctrlPr>
+                          <a:rPr lang="en-US" b="0" i="1" smtClean="0">
+                            <a:latin typeface="Cambria Math" panose="02040503050406030204" pitchFamily="18" charset="0"/>
+                          </a:rPr>
+                        </m:ctrlPr>
+                      </m:dPr>
+                      <m:e>
+                        <m:r>
+                          <a:rPr lang="en-US" b="0" i="1" smtClean="0">
+                            <a:latin typeface="Cambria Math" panose="02040503050406030204" pitchFamily="18" charset="0"/>
+                          </a:rPr>
+                          <m:t>𝑥</m:t>
+                        </m:r>
+                      </m:e>
+                    </m:d>
+                    <m:r>
+                      <a:rPr lang="en-US" b="0" i="1" smtClean="0">
+                        <a:latin typeface="Cambria Math" panose="02040503050406030204" pitchFamily="18" charset="0"/>
+                      </a:rPr>
+                      <m:t>∈</m:t>
+                    </m:r>
+                    <m:r>
+                      <a:rPr lang="en-US" b="0" i="1" smtClean="0">
+                        <a:latin typeface="Cambria Math" panose="02040503050406030204" pitchFamily="18" charset="0"/>
+                      </a:rPr>
+                      <m:t>𝑚𝑎𝑝</m:t>
+                    </m:r>
+                    <m:d>
+                      <m:dPr>
+                        <m:ctrlPr>
+                          <a:rPr lang="en-US" b="0" i="1" smtClean="0">
+                            <a:latin typeface="Cambria Math" panose="02040503050406030204" pitchFamily="18" charset="0"/>
+                          </a:rPr>
+                        </m:ctrlPr>
+                      </m:dPr>
+                      <m:e>
+                        <m:r>
+                          <a:rPr lang="en-US" b="0" i="1" smtClean="0">
+                            <a:latin typeface="Cambria Math" panose="02040503050406030204" pitchFamily="18" charset="0"/>
+                          </a:rPr>
+                          <m:t>𝑓</m:t>
+                        </m:r>
+                        <m:r>
+                          <a:rPr lang="en-US" b="0" i="1" smtClean="0">
+                            <a:latin typeface="Cambria Math" panose="02040503050406030204" pitchFamily="18" charset="0"/>
+                          </a:rPr>
+                          <m:t>, </m:t>
+                        </m:r>
+                        <m:r>
+                          <a:rPr lang="en-US" b="0" i="1" smtClean="0">
+                            <a:latin typeface="Cambria Math" panose="02040503050406030204" pitchFamily="18" charset="0"/>
+                          </a:rPr>
+                          <m:t>𝑆</m:t>
+                        </m:r>
+                      </m:e>
+                    </m:d>
+                  </m:oMath>
+                </a14:m>
+                <a:endParaRPr lang="en-US" b="0" dirty="0"/>
+              </a:p>
+              <a:p>
+                <a:pPr marL="0" indent="0">
+                  <a:buNone/>
+                </a:pPr>
+                <a:r>
+                  <a:rPr lang="en-US" dirty="0"/>
+                  <a:t>	</a:t>
+                </a:r>
+                <a14:m>
+                  <m:oMath xmlns:m="http://schemas.openxmlformats.org/officeDocument/2006/math">
+                    <m:r>
+                      <a:rPr lang="en-US" i="1">
+                        <a:latin typeface="Cambria Math" panose="02040503050406030204" pitchFamily="18" charset="0"/>
+                      </a:rPr>
+                      <m:t>𝑥</m:t>
+                    </m:r>
+                    <m:r>
+                      <a:rPr lang="en-US" i="1">
+                        <a:latin typeface="Cambria Math" panose="02040503050406030204" pitchFamily="18" charset="0"/>
+                      </a:rPr>
+                      <m:t>∈</m:t>
+                    </m:r>
+                    <m:r>
+                      <a:rPr lang="en-US" b="0" i="1" smtClean="0">
+                        <a:latin typeface="Cambria Math" panose="02040503050406030204" pitchFamily="18" charset="0"/>
+                      </a:rPr>
+                      <m:t>𝑚𝑎𝑝</m:t>
+                    </m:r>
+                    <m:d>
+                      <m:dPr>
+                        <m:ctrlPr>
+                          <a:rPr lang="en-US" b="0" i="1" smtClean="0">
+                            <a:latin typeface="Cambria Math" panose="02040503050406030204" pitchFamily="18" charset="0"/>
+                          </a:rPr>
+                        </m:ctrlPr>
+                      </m:dPr>
+                      <m:e>
+                        <m:r>
+                          <a:rPr lang="en-US" b="0" i="1" smtClean="0">
+                            <a:latin typeface="Cambria Math" panose="02040503050406030204" pitchFamily="18" charset="0"/>
+                          </a:rPr>
+                          <m:t>𝑓</m:t>
+                        </m:r>
+                        <m:r>
+                          <a:rPr lang="en-US" b="0" i="1" smtClean="0">
+                            <a:latin typeface="Cambria Math" panose="02040503050406030204" pitchFamily="18" charset="0"/>
+                          </a:rPr>
+                          <m:t>, </m:t>
+                        </m:r>
+                        <m:r>
+                          <a:rPr lang="en-US" b="0" i="1" smtClean="0">
+                            <a:latin typeface="Cambria Math" panose="02040503050406030204" pitchFamily="18" charset="0"/>
+                          </a:rPr>
+                          <m:t>𝑆</m:t>
+                        </m:r>
+                      </m:e>
+                    </m:d>
+                    <m:r>
+                      <a:rPr lang="en-US" b="0" i="1" smtClean="0">
+                        <a:latin typeface="Cambria Math" panose="02040503050406030204" pitchFamily="18" charset="0"/>
+                      </a:rPr>
+                      <m:t>⇒</m:t>
+                    </m:r>
+                    <m:r>
+                      <a:rPr lang="en-US" b="0" i="1" smtClean="0">
+                        <a:latin typeface="Cambria Math" panose="02040503050406030204" pitchFamily="18" charset="0"/>
+                      </a:rPr>
+                      <m:t>𝑚𝑎</m:t>
+                    </m:r>
+                    <m:sSup>
+                      <m:sSupPr>
+                        <m:ctrlPr>
+                          <a:rPr lang="en-US" b="0" i="1" smtClean="0">
+                            <a:latin typeface="Cambria Math" panose="02040503050406030204" pitchFamily="18" charset="0"/>
+                          </a:rPr>
+                        </m:ctrlPr>
+                      </m:sSupPr>
+                      <m:e>
+                        <m:r>
+                          <a:rPr lang="en-US" b="0" i="1" smtClean="0">
+                            <a:latin typeface="Cambria Math" panose="02040503050406030204" pitchFamily="18" charset="0"/>
+                          </a:rPr>
+                          <m:t>𝑝</m:t>
+                        </m:r>
+                      </m:e>
+                      <m:sup>
+                        <m:r>
+                          <a:rPr lang="en-US" b="0" i="1" smtClean="0">
+                            <a:latin typeface="Cambria Math" panose="02040503050406030204" pitchFamily="18" charset="0"/>
+                          </a:rPr>
+                          <m:t>−1</m:t>
+                        </m:r>
+                      </m:sup>
+                    </m:sSup>
+                    <m:d>
+                      <m:dPr>
+                        <m:ctrlPr>
+                          <a:rPr lang="en-US" b="0" i="1" smtClean="0">
+                            <a:latin typeface="Cambria Math" panose="02040503050406030204" pitchFamily="18" charset="0"/>
+                          </a:rPr>
+                        </m:ctrlPr>
+                      </m:dPr>
+                      <m:e>
+                        <m:r>
+                          <a:rPr lang="en-US" b="0" i="1" smtClean="0">
+                            <a:latin typeface="Cambria Math" panose="02040503050406030204" pitchFamily="18" charset="0"/>
+                          </a:rPr>
+                          <m:t>𝑓</m:t>
+                        </m:r>
+                        <m:r>
+                          <a:rPr lang="en-US" b="0" i="1" smtClean="0">
+                            <a:latin typeface="Cambria Math" panose="02040503050406030204" pitchFamily="18" charset="0"/>
+                          </a:rPr>
+                          <m:t>, </m:t>
+                        </m:r>
+                        <m:r>
+                          <a:rPr lang="en-US" b="0" i="1" smtClean="0">
+                            <a:latin typeface="Cambria Math" panose="02040503050406030204" pitchFamily="18" charset="0"/>
+                          </a:rPr>
+                          <m:t>𝑥</m:t>
+                        </m:r>
+                        <m:r>
+                          <a:rPr lang="en-US" b="0" i="1" smtClean="0">
+                            <a:latin typeface="Cambria Math" panose="02040503050406030204" pitchFamily="18" charset="0"/>
+                          </a:rPr>
+                          <m:t>, </m:t>
+                        </m:r>
+                        <m:r>
+                          <a:rPr lang="en-US" b="0" i="1" smtClean="0">
+                            <a:latin typeface="Cambria Math" panose="02040503050406030204" pitchFamily="18" charset="0"/>
+                          </a:rPr>
+                          <m:t>𝑆</m:t>
+                        </m:r>
+                      </m:e>
+                    </m:d>
+                    <m:r>
+                      <a:rPr lang="en-US" b="0" i="1" smtClean="0">
+                        <a:latin typeface="Cambria Math" panose="02040503050406030204" pitchFamily="18" charset="0"/>
+                      </a:rPr>
+                      <m:t>∈</m:t>
+                    </m:r>
+                    <m:r>
+                      <a:rPr lang="en-US" b="0" i="1" smtClean="0">
+                        <a:latin typeface="Cambria Math" panose="02040503050406030204" pitchFamily="18" charset="0"/>
+                      </a:rPr>
+                      <m:t>𝑆</m:t>
+                    </m:r>
+                    <m:r>
+                      <a:rPr lang="en-US" b="0" i="1" smtClean="0">
+                        <a:latin typeface="Cambria Math" panose="02040503050406030204" pitchFamily="18" charset="0"/>
+                      </a:rPr>
+                      <m:t>∧</m:t>
+                    </m:r>
+                    <m:r>
+                      <a:rPr lang="en-US" b="0" i="1" smtClean="0">
+                        <a:latin typeface="Cambria Math" panose="02040503050406030204" pitchFamily="18" charset="0"/>
+                      </a:rPr>
+                      <m:t>𝑓</m:t>
+                    </m:r>
+                    <m:d>
+                      <m:dPr>
+                        <m:ctrlPr>
+                          <a:rPr lang="en-US" b="0" i="1" smtClean="0">
+                            <a:latin typeface="Cambria Math" panose="02040503050406030204" pitchFamily="18" charset="0"/>
+                          </a:rPr>
+                        </m:ctrlPr>
+                      </m:dPr>
+                      <m:e>
+                        <m:r>
+                          <a:rPr lang="en-US" i="1">
+                            <a:latin typeface="Cambria Math" panose="02040503050406030204" pitchFamily="18" charset="0"/>
+                          </a:rPr>
+                          <m:t>𝑚𝑎</m:t>
+                        </m:r>
+                        <m:sSup>
+                          <m:sSupPr>
+                            <m:ctrlPr>
+                              <a:rPr lang="en-US" i="1">
+                                <a:latin typeface="Cambria Math" panose="02040503050406030204" pitchFamily="18" charset="0"/>
+                              </a:rPr>
+                            </m:ctrlPr>
+                          </m:sSupPr>
+                          <m:e>
+                            <m:r>
+                              <a:rPr lang="en-US" i="1">
+                                <a:latin typeface="Cambria Math" panose="02040503050406030204" pitchFamily="18" charset="0"/>
+                              </a:rPr>
+                              <m:t>𝑝</m:t>
+                            </m:r>
+                          </m:e>
+                          <m:sup>
+                            <m:r>
+                              <a:rPr lang="en-US" i="1">
+                                <a:latin typeface="Cambria Math" panose="02040503050406030204" pitchFamily="18" charset="0"/>
+                              </a:rPr>
+                              <m:t>−1</m:t>
+                            </m:r>
+                          </m:sup>
+                        </m:sSup>
+                        <m:d>
+                          <m:dPr>
+                            <m:ctrlPr>
+                              <a:rPr lang="en-US" i="1">
+                                <a:latin typeface="Cambria Math" panose="02040503050406030204" pitchFamily="18" charset="0"/>
+                              </a:rPr>
+                            </m:ctrlPr>
+                          </m:dPr>
+                          <m:e>
+                            <m:r>
+                              <a:rPr lang="en-US" i="1">
+                                <a:latin typeface="Cambria Math" panose="02040503050406030204" pitchFamily="18" charset="0"/>
+                              </a:rPr>
+                              <m:t>𝑓</m:t>
+                            </m:r>
+                            <m:r>
+                              <a:rPr lang="en-US" i="1">
+                                <a:latin typeface="Cambria Math" panose="02040503050406030204" pitchFamily="18" charset="0"/>
+                              </a:rPr>
+                              <m:t>, </m:t>
+                            </m:r>
+                            <m:r>
+                              <a:rPr lang="en-US" i="1">
+                                <a:latin typeface="Cambria Math" panose="02040503050406030204" pitchFamily="18" charset="0"/>
+                              </a:rPr>
+                              <m:t>𝑥</m:t>
+                            </m:r>
+                            <m:r>
+                              <a:rPr lang="en-US" i="1">
+                                <a:latin typeface="Cambria Math" panose="02040503050406030204" pitchFamily="18" charset="0"/>
+                              </a:rPr>
+                              <m:t>, </m:t>
+                            </m:r>
+                            <m:r>
+                              <a:rPr lang="en-US" i="1">
+                                <a:latin typeface="Cambria Math" panose="02040503050406030204" pitchFamily="18" charset="0"/>
+                              </a:rPr>
+                              <m:t>𝑆</m:t>
+                            </m:r>
+                          </m:e>
+                        </m:d>
+                      </m:e>
+                    </m:d>
+                    <m:r>
+                      <a:rPr lang="en-US" b="0" i="1" smtClean="0">
+                        <a:latin typeface="Cambria Math" panose="02040503050406030204" pitchFamily="18" charset="0"/>
+                      </a:rPr>
+                      <m:t>=</m:t>
+                    </m:r>
+                    <m:r>
+                      <a:rPr lang="en-US" b="0" i="1" smtClean="0">
+                        <a:latin typeface="Cambria Math" panose="02040503050406030204" pitchFamily="18" charset="0"/>
+                      </a:rPr>
+                      <m:t>𝑥</m:t>
+                    </m:r>
+                  </m:oMath>
+                </a14:m>
+                <a:endParaRPr lang="en-US" dirty="0"/>
+              </a:p>
+              <a:p>
+                <a:pPr marL="0" indent="0">
+                  <a:buNone/>
+                </a:pPr>
+                <a:r>
+                  <a:rPr lang="en-US" dirty="0"/>
+                  <a:t>	</a:t>
+                </a:r>
+                <a14:m>
+                  <m:oMath xmlns:m="http://schemas.openxmlformats.org/officeDocument/2006/math">
+                    <m:r>
+                      <a:rPr lang="en-US" i="1">
+                        <a:latin typeface="Cambria Math" panose="02040503050406030204" pitchFamily="18" charset="0"/>
+                      </a:rPr>
+                      <m:t>𝑥</m:t>
+                    </m:r>
+                    <m:r>
+                      <a:rPr lang="en-US" i="1">
+                        <a:latin typeface="Cambria Math" panose="02040503050406030204" pitchFamily="18" charset="0"/>
+                      </a:rPr>
+                      <m:t>∈</m:t>
+                    </m:r>
+                    <m:r>
+                      <a:rPr lang="en-US" b="0" i="1" smtClean="0">
+                        <a:latin typeface="Cambria Math" panose="02040503050406030204" pitchFamily="18" charset="0"/>
+                      </a:rPr>
+                      <m:t>𝑠𝑒𝑙𝑒𝑐𝑡</m:t>
+                    </m:r>
+                    <m:d>
+                      <m:dPr>
+                        <m:ctrlPr>
+                          <a:rPr lang="en-US" b="0" i="1" smtClean="0">
+                            <a:latin typeface="Cambria Math" panose="02040503050406030204" pitchFamily="18" charset="0"/>
+                          </a:rPr>
+                        </m:ctrlPr>
+                      </m:dPr>
+                      <m:e>
+                        <m:r>
+                          <a:rPr lang="en-US" b="0" i="1" smtClean="0">
+                            <a:latin typeface="Cambria Math" panose="02040503050406030204" pitchFamily="18" charset="0"/>
+                          </a:rPr>
+                          <m:t>𝑝</m:t>
+                        </m:r>
+                        <m:r>
+                          <a:rPr lang="en-US" b="0" i="1" smtClean="0">
+                            <a:latin typeface="Cambria Math" panose="02040503050406030204" pitchFamily="18" charset="0"/>
+                          </a:rPr>
+                          <m:t>, </m:t>
+                        </m:r>
+                        <m:r>
+                          <a:rPr lang="en-US" b="0" i="1" smtClean="0">
+                            <a:latin typeface="Cambria Math" panose="02040503050406030204" pitchFamily="18" charset="0"/>
+                          </a:rPr>
+                          <m:t>𝑆</m:t>
+                        </m:r>
+                      </m:e>
+                    </m:d>
+                    <m:r>
+                      <a:rPr lang="en-US" i="1">
+                        <a:latin typeface="Cambria Math" panose="02040503050406030204" pitchFamily="18" charset="0"/>
+                      </a:rPr>
+                      <m:t>⇔</m:t>
+                    </m:r>
+                    <m:r>
+                      <a:rPr lang="en-US" i="1">
+                        <a:latin typeface="Cambria Math" panose="02040503050406030204" pitchFamily="18" charset="0"/>
+                      </a:rPr>
+                      <m:t>𝑥</m:t>
+                    </m:r>
+                    <m:r>
+                      <a:rPr lang="en-US" i="1">
+                        <a:latin typeface="Cambria Math" panose="02040503050406030204" pitchFamily="18" charset="0"/>
+                      </a:rPr>
+                      <m:t>∈</m:t>
+                    </m:r>
+                    <m:r>
+                      <a:rPr lang="en-US" i="1">
+                        <a:latin typeface="Cambria Math" panose="02040503050406030204" pitchFamily="18" charset="0"/>
+                      </a:rPr>
+                      <m:t>𝑆</m:t>
+                    </m:r>
+                    <m:r>
+                      <a:rPr lang="en-US" b="0" i="1" smtClean="0">
+                        <a:latin typeface="Cambria Math" panose="02040503050406030204" pitchFamily="18" charset="0"/>
+                      </a:rPr>
+                      <m:t>∧</m:t>
+                    </m:r>
+                    <m:r>
+                      <a:rPr lang="en-US" b="0" i="1" smtClean="0">
+                        <a:latin typeface="Cambria Math" panose="02040503050406030204" pitchFamily="18" charset="0"/>
+                      </a:rPr>
+                      <m:t>𝑝</m:t>
+                    </m:r>
+                    <m:r>
+                      <a:rPr lang="en-US" b="0" i="1" smtClean="0">
+                        <a:latin typeface="Cambria Math" panose="02040503050406030204" pitchFamily="18" charset="0"/>
+                      </a:rPr>
+                      <m:t>(</m:t>
+                    </m:r>
+                    <m:r>
+                      <a:rPr lang="en-US" b="0" i="1" smtClean="0">
+                        <a:latin typeface="Cambria Math" panose="02040503050406030204" pitchFamily="18" charset="0"/>
+                      </a:rPr>
+                      <m:t>𝑥</m:t>
+                    </m:r>
+                    <m:r>
+                      <a:rPr lang="en-US" b="0" i="1" smtClean="0">
+                        <a:latin typeface="Cambria Math" panose="02040503050406030204" pitchFamily="18" charset="0"/>
+                      </a:rPr>
+                      <m:t>)</m:t>
+                    </m:r>
+                  </m:oMath>
+                </a14:m>
+                <a:endParaRPr lang="en-US" dirty="0"/>
+              </a:p>
+              <a:p>
+                <a:pPr marL="0" indent="0">
+                  <a:buNone/>
+                </a:pPr>
+                <a:endParaRPr lang="en-US" dirty="0"/>
+              </a:p>
+              <a:p>
+                <a:pPr marL="0" indent="0">
+                  <a:buNone/>
+                </a:pPr>
+                <a:r>
+                  <a:rPr lang="en-US" dirty="0"/>
+                  <a:t>               </a:t>
+                </a:r>
+                <a14:m>
+                  <m:oMath xmlns:m="http://schemas.openxmlformats.org/officeDocument/2006/math">
+                    <m:r>
+                      <a:rPr lang="en-US" i="1">
+                        <a:latin typeface="Cambria Math" panose="02040503050406030204" pitchFamily="18" charset="0"/>
+                      </a:rPr>
+                      <m:t>𝑥</m:t>
+                    </m:r>
+                    <m:r>
+                      <a:rPr lang="en-US" i="1">
+                        <a:latin typeface="Cambria Math" panose="02040503050406030204" pitchFamily="18" charset="0"/>
+                      </a:rPr>
+                      <m:t>∈</m:t>
+                    </m:r>
+                    <m:d>
+                      <m:dPr>
+                        <m:begChr m:val="["/>
+                        <m:endChr m:val="]"/>
+                        <m:ctrlPr>
+                          <a:rPr lang="en-US" b="0" i="1" smtClean="0">
+                            <a:latin typeface="Cambria Math" panose="02040503050406030204" pitchFamily="18" charset="0"/>
+                          </a:rPr>
+                        </m:ctrlPr>
+                      </m:dPr>
+                      <m:e>
+                        <m:r>
+                          <a:rPr lang="en-US" b="0" i="1" smtClean="0">
+                            <a:latin typeface="Cambria Math" panose="02040503050406030204" pitchFamily="18" charset="0"/>
+                          </a:rPr>
+                          <m:t>𝑙𝑜</m:t>
+                        </m:r>
+                        <m:r>
+                          <a:rPr lang="en-US" b="0" i="1" smtClean="0">
+                            <a:latin typeface="Cambria Math" panose="02040503050406030204" pitchFamily="18" charset="0"/>
+                          </a:rPr>
+                          <m:t>, </m:t>
+                        </m:r>
+                        <m:r>
+                          <a:rPr lang="en-US" b="0" i="1" smtClean="0">
+                            <a:latin typeface="Cambria Math" panose="02040503050406030204" pitchFamily="18" charset="0"/>
+                          </a:rPr>
+                          <m:t>h𝑖</m:t>
+                        </m:r>
+                      </m:e>
+                    </m:d>
+                    <m:r>
+                      <a:rPr lang="en-US" b="0" i="1" smtClean="0">
+                        <a:latin typeface="Cambria Math" panose="02040503050406030204" pitchFamily="18" charset="0"/>
+                      </a:rPr>
+                      <m:t>⇔</m:t>
+                    </m:r>
+                    <m:r>
+                      <a:rPr lang="en-US" b="0" i="1" smtClean="0">
+                        <a:latin typeface="Cambria Math" panose="02040503050406030204" pitchFamily="18" charset="0"/>
+                      </a:rPr>
+                      <m:t>𝑙𝑜</m:t>
+                    </m:r>
+                    <m:r>
+                      <a:rPr lang="en-US" b="0" i="1" smtClean="0">
+                        <a:latin typeface="Cambria Math" panose="02040503050406030204" pitchFamily="18" charset="0"/>
+                      </a:rPr>
+                      <m:t>≤</m:t>
+                    </m:r>
+                    <m:r>
+                      <a:rPr lang="en-US" b="0" i="1" smtClean="0">
+                        <a:latin typeface="Cambria Math" panose="02040503050406030204" pitchFamily="18" charset="0"/>
+                      </a:rPr>
+                      <m:t>𝑥</m:t>
+                    </m:r>
+                    <m:r>
+                      <a:rPr lang="en-US" b="0" i="1" smtClean="0">
+                        <a:latin typeface="Cambria Math" panose="02040503050406030204" pitchFamily="18" charset="0"/>
+                      </a:rPr>
+                      <m:t>≤</m:t>
+                    </m:r>
+                    <m:r>
+                      <a:rPr lang="en-US" b="0" i="1" smtClean="0">
+                        <a:latin typeface="Cambria Math" panose="02040503050406030204" pitchFamily="18" charset="0"/>
+                      </a:rPr>
+                      <m:t>h𝑖</m:t>
+                    </m:r>
+                  </m:oMath>
+                </a14:m>
+                <a:endParaRPr lang="en-US" b="0" dirty="0"/>
+              </a:p>
+              <a:p>
+                <a:pPr marL="0" indent="0">
+                  <a:buNone/>
+                </a:pPr>
+                <a:endParaRPr lang="en-US" dirty="0"/>
+              </a:p>
+              <a:p>
+                <a:pPr marL="0" indent="0">
+                  <a:buNone/>
+                </a:pPr>
+                <a:endParaRPr lang="en-US" dirty="0"/>
+              </a:p>
+              <a:p>
+                <a:pPr marL="0" indent="0">
+                  <a:buNone/>
+                </a:pPr>
+                <a:endParaRPr lang="en-US" dirty="0"/>
+              </a:p>
+              <a:p>
+                <a:pPr marL="0" indent="0">
+                  <a:buNone/>
+                </a:pPr>
+                <a:endParaRPr lang="en-US" dirty="0"/>
+              </a:p>
+              <a:p>
+                <a:pPr marL="0" indent="0">
+                  <a:buNone/>
+                </a:pPr>
+                <a:endParaRPr lang="en-US" dirty="0"/>
+              </a:p>
+              <a:p>
+                <a:pPr marL="0" indent="0">
+                  <a:buNone/>
+                </a:pPr>
+                <a:endParaRPr lang="en-US" b="0" dirty="0"/>
+              </a:p>
+              <a:p>
+                <a:pPr marL="0" indent="0">
+                  <a:buNone/>
+                </a:pPr>
+                <a:endParaRPr lang="en-US" dirty="0"/>
+              </a:p>
+            </p:txBody>
+          </p:sp>
+        </mc:Choice>
+        <mc:Fallback>
+          <p:sp>
+            <p:nvSpPr>
+              <p:cNvPr id="3" name="Content Placeholder 2">
+                <a:extLst>
+                  <a:ext uri="{FF2B5EF4-FFF2-40B4-BE49-F238E27FC236}">
+                    <a16:creationId xmlns:a16="http://schemas.microsoft.com/office/drawing/2014/main" id="{A291AED1-51B4-0E20-2021-3A418743D9DC}"/>
+                  </a:ext>
+                </a:extLst>
+              </p:cNvPr>
+              <p:cNvSpPr>
+                <a:spLocks noGrp="1" noRot="1" noChangeAspect="1" noMove="1" noResize="1" noEditPoints="1" noAdjustHandles="1" noChangeArrowheads="1" noChangeShapeType="1" noTextEdit="1"/>
+              </p:cNvSpPr>
+              <p:nvPr>
+                <p:ph idx="1"/>
+              </p:nvPr>
+            </p:nvSpPr>
+            <p:spPr>
+              <a:xfrm>
+                <a:off x="2550543" y="1584084"/>
+                <a:ext cx="9261894" cy="4351338"/>
+              </a:xfrm>
+              <a:blipFill>
+                <a:blip r:embed="rId2"/>
+                <a:stretch>
+                  <a:fillRect t="-840"/>
+                </a:stretch>
+              </a:blipFill>
+            </p:spPr>
+            <p:txBody>
+              <a:bodyPr/>
+              <a:lstStyle/>
+              <a:p>
+                <a:r>
+                  <a:rPr lang="en-US">
+                    <a:noFill/>
+                  </a:rPr>
+                  <a:t> </a:t>
+                </a:r>
+              </a:p>
+            </p:txBody>
+          </p:sp>
+        </mc:Fallback>
+      </mc:AlternateContent>
       <p:sp>
         <p:nvSpPr>
-          <p:cNvPr id="3" name="Content Placeholder 2">
+          <p:cNvPr id="4" name="TextBox 3">
             <a:extLst>
               <a:ext uri="{FF2B5EF4-FFF2-40B4-BE49-F238E27FC236}">
-                <a16:creationId xmlns:a16="http://schemas.microsoft.com/office/drawing/2014/main" id="{A291AED1-51B4-0E20-2021-3A418743D9DC}"/>
+                <a16:creationId xmlns:a16="http://schemas.microsoft.com/office/drawing/2014/main" id="{C2D66B71-459A-B7D8-1F3E-E33C805575A1}"/>
               </a:ext>
             </a:extLst>
           </p:cNvPr>
-          <p:cNvSpPr>
-            <a:spLocks noGrp="1"/>
-          </p:cNvSpPr>
-          <p:nvPr>
-            <p:ph idx="1"/>
-          </p:nvPr>
+          <p:cNvSpPr txBox="1"/>
+          <p:nvPr/>
         </p:nvSpPr>
-        <p:spPr/>
+        <p:spPr>
+          <a:xfrm>
+            <a:off x="1319842" y="2182482"/>
+            <a:ext cx="1164101" cy="707886"/>
+          </a:xfrm>
+          <a:prstGeom prst="rect">
+            <a:avLst/>
+          </a:prstGeom>
+          <a:noFill/>
+        </p:spPr>
         <p:txBody>
-          <a:bodyPr/>
+          <a:bodyPr wrap="none" rtlCol="0">
+            <a:spAutoFit/>
+          </a:bodyPr>
           <a:lstStyle/>
           <a:p>
-            <a:pPr marL="0" indent="0">
-              <a:buNone/>
-            </a:pPr>
             <a:r>
-              <a:rPr lang="en-US" dirty="0"/>
-              <a:t>x \in </a:t>
+              <a:rPr lang="en-US" sz="4000" dirty="0"/>
+              <a:t>Base</a:t>
             </a:r>
+          </a:p>
+        </p:txBody>
+      </p:sp>
+      <p:sp>
+        <p:nvSpPr>
+          <p:cNvPr id="5" name="TextBox 4">
+            <a:extLst>
+              <a:ext uri="{FF2B5EF4-FFF2-40B4-BE49-F238E27FC236}">
+                <a16:creationId xmlns:a16="http://schemas.microsoft.com/office/drawing/2014/main" id="{F2E1FB4B-70D5-78F8-E903-B2F7095DFE98}"/>
+              </a:ext>
+            </a:extLst>
+          </p:cNvPr>
+          <p:cNvSpPr txBox="1"/>
+          <p:nvPr/>
+        </p:nvSpPr>
+        <p:spPr>
+          <a:xfrm>
+            <a:off x="1319842" y="4198187"/>
+            <a:ext cx="1446358" cy="707886"/>
+          </a:xfrm>
+          <a:prstGeom prst="rect">
+            <a:avLst/>
+          </a:prstGeom>
+          <a:noFill/>
+        </p:spPr>
+        <p:txBody>
+          <a:bodyPr wrap="none" rtlCol="0">
+            <a:spAutoFit/>
+          </a:bodyPr>
+          <a:lstStyle/>
+          <a:p>
             <a:r>
-              <a:rPr lang="en-US" dirty="0" err="1"/>
-              <a:t>v_k</a:t>
+              <a:rPr lang="en-US" sz="4000" dirty="0"/>
+              <a:t>Filters</a:t>
             </a:r>
+          </a:p>
+        </p:txBody>
+      </p:sp>
+      <p:sp>
+        <p:nvSpPr>
+          <p:cNvPr id="6" name="TextBox 5">
+            <a:extLst>
+              <a:ext uri="{FF2B5EF4-FFF2-40B4-BE49-F238E27FC236}">
+                <a16:creationId xmlns:a16="http://schemas.microsoft.com/office/drawing/2014/main" id="{C944F5DA-6318-3DCC-AD27-07D8EAE5711C}"/>
+              </a:ext>
+            </a:extLst>
+          </p:cNvPr>
+          <p:cNvSpPr txBox="1"/>
+          <p:nvPr/>
+        </p:nvSpPr>
+        <p:spPr>
+          <a:xfrm>
+            <a:off x="1319842" y="5273916"/>
+            <a:ext cx="1470852" cy="707886"/>
+          </a:xfrm>
+          <a:prstGeom prst="rect">
+            <a:avLst/>
+          </a:prstGeom>
+          <a:noFill/>
+        </p:spPr>
+        <p:txBody>
+          <a:bodyPr wrap="none" rtlCol="0">
+            <a:spAutoFit/>
+          </a:bodyPr>
+          <a:lstStyle/>
+          <a:p>
             <a:r>
-              <a:rPr lang="en-US" dirty="0"/>
-              <a:t>  := T, </a:t>
+              <a:rPr lang="en-US" sz="4000" dirty="0"/>
+              <a:t>Range</a:t>
             </a:r>
-            <a:r>
-              <a:rPr lang="en-US" dirty="0" err="1"/>
-              <a:t>v_j</a:t>
-            </a:r>
-            <a:r>
-              <a:rPr lang="en-US" dirty="0"/>
-              <a:t> \</a:t>
-            </a:r>
-            <a:r>
-              <a:rPr lang="en-US" dirty="0" err="1"/>
-              <a:t>equiv</a:t>
-            </a:r>
-            <a:r>
-              <a:rPr lang="en-US" dirty="0"/>
-              <a:t> </a:t>
-            </a:r>
-            <a:r>
-              <a:rPr lang="en-US" dirty="0" err="1"/>
-              <a:t>v_k</a:t>
-            </a:r>
-            <a:r>
-              <a:rPr lang="en-US" dirty="0"/>
-              <a:t> \cup </a:t>
-            </a:r>
-            <a:r>
-              <a:rPr lang="en-US" dirty="0" err="1"/>
-              <a:t>v_j</a:t>
-            </a:r>
-            <a:r>
-              <a:rPr lang="en-US" dirty="0"/>
-              <a:t> -&gt; x \in </a:t>
-            </a:r>
-            <a:r>
-              <a:rPr lang="en-US" dirty="0" err="1"/>
-              <a:t>v_k</a:t>
-            </a:r>
-            <a:r>
-              <a:rPr lang="en-US" dirty="0"/>
-              <a:t> \</a:t>
-            </a:r>
-            <a:r>
-              <a:rPr lang="en-US" dirty="0" err="1"/>
-              <a:t>rightarrow</a:t>
-            </a:r>
-            <a:r>
-              <a:rPr lang="en-US" dirty="0"/>
-              <a:t> x \in </a:t>
-            </a:r>
-            <a:r>
-              <a:rPr lang="en-US" dirty="0" err="1"/>
-              <a:t>v_j</a:t>
-            </a:r>
-            <a:endParaRPr lang="en-US" dirty="0"/>
-          </a:p>
-          <a:p>
-            <a:pPr marL="0" indent="0">
-              <a:buNone/>
-            </a:pPr>
-            <a:r>
-              <a:rPr lang="en-US" dirty="0"/>
-              <a:t>x \not\in </a:t>
-            </a:r>
-            <a:r>
-              <a:rPr lang="en-US" dirty="0" err="1"/>
-              <a:t>v_i</a:t>
-            </a:r>
-            <a:r>
-              <a:rPr lang="en-US" dirty="0"/>
-              <a:t>, </a:t>
-            </a:r>
-            <a:r>
-              <a:rPr lang="en-US" dirty="0" err="1"/>
-              <a:t>v_i</a:t>
-            </a:r>
-            <a:r>
-              <a:rPr lang="en-US" dirty="0"/>
-              <a:t> \</a:t>
-            </a:r>
-            <a:r>
-              <a:rPr lang="en-US" dirty="0" err="1"/>
-              <a:t>equiv</a:t>
-            </a:r>
-            <a:r>
-              <a:rPr lang="en-US" dirty="0"/>
-              <a:t> </a:t>
-            </a:r>
-            <a:r>
-              <a:rPr lang="en-US" dirty="0" err="1"/>
-              <a:t>v_k</a:t>
-            </a:r>
-            <a:r>
-              <a:rPr lang="en-US" dirty="0"/>
-              <a:t> \cup </a:t>
-            </a:r>
-            <a:r>
-              <a:rPr lang="en-US" dirty="0" err="1"/>
-              <a:t>v_j</a:t>
-            </a:r>
-            <a:r>
-              <a:rPr lang="en-US" dirty="0"/>
-              <a:t> -&gt; x \not in </a:t>
-            </a:r>
-            <a:r>
-              <a:rPr lang="en-US" dirty="0" err="1"/>
-              <a:t>v_k</a:t>
-            </a:r>
-            <a:r>
-              <a:rPr lang="en-US" dirty="0"/>
-              <a:t> \land v \not \in </a:t>
-            </a:r>
-            <a:r>
-              <a:rPr lang="en-US" dirty="0" err="1"/>
-              <a:t>v_i</a:t>
-            </a:r>
-            <a:endParaRPr lang="en-US" dirty="0"/>
-          </a:p>
-          <a:p>
-            <a:pPr marL="0" indent="0">
-              <a:buNone/>
-            </a:pPr>
-            <a:endParaRPr lang="en-US" dirty="0"/>
           </a:p>
         </p:txBody>
       </p:sp>
@@ -35375,6 +36545,1513 @@
 </file>
 
 <file path=ppt/slides/slide32.xml><?xml version="1.0" encoding="utf-8"?>
+<p:sld xmlns:a="http://schemas.openxmlformats.org/drawingml/2006/main" xmlns:r="http://schemas.openxmlformats.org/officeDocument/2006/relationships" xmlns:p="http://schemas.openxmlformats.org/presentationml/2006/main">
+  <p:cSld>
+    <p:spTree>
+      <p:nvGrpSpPr>
+        <p:cNvPr id="1" name="">
+          <a:extLst>
+            <a:ext uri="{FF2B5EF4-FFF2-40B4-BE49-F238E27FC236}">
+              <a16:creationId xmlns:a16="http://schemas.microsoft.com/office/drawing/2014/main" id="{00FC9278-4852-34C4-EB8F-0715F1C8F024}"/>
+            </a:ext>
+          </a:extLst>
+        </p:cNvPr>
+        <p:cNvGrpSpPr/>
+        <p:nvPr/>
+      </p:nvGrpSpPr>
+      <p:grpSpPr>
+        <a:xfrm>
+          <a:off x="0" y="0"/>
+          <a:ext cx="0" cy="0"/>
+          <a:chOff x="0" y="0"/>
+          <a:chExt cx="0" cy="0"/>
+        </a:xfrm>
+      </p:grpSpPr>
+      <p:sp>
+        <p:nvSpPr>
+          <p:cNvPr id="2" name="Title 1">
+            <a:extLst>
+              <a:ext uri="{FF2B5EF4-FFF2-40B4-BE49-F238E27FC236}">
+                <a16:creationId xmlns:a16="http://schemas.microsoft.com/office/drawing/2014/main" id="{B9EDFD0D-6FA5-3245-F07E-EB953B4157F9}"/>
+              </a:ext>
+            </a:extLst>
+          </p:cNvPr>
+          <p:cNvSpPr>
+            <a:spLocks noGrp="1"/>
+          </p:cNvSpPr>
+          <p:nvPr>
+            <p:ph type="title"/>
+          </p:nvPr>
+        </p:nvSpPr>
+        <p:spPr/>
+        <p:txBody>
+          <a:bodyPr/>
+          <a:lstStyle/>
+          <a:p>
+            <a:r>
+              <a:rPr lang="en-US" dirty="0"/>
+              <a:t>Theory Axiom Saturation – for Base</a:t>
+            </a:r>
+          </a:p>
+        </p:txBody>
+      </p:sp>
+      <mc:AlternateContent xmlns:mc="http://schemas.openxmlformats.org/markup-compatibility/2006">
+        <mc:Choice xmlns:a14="http://schemas.microsoft.com/office/drawing/2010/main" Requires="a14">
+          <p:sp>
+            <p:nvSpPr>
+              <p:cNvPr id="3" name="Content Placeholder 2">
+                <a:extLst>
+                  <a:ext uri="{FF2B5EF4-FFF2-40B4-BE49-F238E27FC236}">
+                    <a16:creationId xmlns:a16="http://schemas.microsoft.com/office/drawing/2014/main" id="{C559DC19-2BAC-FDA6-0F6F-71124B847067}"/>
+                  </a:ext>
+                </a:extLst>
+              </p:cNvPr>
+              <p:cNvSpPr>
+                <a:spLocks noGrp="1"/>
+              </p:cNvSpPr>
+              <p:nvPr>
+                <p:ph idx="1"/>
+              </p:nvPr>
+            </p:nvSpPr>
+            <p:spPr/>
+            <p:txBody>
+              <a:bodyPr>
+                <a:normAutofit fontScale="85000" lnSpcReduction="10000"/>
+              </a:bodyPr>
+              <a:lstStyle/>
+              <a:p>
+                <a:pPr marL="0" indent="0">
+                  <a:buNone/>
+                </a:pPr>
+                <a:endParaRPr lang="en-US" sz="3000" b="0" dirty="0"/>
+              </a:p>
+              <a:p>
+                <a:pPr marL="0" indent="0">
+                  <a:buNone/>
+                </a:pPr>
+                <a14:m>
+                  <m:oMath xmlns:m="http://schemas.openxmlformats.org/officeDocument/2006/math">
+                    <m:f>
+                      <m:fPr>
+                        <m:ctrlPr>
+                          <a:rPr lang="en-US" sz="3900" b="0" i="1" smtClean="0">
+                            <a:latin typeface="Cambria Math" panose="02040503050406030204" pitchFamily="18" charset="0"/>
+                          </a:rPr>
+                        </m:ctrlPr>
+                      </m:fPr>
+                      <m:num>
+                        <m:r>
+                          <a:rPr lang="en-US" sz="3900" i="1">
+                            <a:latin typeface="Cambria Math" panose="02040503050406030204" pitchFamily="18" charset="0"/>
+                          </a:rPr>
+                          <m:t>𝑥</m:t>
+                        </m:r>
+                        <m:r>
+                          <a:rPr lang="en-US" sz="3900" i="1">
+                            <a:latin typeface="Cambria Math" panose="02040503050406030204" pitchFamily="18" charset="0"/>
+                          </a:rPr>
+                          <m:t>∼</m:t>
+                        </m:r>
+                        <m:r>
+                          <a:rPr lang="en-US" sz="3900" i="1">
+                            <a:latin typeface="Cambria Math" panose="02040503050406030204" pitchFamily="18" charset="0"/>
+                          </a:rPr>
+                          <m:t>𝑦</m:t>
+                        </m:r>
+                        <m:r>
+                          <a:rPr lang="en-US" sz="3900" i="1">
+                            <a:latin typeface="Cambria Math" panose="02040503050406030204" pitchFamily="18" charset="0"/>
+                          </a:rPr>
+                          <m:t>,   </m:t>
+                        </m:r>
+                        <m:r>
+                          <a:rPr lang="en-US" sz="3900" i="1">
+                            <a:latin typeface="Cambria Math" panose="02040503050406030204" pitchFamily="18" charset="0"/>
+                          </a:rPr>
+                          <m:t>𝑦</m:t>
+                        </m:r>
+                        <m:r>
+                          <a:rPr lang="en-US" sz="3900" i="1">
+                            <a:latin typeface="Cambria Math" panose="02040503050406030204" pitchFamily="18" charset="0"/>
+                          </a:rPr>
+                          <m:t>∈</m:t>
+                        </m:r>
+                        <m:r>
+                          <a:rPr lang="en-US" sz="3900" i="1">
+                            <a:latin typeface="Cambria Math" panose="02040503050406030204" pitchFamily="18" charset="0"/>
+                          </a:rPr>
+                          <m:t>𝑆</m:t>
+                        </m:r>
+                        <m:r>
+                          <a:rPr lang="en-US" sz="3900" i="1">
+                            <a:latin typeface="Cambria Math" panose="02040503050406030204" pitchFamily="18" charset="0"/>
+                          </a:rPr>
+                          <m:t>∪</m:t>
+                        </m:r>
+                        <m:r>
+                          <a:rPr lang="en-US" sz="3900" i="1">
+                            <a:latin typeface="Cambria Math" panose="02040503050406030204" pitchFamily="18" charset="0"/>
+                          </a:rPr>
+                          <m:t>𝑇</m:t>
+                        </m:r>
+                      </m:num>
+                      <m:den>
+                        <m:r>
+                          <a:rPr lang="en-US" sz="3900" i="1">
+                            <a:latin typeface="Cambria Math" panose="02040503050406030204" pitchFamily="18" charset="0"/>
+                          </a:rPr>
+                          <m:t>𝑥</m:t>
+                        </m:r>
+                        <m:r>
+                          <a:rPr lang="en-US" sz="3900" i="1">
+                            <a:latin typeface="Cambria Math" panose="02040503050406030204" pitchFamily="18" charset="0"/>
+                          </a:rPr>
+                          <m:t>∈</m:t>
+                        </m:r>
+                        <m:r>
+                          <a:rPr lang="en-US" sz="3900" i="1">
+                            <a:latin typeface="Cambria Math" panose="02040503050406030204" pitchFamily="18" charset="0"/>
+                          </a:rPr>
+                          <m:t>𝑆</m:t>
+                        </m:r>
+                        <m:r>
+                          <a:rPr lang="en-US" sz="3900" i="1">
+                            <a:latin typeface="Cambria Math" panose="02040503050406030204" pitchFamily="18" charset="0"/>
+                          </a:rPr>
+                          <m:t>∪</m:t>
+                        </m:r>
+                        <m:r>
+                          <a:rPr lang="en-US" sz="3900" i="1">
+                            <a:latin typeface="Cambria Math" panose="02040503050406030204" pitchFamily="18" charset="0"/>
+                          </a:rPr>
+                          <m:t>𝑇</m:t>
+                        </m:r>
+                        <m:r>
+                          <a:rPr lang="en-US" sz="3900" i="1">
+                            <a:latin typeface="Cambria Math" panose="02040503050406030204" pitchFamily="18" charset="0"/>
+                          </a:rPr>
+                          <m:t>⇔</m:t>
+                        </m:r>
+                        <m:r>
+                          <a:rPr lang="en-US" sz="3900" i="1">
+                            <a:latin typeface="Cambria Math" panose="02040503050406030204" pitchFamily="18" charset="0"/>
+                          </a:rPr>
+                          <m:t>𝑥</m:t>
+                        </m:r>
+                        <m:r>
+                          <a:rPr lang="en-US" sz="3900" i="1">
+                            <a:latin typeface="Cambria Math" panose="02040503050406030204" pitchFamily="18" charset="0"/>
+                          </a:rPr>
+                          <m:t>∈</m:t>
+                        </m:r>
+                        <m:r>
+                          <a:rPr lang="en-US" sz="3900" i="1">
+                            <a:latin typeface="Cambria Math" panose="02040503050406030204" pitchFamily="18" charset="0"/>
+                          </a:rPr>
+                          <m:t>𝑆</m:t>
+                        </m:r>
+                        <m:r>
+                          <a:rPr lang="en-US" sz="3900" i="1">
+                            <a:latin typeface="Cambria Math" panose="02040503050406030204" pitchFamily="18" charset="0"/>
+                          </a:rPr>
+                          <m:t>∨</m:t>
+                        </m:r>
+                        <m:r>
+                          <a:rPr lang="en-US" sz="3900" i="1">
+                            <a:latin typeface="Cambria Math" panose="02040503050406030204" pitchFamily="18" charset="0"/>
+                          </a:rPr>
+                          <m:t>𝑥</m:t>
+                        </m:r>
+                        <m:r>
+                          <a:rPr lang="en-US" sz="3900" i="1">
+                            <a:latin typeface="Cambria Math" panose="02040503050406030204" pitchFamily="18" charset="0"/>
+                          </a:rPr>
+                          <m:t>∈</m:t>
+                        </m:r>
+                        <m:r>
+                          <a:rPr lang="en-US" sz="3900" i="1">
+                            <a:latin typeface="Cambria Math" panose="02040503050406030204" pitchFamily="18" charset="0"/>
+                          </a:rPr>
+                          <m:t>𝑇</m:t>
+                        </m:r>
+                        <m:r>
+                          <m:rPr>
+                            <m:nor/>
+                          </m:rPr>
+                          <a:rPr lang="en-US" sz="3900" dirty="0"/>
+                          <m:t> </m:t>
+                        </m:r>
+                      </m:den>
+                    </m:f>
+                    <m:r>
+                      <a:rPr lang="en-US" sz="3900" b="0" i="1" smtClean="0">
+                        <a:latin typeface="Cambria Math" panose="02040503050406030204" pitchFamily="18" charset="0"/>
+                      </a:rPr>
+                      <m:t> </m:t>
+                    </m:r>
+                    <m:r>
+                      <a:rPr lang="en-US" sz="3900" b="0" i="0" smtClean="0">
+                        <a:latin typeface="Cambria Math" panose="02040503050406030204" pitchFamily="18" charset="0"/>
+                      </a:rPr>
+                      <m:t> </m:t>
+                    </m:r>
+                  </m:oMath>
+                </a14:m>
+                <a:r>
+                  <a:rPr lang="en-US" sz="3000" dirty="0"/>
+                  <a:t> </a:t>
+                </a:r>
+                <a14:m>
+                  <m:oMath xmlns:m="http://schemas.openxmlformats.org/officeDocument/2006/math">
+                    <m:f>
+                      <m:fPr>
+                        <m:ctrlPr>
+                          <a:rPr lang="en-US" sz="3900" i="1">
+                            <a:latin typeface="Cambria Math" panose="02040503050406030204" pitchFamily="18" charset="0"/>
+                          </a:rPr>
+                        </m:ctrlPr>
+                      </m:fPr>
+                      <m:num>
+                        <m:r>
+                          <a:rPr lang="en-US" sz="3900" b="0" i="1" smtClean="0">
+                            <a:latin typeface="Cambria Math" panose="02040503050406030204" pitchFamily="18" charset="0"/>
+                          </a:rPr>
+                          <m:t>𝑥</m:t>
+                        </m:r>
+                        <m:r>
+                          <a:rPr lang="en-US" sz="3900" i="1">
+                            <a:latin typeface="Cambria Math" panose="02040503050406030204" pitchFamily="18" charset="0"/>
+                          </a:rPr>
+                          <m:t>∈</m:t>
+                        </m:r>
+                        <m:r>
+                          <a:rPr lang="en-US" sz="3900" b="0" i="1" smtClean="0">
+                            <a:latin typeface="Cambria Math" panose="02040503050406030204" pitchFamily="18" charset="0"/>
+                          </a:rPr>
+                          <m:t>𝑈</m:t>
+                        </m:r>
+                        <m:r>
+                          <a:rPr lang="en-US" sz="3900" b="0" i="1" smtClean="0">
+                            <a:latin typeface="Cambria Math" panose="02040503050406030204" pitchFamily="18" charset="0"/>
+                          </a:rPr>
+                          <m:t>,    </m:t>
+                        </m:r>
+                        <m:r>
+                          <a:rPr lang="en-US" sz="3900" b="0" i="1" smtClean="0">
+                            <a:latin typeface="Cambria Math" panose="02040503050406030204" pitchFamily="18" charset="0"/>
+                          </a:rPr>
+                          <m:t>𝑈</m:t>
+                        </m:r>
+                        <m:r>
+                          <a:rPr lang="en-US" sz="3900" b="0" i="1" smtClean="0">
+                            <a:latin typeface="Cambria Math" panose="02040503050406030204" pitchFamily="18" charset="0"/>
+                          </a:rPr>
+                          <m:t> ~ </m:t>
+                        </m:r>
+                        <m:r>
+                          <a:rPr lang="en-US" sz="3900" b="0" i="1" smtClean="0">
+                            <a:latin typeface="Cambria Math" panose="02040503050406030204" pitchFamily="18" charset="0"/>
+                          </a:rPr>
+                          <m:t>𝑆</m:t>
+                        </m:r>
+                        <m:r>
+                          <a:rPr lang="en-US" sz="3900" b="0" i="1" smtClean="0">
+                            <a:latin typeface="Cambria Math" panose="02040503050406030204" pitchFamily="18" charset="0"/>
+                          </a:rPr>
+                          <m:t>∪</m:t>
+                        </m:r>
+                        <m:r>
+                          <a:rPr lang="en-US" sz="3900" b="0" i="1" smtClean="0">
+                            <a:latin typeface="Cambria Math" panose="02040503050406030204" pitchFamily="18" charset="0"/>
+                          </a:rPr>
+                          <m:t>𝑇</m:t>
+                        </m:r>
+                      </m:num>
+                      <m:den>
+                        <m:r>
+                          <a:rPr lang="en-US" sz="3900" i="1">
+                            <a:latin typeface="Cambria Math" panose="02040503050406030204" pitchFamily="18" charset="0"/>
+                          </a:rPr>
+                          <m:t>𝑥</m:t>
+                        </m:r>
+                        <m:r>
+                          <a:rPr lang="en-US" sz="3900" i="1">
+                            <a:latin typeface="Cambria Math" panose="02040503050406030204" pitchFamily="18" charset="0"/>
+                          </a:rPr>
+                          <m:t>∈</m:t>
+                        </m:r>
+                        <m:r>
+                          <a:rPr lang="en-US" sz="3900" b="0" i="1" smtClean="0">
+                            <a:latin typeface="Cambria Math" panose="02040503050406030204" pitchFamily="18" charset="0"/>
+                          </a:rPr>
+                          <m:t>𝑆</m:t>
+                        </m:r>
+                        <m:r>
+                          <a:rPr lang="en-US" sz="3900" b="0" i="1" smtClean="0">
+                            <a:latin typeface="Cambria Math" panose="02040503050406030204" pitchFamily="18" charset="0"/>
+                          </a:rPr>
+                          <m:t>∪</m:t>
+                        </m:r>
+                        <m:r>
+                          <a:rPr lang="en-US" sz="3900" b="0" i="1" smtClean="0">
+                            <a:latin typeface="Cambria Math" panose="02040503050406030204" pitchFamily="18" charset="0"/>
+                          </a:rPr>
+                          <m:t>𝑇</m:t>
+                        </m:r>
+                        <m:r>
+                          <a:rPr lang="en-US" sz="3900" i="1">
+                            <a:latin typeface="Cambria Math" panose="02040503050406030204" pitchFamily="18" charset="0"/>
+                          </a:rPr>
+                          <m:t>⇔</m:t>
+                        </m:r>
+                        <m:r>
+                          <a:rPr lang="en-US" sz="3900" i="1">
+                            <a:latin typeface="Cambria Math" panose="02040503050406030204" pitchFamily="18" charset="0"/>
+                          </a:rPr>
+                          <m:t>𝑥</m:t>
+                        </m:r>
+                        <m:r>
+                          <a:rPr lang="en-US" sz="3900" i="1">
+                            <a:latin typeface="Cambria Math" panose="02040503050406030204" pitchFamily="18" charset="0"/>
+                          </a:rPr>
+                          <m:t>∈</m:t>
+                        </m:r>
+                        <m:r>
+                          <a:rPr lang="en-US" sz="3900" i="1">
+                            <a:latin typeface="Cambria Math" panose="02040503050406030204" pitchFamily="18" charset="0"/>
+                          </a:rPr>
+                          <m:t>𝑆</m:t>
+                        </m:r>
+                        <m:r>
+                          <a:rPr lang="en-US" sz="3900" i="1">
+                            <a:latin typeface="Cambria Math" panose="02040503050406030204" pitchFamily="18" charset="0"/>
+                          </a:rPr>
+                          <m:t>∨</m:t>
+                        </m:r>
+                        <m:r>
+                          <a:rPr lang="en-US" sz="3900" i="1">
+                            <a:latin typeface="Cambria Math" panose="02040503050406030204" pitchFamily="18" charset="0"/>
+                          </a:rPr>
+                          <m:t>𝑥</m:t>
+                        </m:r>
+                        <m:r>
+                          <a:rPr lang="en-US" sz="3900" i="1">
+                            <a:latin typeface="Cambria Math" panose="02040503050406030204" pitchFamily="18" charset="0"/>
+                          </a:rPr>
+                          <m:t>∈</m:t>
+                        </m:r>
+                        <m:r>
+                          <a:rPr lang="en-US" sz="3900" i="1">
+                            <a:latin typeface="Cambria Math" panose="02040503050406030204" pitchFamily="18" charset="0"/>
+                          </a:rPr>
+                          <m:t>𝑇</m:t>
+                        </m:r>
+                        <m:r>
+                          <m:rPr>
+                            <m:nor/>
+                          </m:rPr>
+                          <a:rPr lang="en-US" sz="3900" dirty="0"/>
+                          <m:t> </m:t>
+                        </m:r>
+                      </m:den>
+                    </m:f>
+                  </m:oMath>
+                </a14:m>
+                <a:r>
+                  <a:rPr lang="en-US" sz="3000" dirty="0"/>
+                  <a:t>    </a:t>
+                </a:r>
+                <a14:m>
+                  <m:oMath xmlns:m="http://schemas.openxmlformats.org/officeDocument/2006/math">
+                    <m:f>
+                      <m:fPr>
+                        <m:ctrlPr>
+                          <a:rPr lang="en-US" sz="3900" i="1">
+                            <a:latin typeface="Cambria Math" panose="02040503050406030204" pitchFamily="18" charset="0"/>
+                          </a:rPr>
+                        </m:ctrlPr>
+                      </m:fPr>
+                      <m:num>
+                        <m:r>
+                          <a:rPr lang="en-US" sz="3900" i="1">
+                            <a:latin typeface="Cambria Math" panose="02040503050406030204" pitchFamily="18" charset="0"/>
+                          </a:rPr>
+                          <m:t>𝑥</m:t>
+                        </m:r>
+                        <m:r>
+                          <a:rPr lang="en-US" sz="3900" i="1">
+                            <a:latin typeface="Cambria Math" panose="02040503050406030204" pitchFamily="18" charset="0"/>
+                          </a:rPr>
+                          <m:t>∈</m:t>
+                        </m:r>
+                        <m:r>
+                          <a:rPr lang="en-US" sz="3900" i="1">
+                            <a:latin typeface="Cambria Math" panose="02040503050406030204" pitchFamily="18" charset="0"/>
+                          </a:rPr>
+                          <m:t>𝑈</m:t>
+                        </m:r>
+                        <m:r>
+                          <a:rPr lang="en-US" sz="3900" b="0" i="1" smtClean="0">
+                            <a:latin typeface="Cambria Math" panose="02040503050406030204" pitchFamily="18" charset="0"/>
+                          </a:rPr>
+                          <m:t>≡⊤</m:t>
+                        </m:r>
+                        <m:r>
+                          <a:rPr lang="en-US" sz="3900" i="1">
+                            <a:latin typeface="Cambria Math" panose="02040503050406030204" pitchFamily="18" charset="0"/>
+                          </a:rPr>
+                          <m:t>,    </m:t>
+                        </m:r>
+                        <m:r>
+                          <a:rPr lang="en-US" sz="3900" i="1">
+                            <a:latin typeface="Cambria Math" panose="02040503050406030204" pitchFamily="18" charset="0"/>
+                          </a:rPr>
+                          <m:t>𝑈</m:t>
+                        </m:r>
+                        <m:r>
+                          <a:rPr lang="en-US" sz="3900" i="1">
+                            <a:latin typeface="Cambria Math" panose="02040503050406030204" pitchFamily="18" charset="0"/>
+                          </a:rPr>
+                          <m:t> ~ </m:t>
+                        </m:r>
+                        <m:r>
+                          <a:rPr lang="en-US" sz="3900" b="0" i="1" smtClean="0">
+                            <a:latin typeface="Cambria Math" panose="02040503050406030204" pitchFamily="18" charset="0"/>
+                          </a:rPr>
+                          <m:t>𝑆</m:t>
+                        </m:r>
+                        <m:r>
+                          <a:rPr lang="en-US" sz="3900" b="0" i="1" smtClean="0">
+                            <a:latin typeface="Cambria Math" panose="02040503050406030204" pitchFamily="18" charset="0"/>
+                          </a:rPr>
+                          <m:t>,    </m:t>
+                        </m:r>
+                        <m:r>
+                          <a:rPr lang="en-US" sz="3900" i="1">
+                            <a:latin typeface="Cambria Math" panose="02040503050406030204" pitchFamily="18" charset="0"/>
+                          </a:rPr>
+                          <m:t>𝑆</m:t>
+                        </m:r>
+                        <m:r>
+                          <a:rPr lang="en-US" sz="3900" i="1">
+                            <a:latin typeface="Cambria Math" panose="02040503050406030204" pitchFamily="18" charset="0"/>
+                          </a:rPr>
+                          <m:t>∪</m:t>
+                        </m:r>
+                        <m:r>
+                          <a:rPr lang="en-US" sz="3900" i="1">
+                            <a:latin typeface="Cambria Math" panose="02040503050406030204" pitchFamily="18" charset="0"/>
+                          </a:rPr>
+                          <m:t>𝑇</m:t>
+                        </m:r>
+                        <m:r>
+                          <a:rPr lang="en-US" sz="3900" b="0" i="1" smtClean="0">
+                            <a:latin typeface="Cambria Math" panose="02040503050406030204" pitchFamily="18" charset="0"/>
+                          </a:rPr>
+                          <m:t>∈</m:t>
+                        </m:r>
+                        <m:r>
+                          <a:rPr lang="en-US" sz="3900" b="0" i="1" smtClean="0">
+                            <a:latin typeface="Cambria Math" panose="02040503050406030204" pitchFamily="18" charset="0"/>
+                          </a:rPr>
+                          <m:t>𝑇𝑒𝑟𝑚𝑠</m:t>
+                        </m:r>
+                      </m:num>
+                      <m:den>
+                        <m:r>
+                          <a:rPr lang="en-US" sz="3900" i="1">
+                            <a:latin typeface="Cambria Math" panose="02040503050406030204" pitchFamily="18" charset="0"/>
+                          </a:rPr>
+                          <m:t>𝑥</m:t>
+                        </m:r>
+                        <m:r>
+                          <a:rPr lang="en-US" sz="3900" i="1">
+                            <a:latin typeface="Cambria Math" panose="02040503050406030204" pitchFamily="18" charset="0"/>
+                          </a:rPr>
+                          <m:t>∈</m:t>
+                        </m:r>
+                        <m:r>
+                          <a:rPr lang="en-US" sz="3900" i="1">
+                            <a:latin typeface="Cambria Math" panose="02040503050406030204" pitchFamily="18" charset="0"/>
+                          </a:rPr>
+                          <m:t>𝑆</m:t>
+                        </m:r>
+                        <m:r>
+                          <a:rPr lang="en-US" sz="3900" i="1">
+                            <a:latin typeface="Cambria Math" panose="02040503050406030204" pitchFamily="18" charset="0"/>
+                          </a:rPr>
+                          <m:t>∪</m:t>
+                        </m:r>
+                        <m:r>
+                          <a:rPr lang="en-US" sz="3900" i="1">
+                            <a:latin typeface="Cambria Math" panose="02040503050406030204" pitchFamily="18" charset="0"/>
+                          </a:rPr>
+                          <m:t>𝑇</m:t>
+                        </m:r>
+                        <m:r>
+                          <a:rPr lang="en-US" sz="3900" i="1">
+                            <a:latin typeface="Cambria Math" panose="02040503050406030204" pitchFamily="18" charset="0"/>
+                          </a:rPr>
+                          <m:t>⇔</m:t>
+                        </m:r>
+                        <m:r>
+                          <a:rPr lang="en-US" sz="3900" i="1">
+                            <a:latin typeface="Cambria Math" panose="02040503050406030204" pitchFamily="18" charset="0"/>
+                          </a:rPr>
+                          <m:t>𝑥</m:t>
+                        </m:r>
+                        <m:r>
+                          <a:rPr lang="en-US" sz="3900" i="1">
+                            <a:latin typeface="Cambria Math" panose="02040503050406030204" pitchFamily="18" charset="0"/>
+                          </a:rPr>
+                          <m:t>∈</m:t>
+                        </m:r>
+                        <m:r>
+                          <a:rPr lang="en-US" sz="3900" i="1">
+                            <a:latin typeface="Cambria Math" panose="02040503050406030204" pitchFamily="18" charset="0"/>
+                          </a:rPr>
+                          <m:t>𝑆</m:t>
+                        </m:r>
+                        <m:r>
+                          <a:rPr lang="en-US" sz="3900" i="1">
+                            <a:latin typeface="Cambria Math" panose="02040503050406030204" pitchFamily="18" charset="0"/>
+                          </a:rPr>
+                          <m:t>∨</m:t>
+                        </m:r>
+                        <m:r>
+                          <a:rPr lang="en-US" sz="3900" i="1">
+                            <a:latin typeface="Cambria Math" panose="02040503050406030204" pitchFamily="18" charset="0"/>
+                          </a:rPr>
+                          <m:t>𝑥</m:t>
+                        </m:r>
+                        <m:r>
+                          <a:rPr lang="en-US" sz="3900" i="1">
+                            <a:latin typeface="Cambria Math" panose="02040503050406030204" pitchFamily="18" charset="0"/>
+                          </a:rPr>
+                          <m:t>∈</m:t>
+                        </m:r>
+                        <m:r>
+                          <a:rPr lang="en-US" sz="3900" i="1">
+                            <a:latin typeface="Cambria Math" panose="02040503050406030204" pitchFamily="18" charset="0"/>
+                          </a:rPr>
+                          <m:t>𝑇</m:t>
+                        </m:r>
+                        <m:r>
+                          <m:rPr>
+                            <m:nor/>
+                          </m:rPr>
+                          <a:rPr lang="en-US" sz="3900" dirty="0"/>
+                          <m:t> </m:t>
+                        </m:r>
+                      </m:den>
+                    </m:f>
+                  </m:oMath>
+                </a14:m>
+                <a:endParaRPr lang="en-US" dirty="0"/>
+              </a:p>
+              <a:p>
+                <a:pPr marL="0" indent="0">
+                  <a:buNone/>
+                </a:pPr>
+                <a:br>
+                  <a:rPr lang="en-US" b="0" i="1" dirty="0">
+                    <a:latin typeface="Cambria Math" panose="02040503050406030204" pitchFamily="18" charset="0"/>
+                  </a:rPr>
+                </a:br>
+                <a:r>
+                  <a:rPr lang="en-US" dirty="0"/>
+                  <a:t>After axiom saturation</a:t>
+                </a:r>
+              </a:p>
+              <a:p>
+                <a:pPr marL="0" indent="0">
+                  <a:buNone/>
+                </a:pPr>
+                <a:endParaRPr lang="en-US" dirty="0"/>
+              </a:p>
+              <a:p>
+                <a:pPr marL="0" indent="0">
+                  <a:buNone/>
+                </a:pPr>
+                <a:r>
+                  <a:rPr lang="en-US" b="0" dirty="0"/>
+                  <a:t>	</a:t>
+                </a:r>
+                <a14:m>
+                  <m:oMath xmlns:m="http://schemas.openxmlformats.org/officeDocument/2006/math">
+                    <m:r>
+                      <a:rPr lang="en-US" b="0" i="1" dirty="0" smtClean="0">
+                        <a:latin typeface="Cambria Math" panose="02040503050406030204" pitchFamily="18" charset="0"/>
+                      </a:rPr>
+                      <m:t>𝑀</m:t>
+                    </m:r>
+                    <m:d>
+                      <m:dPr>
+                        <m:ctrlPr>
+                          <a:rPr lang="en-US" b="0" i="1" dirty="0" smtClean="0">
+                            <a:latin typeface="Cambria Math" panose="02040503050406030204" pitchFamily="18" charset="0"/>
+                          </a:rPr>
+                        </m:ctrlPr>
+                      </m:dPr>
+                      <m:e>
+                        <m:r>
+                          <a:rPr lang="en-US" b="0" i="1" dirty="0" smtClean="0">
+                            <a:latin typeface="Cambria Math" panose="02040503050406030204" pitchFamily="18" charset="0"/>
+                          </a:rPr>
+                          <m:t>𝑠</m:t>
+                        </m:r>
+                      </m:e>
+                    </m:d>
+                    <m:r>
+                      <a:rPr lang="en-US" b="0" i="1" dirty="0" smtClean="0">
+                        <a:latin typeface="Cambria Math" panose="02040503050406030204" pitchFamily="18" charset="0"/>
+                      </a:rPr>
+                      <m:t> :</m:t>
+                    </m:r>
+                    <m:r>
+                      <a:rPr lang="en-US" i="1" dirty="0" smtClean="0">
+                        <a:latin typeface="Cambria Math" panose="02040503050406030204" pitchFamily="18" charset="0"/>
+                      </a:rPr>
+                      <m:t>= </m:t>
+                    </m:r>
+                    <m:d>
+                      <m:dPr>
+                        <m:begChr m:val="{"/>
+                        <m:endChr m:val="|"/>
+                        <m:ctrlPr>
+                          <a:rPr lang="en-US" i="1" dirty="0" smtClean="0">
+                            <a:latin typeface="Cambria Math" panose="02040503050406030204" pitchFamily="18" charset="0"/>
+                          </a:rPr>
+                        </m:ctrlPr>
+                      </m:dPr>
+                      <m:e>
+                        <m:r>
+                          <a:rPr lang="en-US" i="1" dirty="0" smtClean="0">
+                            <a:latin typeface="Cambria Math" panose="02040503050406030204" pitchFamily="18" charset="0"/>
+                          </a:rPr>
+                          <m:t> </m:t>
+                        </m:r>
+                        <m:r>
+                          <a:rPr lang="en-US" i="1" dirty="0" smtClean="0">
+                            <a:latin typeface="Cambria Math" panose="02040503050406030204" pitchFamily="18" charset="0"/>
+                          </a:rPr>
+                          <m:t>𝑥</m:t>
+                        </m:r>
+                        <m:r>
+                          <a:rPr lang="en-US" i="1" dirty="0" smtClean="0">
+                            <a:latin typeface="Cambria Math" panose="02040503050406030204" pitchFamily="18" charset="0"/>
+                          </a:rPr>
+                          <m:t> </m:t>
+                        </m:r>
+                      </m:e>
+                    </m:d>
+                    <m:r>
+                      <a:rPr lang="en-US" b="0" i="1" dirty="0" smtClean="0">
+                        <a:latin typeface="Cambria Math" panose="02040503050406030204" pitchFamily="18" charset="0"/>
+                      </a:rPr>
+                      <m:t> </m:t>
+                    </m:r>
+                    <m:r>
+                      <a:rPr lang="en-US" i="1" dirty="0" smtClean="0">
+                        <a:latin typeface="Cambria Math" panose="02040503050406030204" pitchFamily="18" charset="0"/>
+                      </a:rPr>
+                      <m:t>𝑥</m:t>
+                    </m:r>
+                    <m:r>
+                      <a:rPr lang="en-US" b="0" i="1" dirty="0" smtClean="0">
+                        <a:latin typeface="Cambria Math" panose="02040503050406030204" pitchFamily="18" charset="0"/>
+                      </a:rPr>
+                      <m:t>∈</m:t>
+                    </m:r>
+                    <m:r>
+                      <a:rPr lang="en-US" b="0" i="1" dirty="0" smtClean="0">
+                        <a:latin typeface="Cambria Math" panose="02040503050406030204" pitchFamily="18" charset="0"/>
+                      </a:rPr>
+                      <m:t>𝑠</m:t>
+                    </m:r>
+                    <m:r>
+                      <a:rPr lang="en-US" b="0" i="1" dirty="0" smtClean="0">
+                        <a:latin typeface="Cambria Math" panose="02040503050406030204" pitchFamily="18" charset="0"/>
+                      </a:rPr>
+                      <m:t>≡⊤ } </m:t>
+                    </m:r>
+                  </m:oMath>
+                </a14:m>
+                <a:r>
+                  <a:rPr lang="en-US" dirty="0"/>
+                  <a:t>is a consistent interpretation</a:t>
+                </a:r>
+              </a:p>
+              <a:p>
+                <a:pPr marL="0" indent="0">
+                  <a:buNone/>
+                </a:pPr>
+                <a:r>
+                  <a:rPr lang="en-US" b="0" dirty="0"/>
+                  <a:t>Because after saturation</a:t>
+                </a:r>
+                <a:br>
+                  <a:rPr lang="en-US" b="0" dirty="0"/>
+                </a:br>
+                <a:r>
+                  <a:rPr lang="en-US" b="0" dirty="0"/>
+                  <a:t>	 </a:t>
+                </a:r>
+                <a14:m>
+                  <m:oMath xmlns:m="http://schemas.openxmlformats.org/officeDocument/2006/math">
+                    <m:r>
+                      <a:rPr lang="en-US" b="0" i="1" smtClean="0">
+                        <a:latin typeface="Cambria Math" panose="02040503050406030204" pitchFamily="18" charset="0"/>
+                      </a:rPr>
+                      <m:t>𝑥</m:t>
+                    </m:r>
+                    <m:r>
+                      <a:rPr lang="en-US" b="0" i="1" smtClean="0">
+                        <a:latin typeface="Cambria Math" panose="02040503050406030204" pitchFamily="18" charset="0"/>
+                      </a:rPr>
+                      <m:t>∼</m:t>
+                    </m:r>
+                    <m:r>
+                      <a:rPr lang="en-US" b="0" i="1" smtClean="0">
+                        <a:latin typeface="Cambria Math" panose="02040503050406030204" pitchFamily="18" charset="0"/>
+                      </a:rPr>
+                      <m:t>𝑦</m:t>
+                    </m:r>
+                    <m:r>
+                      <a:rPr lang="en-US" b="0" i="1" smtClean="0">
+                        <a:latin typeface="Cambria Math" panose="02040503050406030204" pitchFamily="18" charset="0"/>
+                      </a:rPr>
+                      <m:t>⇒</m:t>
+                    </m:r>
+                    <m:r>
+                      <a:rPr lang="en-US" b="0" i="1" smtClean="0">
+                        <a:latin typeface="Cambria Math" panose="02040503050406030204" pitchFamily="18" charset="0"/>
+                      </a:rPr>
+                      <m:t>𝑥</m:t>
+                    </m:r>
+                    <m:r>
+                      <a:rPr lang="en-US" b="0" i="1" smtClean="0">
+                        <a:latin typeface="Cambria Math" panose="02040503050406030204" pitchFamily="18" charset="0"/>
+                      </a:rPr>
+                      <m:t>∈</m:t>
+                    </m:r>
+                    <m:r>
+                      <a:rPr lang="en-US" b="0" i="1" smtClean="0">
+                        <a:latin typeface="Cambria Math" panose="02040503050406030204" pitchFamily="18" charset="0"/>
+                      </a:rPr>
+                      <m:t>𝑠</m:t>
+                    </m:r>
+                    <m:r>
+                      <a:rPr lang="en-US" b="0" i="1" smtClean="0">
+                        <a:latin typeface="Cambria Math" panose="02040503050406030204" pitchFamily="18" charset="0"/>
+                      </a:rPr>
+                      <m:t>⇔</m:t>
+                    </m:r>
+                    <m:r>
+                      <a:rPr lang="en-US" b="0" i="1" smtClean="0">
+                        <a:latin typeface="Cambria Math" panose="02040503050406030204" pitchFamily="18" charset="0"/>
+                      </a:rPr>
+                      <m:t>𝑦</m:t>
+                    </m:r>
+                    <m:r>
+                      <a:rPr lang="en-US" b="0" i="1" smtClean="0">
+                        <a:latin typeface="Cambria Math" panose="02040503050406030204" pitchFamily="18" charset="0"/>
+                      </a:rPr>
+                      <m:t>∈</m:t>
+                    </m:r>
+                    <m:r>
+                      <a:rPr lang="en-US" b="0" i="1" smtClean="0">
+                        <a:latin typeface="Cambria Math" panose="02040503050406030204" pitchFamily="18" charset="0"/>
+                      </a:rPr>
+                      <m:t>𝑠</m:t>
+                    </m:r>
+                  </m:oMath>
+                </a14:m>
+                <a:endParaRPr lang="en-US" b="0" i="1" dirty="0">
+                  <a:latin typeface="Cambria Math" panose="02040503050406030204" pitchFamily="18" charset="0"/>
+                </a:endParaRPr>
+              </a:p>
+              <a:p>
+                <a:pPr marL="0" indent="0">
+                  <a:buNone/>
+                </a:pPr>
+                <a:r>
+                  <a:rPr lang="en-US" b="0" dirty="0"/>
+                  <a:t>	 </a:t>
+                </a:r>
+                <a14:m>
+                  <m:oMath xmlns:m="http://schemas.openxmlformats.org/officeDocument/2006/math">
+                    <m:r>
+                      <a:rPr lang="en-US" b="0" i="1" smtClean="0">
+                        <a:latin typeface="Cambria Math" panose="02040503050406030204" pitchFamily="18" charset="0"/>
+                      </a:rPr>
+                      <m:t>𝑠</m:t>
+                    </m:r>
+                    <m:r>
+                      <a:rPr lang="en-US" b="0" i="1" smtClean="0">
+                        <a:latin typeface="Cambria Math" panose="02040503050406030204" pitchFamily="18" charset="0"/>
+                      </a:rPr>
+                      <m:t>∼</m:t>
+                    </m:r>
+                    <m:r>
+                      <a:rPr lang="en-US" b="0" i="1" smtClean="0">
+                        <a:latin typeface="Cambria Math" panose="02040503050406030204" pitchFamily="18" charset="0"/>
+                      </a:rPr>
+                      <m:t>𝑡</m:t>
+                    </m:r>
+                    <m:r>
+                      <a:rPr lang="en-US" b="0" i="1" smtClean="0">
+                        <a:latin typeface="Cambria Math" panose="02040503050406030204" pitchFamily="18" charset="0"/>
+                      </a:rPr>
+                      <m:t> ⇒</m:t>
+                    </m:r>
+                    <m:r>
+                      <a:rPr lang="en-US" b="0" i="1" smtClean="0">
+                        <a:latin typeface="Cambria Math" panose="02040503050406030204" pitchFamily="18" charset="0"/>
+                      </a:rPr>
+                      <m:t>𝑥</m:t>
+                    </m:r>
+                    <m:r>
+                      <a:rPr lang="en-US" b="0" i="1" smtClean="0">
+                        <a:latin typeface="Cambria Math" panose="02040503050406030204" pitchFamily="18" charset="0"/>
+                      </a:rPr>
+                      <m:t>∈</m:t>
+                    </m:r>
+                    <m:r>
+                      <a:rPr lang="en-US" b="0" i="1" smtClean="0">
+                        <a:latin typeface="Cambria Math" panose="02040503050406030204" pitchFamily="18" charset="0"/>
+                      </a:rPr>
+                      <m:t>𝑠</m:t>
+                    </m:r>
+                    <m:r>
+                      <a:rPr lang="en-US" b="0" i="1" smtClean="0">
+                        <a:latin typeface="Cambria Math" panose="02040503050406030204" pitchFamily="18" charset="0"/>
+                      </a:rPr>
+                      <m:t>⇔</m:t>
+                    </m:r>
+                    <m:r>
+                      <a:rPr lang="en-US" b="0" i="1" smtClean="0">
+                        <a:latin typeface="Cambria Math" panose="02040503050406030204" pitchFamily="18" charset="0"/>
+                      </a:rPr>
+                      <m:t>𝑥</m:t>
+                    </m:r>
+                    <m:r>
+                      <a:rPr lang="en-US" b="0" i="1" smtClean="0">
+                        <a:latin typeface="Cambria Math" panose="02040503050406030204" pitchFamily="18" charset="0"/>
+                      </a:rPr>
+                      <m:t>∈</m:t>
+                    </m:r>
+                    <m:r>
+                      <a:rPr lang="en-US" b="0" i="1" smtClean="0">
+                        <a:latin typeface="Cambria Math" panose="02040503050406030204" pitchFamily="18" charset="0"/>
+                      </a:rPr>
+                      <m:t>𝑡</m:t>
+                    </m:r>
+                  </m:oMath>
+                </a14:m>
+                <a:endParaRPr lang="en-US" dirty="0"/>
+              </a:p>
+              <a:p>
+                <a:pPr marL="0" indent="0">
+                  <a:buNone/>
+                </a:pPr>
+                <a:r>
+                  <a:rPr lang="en-US" dirty="0"/>
+                  <a:t>             Theory axioms are satisfied</a:t>
+                </a:r>
+              </a:p>
+              <a:p>
+                <a:pPr marL="0" indent="0">
+                  <a:buNone/>
+                </a:pPr>
+                <a:endParaRPr lang="en-US" dirty="0"/>
+              </a:p>
+              <a:p>
+                <a:pPr marL="0" indent="0">
+                  <a:buNone/>
+                </a:pPr>
+                <a:endParaRPr lang="en-US" dirty="0"/>
+              </a:p>
+              <a:p>
+                <a:pPr marL="0" indent="0">
+                  <a:buNone/>
+                </a:pPr>
+                <a:endParaRPr lang="en-US" dirty="0"/>
+              </a:p>
+              <a:p>
+                <a:pPr marL="0" indent="0">
+                  <a:buNone/>
+                </a:pPr>
+                <a:endParaRPr lang="en-US" b="0" dirty="0"/>
+              </a:p>
+              <a:p>
+                <a:pPr marL="0" indent="0">
+                  <a:buNone/>
+                </a:pPr>
+                <a:endParaRPr lang="en-US" dirty="0"/>
+              </a:p>
+            </p:txBody>
+          </p:sp>
+        </mc:Choice>
+        <mc:Fallback>
+          <p:sp>
+            <p:nvSpPr>
+              <p:cNvPr id="3" name="Content Placeholder 2">
+                <a:extLst>
+                  <a:ext uri="{FF2B5EF4-FFF2-40B4-BE49-F238E27FC236}">
+                    <a16:creationId xmlns:a16="http://schemas.microsoft.com/office/drawing/2014/main" id="{C559DC19-2BAC-FDA6-0F6F-71124B847067}"/>
+                  </a:ext>
+                </a:extLst>
+              </p:cNvPr>
+              <p:cNvSpPr>
+                <a:spLocks noGrp="1" noRot="1" noChangeAspect="1" noMove="1" noResize="1" noEditPoints="1" noAdjustHandles="1" noChangeArrowheads="1" noChangeShapeType="1" noTextEdit="1"/>
+              </p:cNvSpPr>
+              <p:nvPr>
+                <p:ph idx="1"/>
+              </p:nvPr>
+            </p:nvSpPr>
+            <p:spPr>
+              <a:blipFill>
+                <a:blip r:embed="rId2"/>
+                <a:stretch>
+                  <a:fillRect l="-928" b="-140"/>
+                </a:stretch>
+              </a:blipFill>
+            </p:spPr>
+            <p:txBody>
+              <a:bodyPr/>
+              <a:lstStyle/>
+              <a:p>
+                <a:r>
+                  <a:rPr lang="en-US">
+                    <a:noFill/>
+                  </a:rPr>
+                  <a:t> </a:t>
+                </a:r>
+              </a:p>
+            </p:txBody>
+          </p:sp>
+        </mc:Fallback>
+      </mc:AlternateContent>
+    </p:spTree>
+    <p:extLst>
+      <p:ext uri="{BB962C8B-B14F-4D97-AF65-F5344CB8AC3E}">
+        <p14:creationId xmlns:p14="http://schemas.microsoft.com/office/powerpoint/2010/main" val="3789288362"/>
+      </p:ext>
+    </p:extLst>
+  </p:cSld>
+  <p:clrMapOvr>
+    <a:masterClrMapping/>
+  </p:clrMapOvr>
+</p:sld>
+</file>
+
+<file path=ppt/slides/slide33.xml><?xml version="1.0" encoding="utf-8"?>
+<p:sld xmlns:a="http://schemas.openxmlformats.org/drawingml/2006/main" xmlns:r="http://schemas.openxmlformats.org/officeDocument/2006/relationships" xmlns:p="http://schemas.openxmlformats.org/presentationml/2006/main">
+  <p:cSld>
+    <p:spTree>
+      <p:nvGrpSpPr>
+        <p:cNvPr id="1" name="">
+          <a:extLst>
+            <a:ext uri="{FF2B5EF4-FFF2-40B4-BE49-F238E27FC236}">
+              <a16:creationId xmlns:a16="http://schemas.microsoft.com/office/drawing/2014/main" id="{823485C0-86F4-6A8A-A706-2405412E16A6}"/>
+            </a:ext>
+          </a:extLst>
+        </p:cNvPr>
+        <p:cNvGrpSpPr/>
+        <p:nvPr/>
+      </p:nvGrpSpPr>
+      <p:grpSpPr>
+        <a:xfrm>
+          <a:off x="0" y="0"/>
+          <a:ext cx="0" cy="0"/>
+          <a:chOff x="0" y="0"/>
+          <a:chExt cx="0" cy="0"/>
+        </a:xfrm>
+      </p:grpSpPr>
+      <p:sp>
+        <p:nvSpPr>
+          <p:cNvPr id="2" name="Title 1">
+            <a:extLst>
+              <a:ext uri="{FF2B5EF4-FFF2-40B4-BE49-F238E27FC236}">
+                <a16:creationId xmlns:a16="http://schemas.microsoft.com/office/drawing/2014/main" id="{2633A4AA-E31E-9741-430B-46C4EC810409}"/>
+              </a:ext>
+            </a:extLst>
+          </p:cNvPr>
+          <p:cNvSpPr>
+            <a:spLocks noGrp="1"/>
+          </p:cNvSpPr>
+          <p:nvPr>
+            <p:ph type="title"/>
+          </p:nvPr>
+        </p:nvSpPr>
+        <p:spPr/>
+        <p:txBody>
+          <a:bodyPr/>
+          <a:lstStyle/>
+          <a:p>
+            <a:r>
+              <a:rPr lang="en-US" dirty="0"/>
+              <a:t>Frugal Axiom Saturation</a:t>
+            </a:r>
+          </a:p>
+        </p:txBody>
+      </p:sp>
+      <p:sp>
+        <p:nvSpPr>
+          <p:cNvPr id="3" name="Content Placeholder 2">
+            <a:extLst>
+              <a:ext uri="{FF2B5EF4-FFF2-40B4-BE49-F238E27FC236}">
+                <a16:creationId xmlns:a16="http://schemas.microsoft.com/office/drawing/2014/main" id="{D6F9B033-332C-6D15-B4E5-7587871D4F46}"/>
+              </a:ext>
+            </a:extLst>
+          </p:cNvPr>
+          <p:cNvSpPr>
+            <a:spLocks noGrp="1"/>
+          </p:cNvSpPr>
+          <p:nvPr>
+            <p:ph idx="1"/>
+          </p:nvPr>
+        </p:nvSpPr>
+        <p:spPr/>
+        <p:txBody>
+          <a:bodyPr>
+            <a:normAutofit/>
+          </a:bodyPr>
+          <a:lstStyle/>
+          <a:p>
+            <a:pPr marL="0" indent="0">
+              <a:buNone/>
+            </a:pPr>
+            <a:r>
+              <a:rPr lang="en-US" dirty="0"/>
+              <a:t>Do we have to saturate all axioms to ensure consistent interpretations?</a:t>
+            </a:r>
+          </a:p>
+          <a:p>
+            <a:pPr marL="0" indent="0">
+              <a:buNone/>
+            </a:pPr>
+            <a:endParaRPr lang="en-US" dirty="0"/>
+          </a:p>
+          <a:p>
+            <a:pPr>
+              <a:buFontTx/>
+              <a:buChar char="-"/>
+            </a:pPr>
+            <a:r>
+              <a:rPr lang="en-US" dirty="0"/>
+              <a:t>Limit extensionality axioms to sets that have to be </a:t>
+            </a:r>
+            <a:r>
+              <a:rPr lang="en-US" dirty="0" err="1"/>
+              <a:t>disequal</a:t>
+            </a:r>
+            <a:r>
+              <a:rPr lang="en-US" dirty="0"/>
+              <a:t> for interpretation to be correct.</a:t>
+            </a:r>
+          </a:p>
+          <a:p>
+            <a:pPr>
+              <a:buFontTx/>
+              <a:buChar char="-"/>
+            </a:pPr>
+            <a:endParaRPr lang="en-US" dirty="0"/>
+          </a:p>
+          <a:p>
+            <a:pPr marL="0" indent="0">
+              <a:buNone/>
+            </a:pPr>
+            <a:endParaRPr lang="en-US" dirty="0"/>
+          </a:p>
+          <a:p>
+            <a:pPr marL="0" indent="0">
+              <a:buNone/>
+            </a:pPr>
+            <a:endParaRPr lang="en-US" dirty="0"/>
+          </a:p>
+          <a:p>
+            <a:pPr marL="0" indent="0">
+              <a:buNone/>
+            </a:pPr>
+            <a:endParaRPr lang="en-US" b="0" dirty="0"/>
+          </a:p>
+          <a:p>
+            <a:pPr marL="0" indent="0">
+              <a:buNone/>
+            </a:pPr>
+            <a:endParaRPr lang="en-US" dirty="0"/>
+          </a:p>
+        </p:txBody>
+      </p:sp>
+    </p:spTree>
+    <p:extLst>
+      <p:ext uri="{BB962C8B-B14F-4D97-AF65-F5344CB8AC3E}">
+        <p14:creationId xmlns:p14="http://schemas.microsoft.com/office/powerpoint/2010/main" val="1139044042"/>
+      </p:ext>
+    </p:extLst>
+  </p:cSld>
+  <p:clrMapOvr>
+    <a:masterClrMapping/>
+  </p:clrMapOvr>
+</p:sld>
+</file>
+
+<file path=ppt/slides/slide34.xml><?xml version="1.0" encoding="utf-8"?>
+<p:sld xmlns:a="http://schemas.openxmlformats.org/drawingml/2006/main" xmlns:r="http://schemas.openxmlformats.org/officeDocument/2006/relationships" xmlns:p="http://schemas.openxmlformats.org/presentationml/2006/main">
+  <p:cSld>
+    <p:spTree>
+      <p:nvGrpSpPr>
+        <p:cNvPr id="1" name=""/>
+        <p:cNvGrpSpPr/>
+        <p:nvPr/>
+      </p:nvGrpSpPr>
+      <p:grpSpPr>
+        <a:xfrm>
+          <a:off x="0" y="0"/>
+          <a:ext cx="0" cy="0"/>
+          <a:chOff x="0" y="0"/>
+          <a:chExt cx="0" cy="0"/>
+        </a:xfrm>
+      </p:grpSpPr>
+      <p:sp>
+        <p:nvSpPr>
+          <p:cNvPr id="2" name="Title 1">
+            <a:extLst>
+              <a:ext uri="{FF2B5EF4-FFF2-40B4-BE49-F238E27FC236}">
+                <a16:creationId xmlns:a16="http://schemas.microsoft.com/office/drawing/2014/main" id="{E32FF0DD-6D56-A6B1-B03B-FA916A3F7642}"/>
+              </a:ext>
+            </a:extLst>
+          </p:cNvPr>
+          <p:cNvSpPr>
+            <a:spLocks noGrp="1"/>
+          </p:cNvSpPr>
+          <p:nvPr>
+            <p:ph type="title"/>
+          </p:nvPr>
+        </p:nvSpPr>
+        <p:spPr/>
+        <p:txBody>
+          <a:bodyPr/>
+          <a:lstStyle/>
+          <a:p>
+            <a:r>
+              <a:rPr lang="en-US" dirty="0"/>
+              <a:t>Consistent Interpretations for Ranges</a:t>
+            </a:r>
+          </a:p>
+        </p:txBody>
+      </p:sp>
+      <mc:AlternateContent xmlns:mc="http://schemas.openxmlformats.org/markup-compatibility/2006">
+        <mc:Choice xmlns:a14="http://schemas.microsoft.com/office/drawing/2010/main" Requires="a14">
+          <p:sp>
+            <p:nvSpPr>
+              <p:cNvPr id="3" name="Content Placeholder 2">
+                <a:extLst>
+                  <a:ext uri="{FF2B5EF4-FFF2-40B4-BE49-F238E27FC236}">
+                    <a16:creationId xmlns:a16="http://schemas.microsoft.com/office/drawing/2014/main" id="{D22320A7-EDDD-D1E7-A111-8694FF572C32}"/>
+                  </a:ext>
+                </a:extLst>
+              </p:cNvPr>
+              <p:cNvSpPr>
+                <a:spLocks noGrp="1"/>
+              </p:cNvSpPr>
+              <p:nvPr>
+                <p:ph idx="1"/>
+              </p:nvPr>
+            </p:nvSpPr>
+            <p:spPr/>
+            <p:txBody>
+              <a:bodyPr/>
+              <a:lstStyle/>
+              <a:p>
+                <a:pPr marL="0" indent="0">
+                  <a:buNone/>
+                </a:pPr>
+                <a14:m>
+                  <m:oMath xmlns:m="http://schemas.openxmlformats.org/officeDocument/2006/math">
+                    <m:r>
+                      <a:rPr lang="en-US" i="1" dirty="0" smtClean="0">
+                        <a:latin typeface="Cambria Math" panose="02040503050406030204" pitchFamily="18" charset="0"/>
+                      </a:rPr>
+                      <m:t>𝑀</m:t>
+                    </m:r>
+                    <m:d>
+                      <m:dPr>
+                        <m:ctrlPr>
+                          <a:rPr lang="en-US" i="1" dirty="0">
+                            <a:latin typeface="Cambria Math" panose="02040503050406030204" pitchFamily="18" charset="0"/>
+                          </a:rPr>
+                        </m:ctrlPr>
+                      </m:dPr>
+                      <m:e>
+                        <m:r>
+                          <a:rPr lang="en-US" i="1" dirty="0">
+                            <a:latin typeface="Cambria Math" panose="02040503050406030204" pitchFamily="18" charset="0"/>
+                          </a:rPr>
+                          <m:t>𝑠</m:t>
+                        </m:r>
+                      </m:e>
+                    </m:d>
+                    <m:r>
+                      <a:rPr lang="en-US" i="1" dirty="0">
+                        <a:latin typeface="Cambria Math" panose="02040503050406030204" pitchFamily="18" charset="0"/>
+                      </a:rPr>
+                      <m:t> := </m:t>
+                    </m:r>
+                    <m:d>
+                      <m:dPr>
+                        <m:begChr m:val="{"/>
+                        <m:endChr m:val="|"/>
+                        <m:ctrlPr>
+                          <a:rPr lang="en-US" i="1" dirty="0">
+                            <a:latin typeface="Cambria Math" panose="02040503050406030204" pitchFamily="18" charset="0"/>
+                          </a:rPr>
+                        </m:ctrlPr>
+                      </m:dPr>
+                      <m:e>
+                        <m:r>
+                          <a:rPr lang="en-US" i="1" dirty="0">
+                            <a:latin typeface="Cambria Math" panose="02040503050406030204" pitchFamily="18" charset="0"/>
+                          </a:rPr>
+                          <m:t> </m:t>
+                        </m:r>
+                        <m:r>
+                          <a:rPr lang="en-US" i="1" dirty="0">
+                            <a:latin typeface="Cambria Math" panose="02040503050406030204" pitchFamily="18" charset="0"/>
+                          </a:rPr>
+                          <m:t>𝑥</m:t>
+                        </m:r>
+                        <m:r>
+                          <a:rPr lang="en-US" i="1" dirty="0">
+                            <a:latin typeface="Cambria Math" panose="02040503050406030204" pitchFamily="18" charset="0"/>
+                          </a:rPr>
+                          <m:t> </m:t>
+                        </m:r>
+                      </m:e>
+                    </m:d>
+                    <m:r>
+                      <a:rPr lang="en-US" i="1" dirty="0">
+                        <a:latin typeface="Cambria Math" panose="02040503050406030204" pitchFamily="18" charset="0"/>
+                      </a:rPr>
+                      <m:t> </m:t>
+                    </m:r>
+                    <m:r>
+                      <a:rPr lang="en-US" i="1" dirty="0">
+                        <a:latin typeface="Cambria Math" panose="02040503050406030204" pitchFamily="18" charset="0"/>
+                      </a:rPr>
+                      <m:t>𝑥</m:t>
+                    </m:r>
+                    <m:r>
+                      <a:rPr lang="en-US" i="1" dirty="0">
+                        <a:latin typeface="Cambria Math" panose="02040503050406030204" pitchFamily="18" charset="0"/>
+                      </a:rPr>
+                      <m:t>∈</m:t>
+                    </m:r>
+                    <m:r>
+                      <a:rPr lang="en-US" i="1" dirty="0">
+                        <a:latin typeface="Cambria Math" panose="02040503050406030204" pitchFamily="18" charset="0"/>
+                      </a:rPr>
+                      <m:t>𝑠</m:t>
+                    </m:r>
+                    <m:r>
+                      <a:rPr lang="en-US" i="1" dirty="0">
+                        <a:latin typeface="Cambria Math" panose="02040503050406030204" pitchFamily="18" charset="0"/>
+                      </a:rPr>
+                      <m:t>≡⊤ } </m:t>
+                    </m:r>
+                  </m:oMath>
+                </a14:m>
+                <a:r>
+                  <a:rPr lang="en-US" dirty="0"/>
+                  <a:t>does not work for ranges</a:t>
+                </a:r>
+              </a:p>
+              <a:p>
+                <a:pPr marL="0" indent="0">
+                  <a:buNone/>
+                </a:pPr>
+                <a:endParaRPr lang="en-US" dirty="0"/>
+              </a:p>
+              <a:p>
+                <a:pPr marL="0" indent="0">
+                  <a:buNone/>
+                </a:pPr>
+                <a14:m>
+                  <m:oMathPara xmlns:m="http://schemas.openxmlformats.org/officeDocument/2006/math">
+                    <m:oMathParaPr>
+                      <m:jc m:val="centerGroup"/>
+                    </m:oMathParaPr>
+                    <m:oMath xmlns:m="http://schemas.openxmlformats.org/officeDocument/2006/math">
+                      <m:r>
+                        <m:rPr>
+                          <m:sty m:val="p"/>
+                        </m:rPr>
+                        <a:rPr lang="en-US" b="0" i="0" smtClean="0">
+                          <a:latin typeface="Cambria Math" panose="02040503050406030204" pitchFamily="18" charset="0"/>
+                        </a:rPr>
+                        <m:t>s</m:t>
+                      </m:r>
+                      <m:r>
+                        <a:rPr lang="en-US" b="0" i="1" smtClean="0">
+                          <a:latin typeface="Cambria Math" panose="02040503050406030204" pitchFamily="18" charset="0"/>
+                        </a:rPr>
+                        <m:t>= [</m:t>
+                      </m:r>
+                      <m:r>
+                        <a:rPr lang="en-US" b="0" i="1" smtClean="0">
+                          <a:latin typeface="Cambria Math" panose="02040503050406030204" pitchFamily="18" charset="0"/>
+                        </a:rPr>
+                        <m:t>𝑙</m:t>
+                      </m:r>
+                      <m:r>
+                        <a:rPr lang="en-US" b="0" i="1" smtClean="0">
+                          <a:latin typeface="Cambria Math" panose="02040503050406030204" pitchFamily="18" charset="0"/>
+                        </a:rPr>
+                        <m:t>..</m:t>
+                      </m:r>
+                      <m:r>
+                        <a:rPr lang="en-US" b="0" i="1" smtClean="0">
+                          <a:latin typeface="Cambria Math" panose="02040503050406030204" pitchFamily="18" charset="0"/>
+                        </a:rPr>
+                        <m:t>𝑙</m:t>
+                      </m:r>
+                      <m:r>
+                        <a:rPr lang="en-US" b="0" i="1" smtClean="0">
+                          <a:latin typeface="Cambria Math" panose="02040503050406030204" pitchFamily="18" charset="0"/>
+                        </a:rPr>
+                        <m:t>+10]</m:t>
+                      </m:r>
+                    </m:oMath>
+                  </m:oMathPara>
+                </a14:m>
+                <a:endParaRPr lang="en-US" dirty="0"/>
+              </a:p>
+              <a:p>
+                <a:pPr marL="0" indent="0">
+                  <a:buNone/>
+                </a:pPr>
+                <a:r>
+                  <a:rPr lang="en-US" dirty="0"/>
+                  <a:t>Then </a:t>
+                </a:r>
+                <a14:m>
+                  <m:oMath xmlns:m="http://schemas.openxmlformats.org/officeDocument/2006/math">
+                    <m:r>
+                      <m:rPr>
+                        <m:sty m:val="p"/>
+                      </m:rPr>
+                      <a:rPr lang="en-US" b="0" i="0" smtClean="0">
+                        <a:latin typeface="Cambria Math" panose="02040503050406030204" pitchFamily="18" charset="0"/>
+                      </a:rPr>
+                      <m:t>M</m:t>
+                    </m:r>
+                    <m:d>
+                      <m:dPr>
+                        <m:ctrlPr>
+                          <a:rPr lang="en-US" b="0" i="0" smtClean="0">
+                            <a:latin typeface="Cambria Math" panose="02040503050406030204" pitchFamily="18" charset="0"/>
+                          </a:rPr>
+                        </m:ctrlPr>
+                      </m:dPr>
+                      <m:e>
+                        <m:r>
+                          <m:rPr>
+                            <m:sty m:val="p"/>
+                          </m:rPr>
+                          <a:rPr lang="en-US" b="0" i="0" smtClean="0">
+                            <a:latin typeface="Cambria Math" panose="02040503050406030204" pitchFamily="18" charset="0"/>
+                          </a:rPr>
+                          <m:t>s</m:t>
+                        </m:r>
+                      </m:e>
+                    </m:d>
+                    <m:r>
+                      <a:rPr lang="en-US" b="0" i="0" smtClean="0">
+                        <a:latin typeface="Cambria Math" panose="02040503050406030204" pitchFamily="18" charset="0"/>
+                      </a:rPr>
+                      <m:t> </m:t>
+                    </m:r>
+                  </m:oMath>
+                </a14:m>
+                <a:r>
+                  <a:rPr lang="en-US" dirty="0"/>
+                  <a:t>must have 10 elements.</a:t>
+                </a:r>
+              </a:p>
+              <a:p>
+                <a:pPr marL="0" indent="0">
+                  <a:buNone/>
+                </a:pPr>
+                <a:endParaRPr lang="en-US" dirty="0"/>
+              </a:p>
+              <a:p>
+                <a:pPr marL="0" indent="0">
+                  <a:buNone/>
+                </a:pPr>
+                <a:r>
+                  <a:rPr lang="en-US" dirty="0"/>
+                  <a:t>Can you construct a consistent interpretation after saturation with Base + Range?</a:t>
+                </a:r>
+              </a:p>
+            </p:txBody>
+          </p:sp>
+        </mc:Choice>
+        <mc:Fallback>
+          <p:sp>
+            <p:nvSpPr>
+              <p:cNvPr id="3" name="Content Placeholder 2">
+                <a:extLst>
+                  <a:ext uri="{FF2B5EF4-FFF2-40B4-BE49-F238E27FC236}">
+                    <a16:creationId xmlns:a16="http://schemas.microsoft.com/office/drawing/2014/main" id="{D22320A7-EDDD-D1E7-A111-8694FF572C32}"/>
+                  </a:ext>
+                </a:extLst>
+              </p:cNvPr>
+              <p:cNvSpPr>
+                <a:spLocks noGrp="1" noRot="1" noChangeAspect="1" noMove="1" noResize="1" noEditPoints="1" noAdjustHandles="1" noChangeArrowheads="1" noChangeShapeType="1" noTextEdit="1"/>
+              </p:cNvSpPr>
+              <p:nvPr>
+                <p:ph idx="1"/>
+              </p:nvPr>
+            </p:nvSpPr>
+            <p:spPr>
+              <a:blipFill>
+                <a:blip r:embed="rId2"/>
+                <a:stretch>
+                  <a:fillRect l="-1217" t="-2241" r="-1681"/>
+                </a:stretch>
+              </a:blipFill>
+            </p:spPr>
+            <p:txBody>
+              <a:bodyPr/>
+              <a:lstStyle/>
+              <a:p>
+                <a:r>
+                  <a:rPr lang="en-US">
+                    <a:noFill/>
+                  </a:rPr>
+                  <a:t> </a:t>
+                </a:r>
+              </a:p>
+            </p:txBody>
+          </p:sp>
+        </mc:Fallback>
+      </mc:AlternateContent>
+    </p:spTree>
+    <p:extLst>
+      <p:ext uri="{BB962C8B-B14F-4D97-AF65-F5344CB8AC3E}">
+        <p14:creationId xmlns:p14="http://schemas.microsoft.com/office/powerpoint/2010/main" val="2337248973"/>
+      </p:ext>
+    </p:extLst>
+  </p:cSld>
+  <p:clrMapOvr>
+    <a:masterClrMapping/>
+  </p:clrMapOvr>
+</p:sld>
+</file>
+
+<file path=ppt/slides/slide35.xml><?xml version="1.0" encoding="utf-8"?>
 <p:sld xmlns:a="http://schemas.openxmlformats.org/drawingml/2006/main" xmlns:r="http://schemas.openxmlformats.org/officeDocument/2006/relationships" xmlns:p="http://schemas.openxmlformats.org/presentationml/2006/main">
   <p:cSld>
     <p:spTree>
@@ -35419,8 +38096,8 @@
           </a:p>
         </p:txBody>
       </p:sp>
-      <mc:AlternateContent xmlns:mc="http://schemas.openxmlformats.org/markup-compatibility/2006" xmlns:a14="http://schemas.microsoft.com/office/drawing/2010/main">
-        <mc:Choice Requires="a14">
+      <mc:AlternateContent xmlns:mc="http://schemas.openxmlformats.org/markup-compatibility/2006">
+        <mc:Choice xmlns:a14="http://schemas.microsoft.com/office/drawing/2010/main" Requires="a14">
           <p:sp>
             <p:nvSpPr>
               <p:cNvPr id="3" name="Content Placeholder 2">
@@ -35442,6 +38119,9 @@
               <a:bodyPr/>
               <a:lstStyle/>
               <a:p>
+                <a:pPr marL="0" indent="0">
+                  <a:buNone/>
+                </a:pPr>
                 <a:r>
                   <a:rPr lang="en-US" dirty="0"/>
                   <a:t>Set inclusion forms a Boolean Algebra</a:t>
@@ -35451,6 +38131,9 @@
                 <a:endParaRPr lang="en-US" dirty="0"/>
               </a:p>
               <a:p>
+                <a:pPr marL="0" indent="0">
+                  <a:buNone/>
+                </a:pPr>
                 <a:r>
                   <a:rPr lang="en-US" dirty="0">
                     <a:ea typeface="Cambria Math" panose="02040503050406030204" pitchFamily="18" charset="0"/>
@@ -35740,41 +38423,373 @@
                     </m:r>
                   </m:oMath>
                 </a14:m>
+                <a:r>
+                  <a:rPr lang="en-US" dirty="0"/>
+                  <a:t>   also characterized by </a:t>
+                </a:r>
+                <a14:m>
+                  <m:oMath xmlns:m="http://schemas.openxmlformats.org/officeDocument/2006/math">
+                    <m:r>
+                      <a:rPr lang="en-US" b="0" i="1" smtClean="0">
+                        <a:latin typeface="Cambria Math" panose="02040503050406030204" pitchFamily="18" charset="0"/>
+                      </a:rPr>
+                      <m:t>𝑇</m:t>
+                    </m:r>
+                    <m:r>
+                      <a:rPr lang="en-US" b="0" i="1" smtClean="0">
+                        <a:latin typeface="Cambria Math" panose="02040503050406030204" pitchFamily="18" charset="0"/>
+                      </a:rPr>
+                      <m:t>∩</m:t>
+                    </m:r>
+                    <m:r>
+                      <a:rPr lang="en-US" b="0" i="1" smtClean="0">
+                        <a:latin typeface="Cambria Math" panose="02040503050406030204" pitchFamily="18" charset="0"/>
+                      </a:rPr>
+                      <m:t>𝑆</m:t>
+                    </m:r>
+                    <m:r>
+                      <a:rPr lang="en-US" b="0" i="1" smtClean="0">
+                        <a:latin typeface="Cambria Math" panose="02040503050406030204" pitchFamily="18" charset="0"/>
+                      </a:rPr>
+                      <m:t>, </m:t>
+                    </m:r>
+                    <m:r>
+                      <a:rPr lang="en-US" b="0" i="1" smtClean="0">
+                        <a:latin typeface="Cambria Math" panose="02040503050406030204" pitchFamily="18" charset="0"/>
+                      </a:rPr>
+                      <m:t>𝑇</m:t>
+                    </m:r>
+                    <m:r>
+                      <a:rPr lang="en-US" b="0" i="1" smtClean="0">
+                        <a:latin typeface="Cambria Math" panose="02040503050406030204" pitchFamily="18" charset="0"/>
+                      </a:rPr>
+                      <m:t>∪</m:t>
+                    </m:r>
+                    <m:r>
+                      <a:rPr lang="en-US" b="0" i="1" smtClean="0">
+                        <a:latin typeface="Cambria Math" panose="02040503050406030204" pitchFamily="18" charset="0"/>
+                      </a:rPr>
+                      <m:t>𝑆</m:t>
+                    </m:r>
+                  </m:oMath>
+                </a14:m>
                 <a:endParaRPr lang="en-US" dirty="0"/>
               </a:p>
               <a:p>
                 <a:endParaRPr lang="en-US" dirty="0"/>
               </a:p>
               <a:p>
+                <a:pPr marL="0" indent="0">
+                  <a:buNone/>
+                </a:pPr>
                 <a:r>
                   <a:rPr lang="en-US" dirty="0"/>
-                  <a:t>Suppose a formula only uses strict and non-strict set inclusion and negations?</a:t>
+                  <a:t>Suppose a formula only uses strict and non-strict set inclusion and negations: What is a good way to check consistency of a conjunction of set inclusions? </a:t>
                 </a:r>
               </a:p>
               <a:p>
-                <a:r>
-                  <a:rPr lang="en-US" dirty="0"/>
-                  <a:t>What is a good way to check consistency of a conjunction of </a:t>
-                </a:r>
-                <a:r>
-                  <a:rPr lang="en-US"/>
-                  <a:t>set inclusions</a:t>
-                </a:r>
-                <a:r>
-                  <a:rPr lang="en-US" dirty="0"/>
-                  <a:t>? </a:t>
-                </a:r>
+                <a:pPr marL="0" indent="0">
+                  <a:buNone/>
+                </a:pPr>
+                <a:endParaRPr lang="en-US" dirty="0"/>
               </a:p>
             </p:txBody>
           </p:sp>
         </mc:Choice>
-        <mc:Fallback xmlns="">
+        <mc:Fallback>
           <p:sp>
             <p:nvSpPr>
               <p:cNvPr id="3" name="Content Placeholder 2">
                 <a:extLst>
                   <a:ext uri="{FF2B5EF4-FFF2-40B4-BE49-F238E27FC236}">
                     <a16:creationId xmlns:a16="http://schemas.microsoft.com/office/drawing/2014/main" id="{C9E023AF-1AB3-115F-19B4-DE2E7146FB07}"/>
+                  </a:ext>
+                </a:extLst>
+              </p:cNvPr>
+              <p:cNvSpPr>
+                <a:spLocks noGrp="1" noRot="1" noChangeAspect="1" noMove="1" noResize="1" noEditPoints="1" noAdjustHandles="1" noChangeArrowheads="1" noChangeShapeType="1" noTextEdit="1"/>
+              </p:cNvSpPr>
+              <p:nvPr>
+                <p:ph idx="1"/>
+              </p:nvPr>
+            </p:nvSpPr>
+            <p:spPr>
+              <a:blipFill>
+                <a:blip r:embed="rId2"/>
+                <a:stretch>
+                  <a:fillRect l="-1217" t="-2241" r="-870"/>
+                </a:stretch>
+              </a:blipFill>
+            </p:spPr>
+            <p:txBody>
+              <a:bodyPr/>
+              <a:lstStyle/>
+              <a:p>
+                <a:r>
+                  <a:rPr lang="en-US">
+                    <a:noFill/>
+                  </a:rPr>
+                  <a:t> </a:t>
+                </a:r>
+              </a:p>
+            </p:txBody>
+          </p:sp>
+        </mc:Fallback>
+      </mc:AlternateContent>
+    </p:spTree>
+    <p:extLst>
+      <p:ext uri="{BB962C8B-B14F-4D97-AF65-F5344CB8AC3E}">
+        <p14:creationId xmlns:p14="http://schemas.microsoft.com/office/powerpoint/2010/main" val="1518732827"/>
+      </p:ext>
+    </p:extLst>
+  </p:cSld>
+  <p:clrMapOvr>
+    <a:masterClrMapping/>
+  </p:clrMapOvr>
+</p:sld>
+</file>
+
+<file path=ppt/slides/slide36.xml><?xml version="1.0" encoding="utf-8"?>
+<p:sld xmlns:a="http://schemas.openxmlformats.org/drawingml/2006/main" xmlns:r="http://schemas.openxmlformats.org/officeDocument/2006/relationships" xmlns:p="http://schemas.openxmlformats.org/presentationml/2006/main">
+  <p:cSld>
+    <p:spTree>
+      <p:nvGrpSpPr>
+        <p:cNvPr id="1" name=""/>
+        <p:cNvGrpSpPr/>
+        <p:nvPr/>
+      </p:nvGrpSpPr>
+      <p:grpSpPr>
+        <a:xfrm>
+          <a:off x="0" y="0"/>
+          <a:ext cx="0" cy="0"/>
+          <a:chOff x="0" y="0"/>
+          <a:chExt cx="0" cy="0"/>
+        </a:xfrm>
+      </p:grpSpPr>
+      <p:sp>
+        <p:nvSpPr>
+          <p:cNvPr id="2" name="Title 1">
+            <a:extLst>
+              <a:ext uri="{FF2B5EF4-FFF2-40B4-BE49-F238E27FC236}">
+                <a16:creationId xmlns:a16="http://schemas.microsoft.com/office/drawing/2014/main" id="{502C83D1-0B65-E494-931B-64BBEBB1DD87}"/>
+              </a:ext>
+            </a:extLst>
+          </p:cNvPr>
+          <p:cNvSpPr>
+            <a:spLocks noGrp="1"/>
+          </p:cNvSpPr>
+          <p:nvPr>
+            <p:ph type="title"/>
+          </p:nvPr>
+        </p:nvSpPr>
+        <p:spPr>
+          <a:xfrm>
+            <a:off x="838200" y="365125"/>
+            <a:ext cx="11049000" cy="1325563"/>
+          </a:xfrm>
+        </p:spPr>
+        <p:txBody>
+          <a:bodyPr/>
+          <a:lstStyle/>
+          <a:p>
+            <a:r>
+              <a:rPr lang="en-US" dirty="0"/>
+              <a:t>BAPA – Boolean Algebra Presburger Arithmetic</a:t>
+            </a:r>
+          </a:p>
+        </p:txBody>
+      </p:sp>
+      <mc:AlternateContent xmlns:mc="http://schemas.openxmlformats.org/markup-compatibility/2006">
+        <mc:Choice xmlns:a14="http://schemas.microsoft.com/office/drawing/2010/main" Requires="a14">
+          <p:sp>
+            <p:nvSpPr>
+              <p:cNvPr id="3" name="Content Placeholder 2">
+                <a:extLst>
+                  <a:ext uri="{FF2B5EF4-FFF2-40B4-BE49-F238E27FC236}">
+                    <a16:creationId xmlns:a16="http://schemas.microsoft.com/office/drawing/2014/main" id="{EC629F24-03F0-9308-116C-C357A8F0AE19}"/>
+                  </a:ext>
+                </a:extLst>
+              </p:cNvPr>
+              <p:cNvSpPr>
+                <a:spLocks noGrp="1"/>
+              </p:cNvSpPr>
+              <p:nvPr>
+                <p:ph idx="1"/>
+              </p:nvPr>
+            </p:nvSpPr>
+            <p:spPr/>
+            <p:txBody>
+              <a:bodyPr/>
+              <a:lstStyle/>
+              <a:p>
+                <a:r>
+                  <a:rPr lang="en-US" dirty="0"/>
+                  <a:t>Recall, we admit “</a:t>
+                </a:r>
+                <a:r>
+                  <a:rPr lang="en-US" dirty="0" err="1"/>
+                  <a:t>set.size</a:t>
+                </a:r>
+                <a:r>
+                  <a:rPr lang="en-US" dirty="0"/>
+                  <a:t>” or |S|.</a:t>
+                </a:r>
+              </a:p>
+              <a:p>
+                <a:r>
+                  <a:rPr lang="en-US" dirty="0"/>
+                  <a:t>Suppose we have set variables </a:t>
+                </a:r>
+                <a14:m>
+                  <m:oMath xmlns:m="http://schemas.openxmlformats.org/officeDocument/2006/math">
+                    <m:sSub>
+                      <m:sSubPr>
+                        <m:ctrlPr>
+                          <a:rPr lang="en-US" b="0" i="1" smtClean="0">
+                            <a:latin typeface="Cambria Math" panose="02040503050406030204" pitchFamily="18" charset="0"/>
+                          </a:rPr>
+                        </m:ctrlPr>
+                      </m:sSubPr>
+                      <m:e>
+                        <m:r>
+                          <a:rPr lang="en-US" b="0" i="1" smtClean="0">
+                            <a:latin typeface="Cambria Math" panose="02040503050406030204" pitchFamily="18" charset="0"/>
+                          </a:rPr>
+                          <m:t>𝑠</m:t>
+                        </m:r>
+                      </m:e>
+                      <m:sub>
+                        <m:r>
+                          <a:rPr lang="en-US" b="0" i="1" smtClean="0">
+                            <a:latin typeface="Cambria Math" panose="02040503050406030204" pitchFamily="18" charset="0"/>
+                          </a:rPr>
+                          <m:t>1</m:t>
+                        </m:r>
+                      </m:sub>
+                    </m:sSub>
+                    <m:r>
+                      <a:rPr lang="en-US" b="0" i="1" smtClean="0">
+                        <a:latin typeface="Cambria Math" panose="02040503050406030204" pitchFamily="18" charset="0"/>
+                      </a:rPr>
+                      <m:t>,…,</m:t>
+                    </m:r>
+                    <m:sSub>
+                      <m:sSubPr>
+                        <m:ctrlPr>
+                          <a:rPr lang="en-US" b="0" i="1" smtClean="0">
+                            <a:latin typeface="Cambria Math" panose="02040503050406030204" pitchFamily="18" charset="0"/>
+                          </a:rPr>
+                        </m:ctrlPr>
+                      </m:sSubPr>
+                      <m:e>
+                        <m:r>
+                          <a:rPr lang="en-US" b="0" i="1" smtClean="0">
+                            <a:latin typeface="Cambria Math" panose="02040503050406030204" pitchFamily="18" charset="0"/>
+                          </a:rPr>
+                          <m:t>𝑠</m:t>
+                        </m:r>
+                      </m:e>
+                      <m:sub>
+                        <m:r>
+                          <a:rPr lang="en-US" b="0" i="1" smtClean="0">
+                            <a:latin typeface="Cambria Math" panose="02040503050406030204" pitchFamily="18" charset="0"/>
+                          </a:rPr>
+                          <m:t>𝑛</m:t>
+                        </m:r>
+                      </m:sub>
+                    </m:sSub>
+                    <m:r>
+                      <a:rPr lang="en-US" b="0" i="1" smtClean="0">
+                        <a:latin typeface="Cambria Math" panose="02040503050406030204" pitchFamily="18" charset="0"/>
+                      </a:rPr>
+                      <m:t>.</m:t>
+                    </m:r>
+                  </m:oMath>
+                </a14:m>
+                <a:endParaRPr lang="en-US" b="0" dirty="0"/>
+              </a:p>
+              <a:p>
+                <a:r>
+                  <a:rPr lang="en-US" dirty="0"/>
+                  <a:t>Form the full Venn-diagram of the variables (</a:t>
+                </a:r>
+                <a14:m>
+                  <m:oMath xmlns:m="http://schemas.openxmlformats.org/officeDocument/2006/math">
+                    <m:sSup>
+                      <m:sSupPr>
+                        <m:ctrlPr>
+                          <a:rPr lang="en-US" b="0" i="1" smtClean="0">
+                            <a:latin typeface="Cambria Math" panose="02040503050406030204" pitchFamily="18" charset="0"/>
+                          </a:rPr>
+                        </m:ctrlPr>
+                      </m:sSupPr>
+                      <m:e>
+                        <m:r>
+                          <a:rPr lang="en-US" b="0" i="1" smtClean="0">
+                            <a:latin typeface="Cambria Math" panose="02040503050406030204" pitchFamily="18" charset="0"/>
+                          </a:rPr>
+                          <m:t>2</m:t>
+                        </m:r>
+                      </m:e>
+                      <m:sup>
+                        <m:r>
+                          <a:rPr lang="en-US" b="0" i="1" smtClean="0">
+                            <a:latin typeface="Cambria Math" panose="02040503050406030204" pitchFamily="18" charset="0"/>
+                          </a:rPr>
+                          <m:t>𝑛</m:t>
+                        </m:r>
+                      </m:sup>
+                    </m:sSup>
+                    <m:r>
+                      <a:rPr lang="en-US" b="0" i="0" smtClean="0">
+                        <a:latin typeface="Cambria Math" panose="02040503050406030204" pitchFamily="18" charset="0"/>
+                      </a:rPr>
+                      <m:t> </m:t>
+                    </m:r>
+                  </m:oMath>
+                </a14:m>
+                <a:r>
+                  <a:rPr lang="en-US" dirty="0"/>
+                  <a:t>disjoint regions).</a:t>
+                </a:r>
+              </a:p>
+              <a:p>
+                <a:r>
+                  <a:rPr lang="en-US" dirty="0"/>
+                  <a:t>Rewrite every expression using the Venn-diagram regions.</a:t>
+                </a:r>
+              </a:p>
+              <a:p>
+                <a:r>
+                  <a:rPr lang="en-US" dirty="0"/>
+                  <a:t>|S| is now a sum of disjoint regions</a:t>
+                </a:r>
+              </a:p>
+              <a:p>
+                <a:r>
+                  <a:rPr lang="en-US" dirty="0"/>
+                  <a:t>Every region is either unconstrained or comes from singleton or empty sets. </a:t>
+                </a:r>
+              </a:p>
+              <a:p>
+                <a:r>
+                  <a:rPr lang="en-US" dirty="0"/>
+                  <a:t>Figuring out number of elements in regions is reduced to Arithmetic.</a:t>
+                </a:r>
+              </a:p>
+              <a:p>
+                <a:endParaRPr lang="en-US" dirty="0"/>
+              </a:p>
+            </p:txBody>
+          </p:sp>
+        </mc:Choice>
+        <mc:Fallback>
+          <p:sp>
+            <p:nvSpPr>
+              <p:cNvPr id="3" name="Content Placeholder 2">
+                <a:extLst>
+                  <a:ext uri="{FF2B5EF4-FFF2-40B4-BE49-F238E27FC236}">
+                    <a16:creationId xmlns:a16="http://schemas.microsoft.com/office/drawing/2014/main" id="{EC629F24-03F0-9308-116C-C357A8F0AE19}"/>
                   </a:ext>
                 </a:extLst>
               </p:cNvPr>
@@ -35811,7 +38826,210 @@
     </p:spTree>
     <p:extLst>
       <p:ext uri="{BB962C8B-B14F-4D97-AF65-F5344CB8AC3E}">
-        <p14:creationId xmlns:p14="http://schemas.microsoft.com/office/powerpoint/2010/main" val="1518732827"/>
+        <p14:creationId xmlns:p14="http://schemas.microsoft.com/office/powerpoint/2010/main" val="3746378367"/>
+      </p:ext>
+    </p:extLst>
+  </p:cSld>
+  <p:clrMapOvr>
+    <a:masterClrMapping/>
+  </p:clrMapOvr>
+</p:sld>
+</file>
+
+<file path=ppt/slides/slide37.xml><?xml version="1.0" encoding="utf-8"?>
+<p:sld xmlns:a="http://schemas.openxmlformats.org/drawingml/2006/main" xmlns:r="http://schemas.openxmlformats.org/officeDocument/2006/relationships" xmlns:p="http://schemas.openxmlformats.org/presentationml/2006/main">
+  <p:cSld>
+    <p:spTree>
+      <p:nvGrpSpPr>
+        <p:cNvPr id="1" name=""/>
+        <p:cNvGrpSpPr/>
+        <p:nvPr/>
+      </p:nvGrpSpPr>
+      <p:grpSpPr>
+        <a:xfrm>
+          <a:off x="0" y="0"/>
+          <a:ext cx="0" cy="0"/>
+          <a:chOff x="0" y="0"/>
+          <a:chExt cx="0" cy="0"/>
+        </a:xfrm>
+      </p:grpSpPr>
+      <p:sp>
+        <p:nvSpPr>
+          <p:cNvPr id="2" name="Title 1">
+            <a:extLst>
+              <a:ext uri="{FF2B5EF4-FFF2-40B4-BE49-F238E27FC236}">
+                <a16:creationId xmlns:a16="http://schemas.microsoft.com/office/drawing/2014/main" id="{17D1A9D0-1BC9-8B5D-9260-FF0B1C60C0D8}"/>
+              </a:ext>
+            </a:extLst>
+          </p:cNvPr>
+          <p:cNvSpPr>
+            <a:spLocks noGrp="1"/>
+          </p:cNvSpPr>
+          <p:nvPr>
+            <p:ph type="title"/>
+          </p:nvPr>
+        </p:nvSpPr>
+        <p:spPr/>
+        <p:txBody>
+          <a:bodyPr/>
+          <a:lstStyle/>
+          <a:p>
+            <a:r>
+              <a:rPr lang="en-US" dirty="0"/>
+              <a:t>BAPA</a:t>
+            </a:r>
+          </a:p>
+        </p:txBody>
+      </p:sp>
+      <mc:AlternateContent xmlns:mc="http://schemas.openxmlformats.org/markup-compatibility/2006">
+        <mc:Choice xmlns:a14="http://schemas.microsoft.com/office/drawing/2010/main" Requires="a14">
+          <p:sp>
+            <p:nvSpPr>
+              <p:cNvPr id="3" name="Content Placeholder 2">
+                <a:extLst>
+                  <a:ext uri="{FF2B5EF4-FFF2-40B4-BE49-F238E27FC236}">
+                    <a16:creationId xmlns:a16="http://schemas.microsoft.com/office/drawing/2014/main" id="{73AB0B99-474D-E187-0431-684AF6435620}"/>
+                  </a:ext>
+                </a:extLst>
+              </p:cNvPr>
+              <p:cNvSpPr>
+                <a:spLocks noGrp="1"/>
+              </p:cNvSpPr>
+              <p:nvPr>
+                <p:ph idx="1"/>
+              </p:nvPr>
+            </p:nvSpPr>
+            <p:spPr/>
+            <p:txBody>
+              <a:bodyPr/>
+              <a:lstStyle/>
+              <a:p>
+                <a:r>
+                  <a:rPr lang="en-US" dirty="0"/>
+                  <a:t>Regions that matter.</a:t>
+                </a:r>
+              </a:p>
+              <a:p>
+                <a:pPr lvl="1"/>
+                <a:r>
+                  <a:rPr lang="en-US" dirty="0"/>
+                  <a:t>Do we really have to consider all regions over </a:t>
+                </a:r>
+                <a14:m>
+                  <m:oMath xmlns:m="http://schemas.openxmlformats.org/officeDocument/2006/math">
+                    <m:sSub>
+                      <m:sSubPr>
+                        <m:ctrlPr>
+                          <a:rPr lang="en-US" i="1">
+                            <a:latin typeface="Cambria Math" panose="02040503050406030204" pitchFamily="18" charset="0"/>
+                          </a:rPr>
+                        </m:ctrlPr>
+                      </m:sSubPr>
+                      <m:e>
+                        <m:r>
+                          <a:rPr lang="en-US" i="1">
+                            <a:latin typeface="Cambria Math" panose="02040503050406030204" pitchFamily="18" charset="0"/>
+                          </a:rPr>
+                          <m:t>𝑠</m:t>
+                        </m:r>
+                      </m:e>
+                      <m:sub>
+                        <m:r>
+                          <a:rPr lang="en-US" i="1">
+                            <a:latin typeface="Cambria Math" panose="02040503050406030204" pitchFamily="18" charset="0"/>
+                          </a:rPr>
+                          <m:t>1</m:t>
+                        </m:r>
+                      </m:sub>
+                    </m:sSub>
+                    <m:r>
+                      <a:rPr lang="en-US" i="1">
+                        <a:latin typeface="Cambria Math" panose="02040503050406030204" pitchFamily="18" charset="0"/>
+                      </a:rPr>
+                      <m:t>,…,</m:t>
+                    </m:r>
+                    <m:sSub>
+                      <m:sSubPr>
+                        <m:ctrlPr>
+                          <a:rPr lang="en-US" i="1">
+                            <a:latin typeface="Cambria Math" panose="02040503050406030204" pitchFamily="18" charset="0"/>
+                          </a:rPr>
+                        </m:ctrlPr>
+                      </m:sSubPr>
+                      <m:e>
+                        <m:r>
+                          <a:rPr lang="en-US" i="1">
+                            <a:latin typeface="Cambria Math" panose="02040503050406030204" pitchFamily="18" charset="0"/>
+                          </a:rPr>
+                          <m:t>𝑠</m:t>
+                        </m:r>
+                      </m:e>
+                      <m:sub>
+                        <m:r>
+                          <a:rPr lang="en-US" i="1">
+                            <a:latin typeface="Cambria Math" panose="02040503050406030204" pitchFamily="18" charset="0"/>
+                          </a:rPr>
+                          <m:t>𝑛</m:t>
+                        </m:r>
+                      </m:sub>
+                    </m:sSub>
+                    <m:r>
+                      <a:rPr lang="en-US" b="0" i="1" smtClean="0">
+                        <a:latin typeface="Cambria Math" panose="02040503050406030204" pitchFamily="18" charset="0"/>
+                      </a:rPr>
+                      <m:t>?</m:t>
+                    </m:r>
+                  </m:oMath>
+                </a14:m>
+                <a:endParaRPr lang="en-US" dirty="0"/>
+              </a:p>
+            </p:txBody>
+          </p:sp>
+        </mc:Choice>
+        <mc:Fallback>
+          <p:sp>
+            <p:nvSpPr>
+              <p:cNvPr id="3" name="Content Placeholder 2">
+                <a:extLst>
+                  <a:ext uri="{FF2B5EF4-FFF2-40B4-BE49-F238E27FC236}">
+                    <a16:creationId xmlns:a16="http://schemas.microsoft.com/office/drawing/2014/main" id="{73AB0B99-474D-E187-0431-684AF6435620}"/>
+                  </a:ext>
+                </a:extLst>
+              </p:cNvPr>
+              <p:cNvSpPr>
+                <a:spLocks noGrp="1" noRot="1" noChangeAspect="1" noMove="1" noResize="1" noEditPoints="1" noAdjustHandles="1" noChangeArrowheads="1" noChangeShapeType="1" noTextEdit="1"/>
+              </p:cNvSpPr>
+              <p:nvPr>
+                <p:ph idx="1"/>
+              </p:nvPr>
+            </p:nvSpPr>
+            <p:spPr>
+              <a:blipFill>
+                <a:blip r:embed="rId2"/>
+                <a:stretch>
+                  <a:fillRect l="-1043" t="-2241"/>
+                </a:stretch>
+              </a:blipFill>
+            </p:spPr>
+            <p:txBody>
+              <a:bodyPr/>
+              <a:lstStyle/>
+              <a:p>
+                <a:r>
+                  <a:rPr lang="en-US">
+                    <a:noFill/>
+                  </a:rPr>
+                  <a:t> </a:t>
+                </a:r>
+              </a:p>
+            </p:txBody>
+          </p:sp>
+        </mc:Fallback>
+      </mc:AlternateContent>
+    </p:spTree>
+    <p:extLst>
+      <p:ext uri="{BB962C8B-B14F-4D97-AF65-F5344CB8AC3E}">
+        <p14:creationId xmlns:p14="http://schemas.microsoft.com/office/powerpoint/2010/main" val="3848363081"/>
       </p:ext>
     </p:extLst>
   </p:cSld>
@@ -37558,21 +40776,6 @@
 </file>
 
 <file path=customXml/item1.xml><?xml version="1.0" encoding="utf-8"?>
-<p:properties xmlns:p="http://schemas.microsoft.com/office/2006/metadata/properties" xmlns:xsi="http://www.w3.org/2001/XMLSchema-instance" xmlns:pc="http://schemas.microsoft.com/office/infopath/2007/PartnerControls">
-  <documentManagement/>
-</p:properties>
-</file>
-
-<file path=customXml/item2.xml><?xml version="1.0" encoding="utf-8"?>
-<?mso-contentType ?>
-<FormTemplates xmlns="http://schemas.microsoft.com/sharepoint/v3/contenttype/forms">
-  <Display>DocumentLibraryForm</Display>
-  <Edit>DocumentLibraryForm</Edit>
-  <New>DocumentLibraryForm</New>
-</FormTemplates>
-</file>
-
-<file path=customXml/item3.xml><?xml version="1.0" encoding="utf-8"?>
 <ct:contentTypeSchema xmlns:ct="http://schemas.microsoft.com/office/2006/metadata/contentType" xmlns:ma="http://schemas.microsoft.com/office/2006/metadata/properties/metaAttributes" ct:_="" ma:_="" ma:contentTypeName="Document" ma:contentTypeID="0x01010097FD63E395080A43A32F443B5DB3CA82" ma:contentTypeVersion="15" ma:contentTypeDescription="Create a new document." ma:contentTypeScope="" ma:versionID="a3e21556ad7696f46e6aeed3e8446d09">
   <xsd:schema xmlns:xsd="http://www.w3.org/2001/XMLSchema" xmlns:xs="http://www.w3.org/2001/XMLSchema" xmlns:p="http://schemas.microsoft.com/office/2006/metadata/properties" xmlns:ns3="1eac365c-24b9-49f6-8b08-64a95c9e0c2d" xmlns:ns4="a2be3752-dc5b-4cdd-a620-72e6c83e257b" targetNamespace="http://schemas.microsoft.com/office/2006/metadata/properties" ma:root="true" ma:fieldsID="4546fefd2005ff12357c2bd0a43b79fc" ns3:_="" ns4:_="">
     <xsd:import namespace="1eac365c-24b9-49f6-8b08-64a95c9e0c2d"/>
@@ -37809,32 +41012,22 @@
 </ct:contentTypeSchema>
 </file>
 
-<file path=customXml/itemProps1.xml><?xml version="1.0" encoding="utf-8"?>
-<ds:datastoreItem xmlns:ds="http://schemas.openxmlformats.org/officeDocument/2006/customXml" ds:itemID="{3DA4B80E-AB13-4EE9-A8E3-2ACC6F11AFAD}">
-  <ds:schemaRefs>
-    <ds:schemaRef ds:uri="http://schemas.openxmlformats.org/package/2006/metadata/core-properties"/>
-    <ds:schemaRef ds:uri="http://schemas.microsoft.com/office/infopath/2007/PartnerControls"/>
-    <ds:schemaRef ds:uri="http://schemas.microsoft.com/office/2006/documentManagement/types"/>
-    <ds:schemaRef ds:uri="http://www.w3.org/XML/1998/namespace"/>
-    <ds:schemaRef ds:uri="http://purl.org/dc/elements/1.1/"/>
-    <ds:schemaRef ds:uri="a2be3752-dc5b-4cdd-a620-72e6c83e257b"/>
-    <ds:schemaRef ds:uri="http://purl.org/dc/dcmitype/"/>
-    <ds:schemaRef ds:uri="1eac365c-24b9-49f6-8b08-64a95c9e0c2d"/>
-    <ds:schemaRef ds:uri="http://purl.org/dc/terms/"/>
-    <ds:schemaRef ds:uri="http://schemas.microsoft.com/office/2006/metadata/properties"/>
-  </ds:schemaRefs>
-</ds:datastoreItem>
+<file path=customXml/item2.xml><?xml version="1.0" encoding="utf-8"?>
+<?mso-contentType ?>
+<FormTemplates xmlns="http://schemas.microsoft.com/sharepoint/v3/contenttype/forms">
+  <Display>DocumentLibraryForm</Display>
+  <Edit>DocumentLibraryForm</Edit>
+  <New>DocumentLibraryForm</New>
+</FormTemplates>
 </file>
 
-<file path=customXml/itemProps2.xml><?xml version="1.0" encoding="utf-8"?>
-<ds:datastoreItem xmlns:ds="http://schemas.openxmlformats.org/officeDocument/2006/customXml" ds:itemID="{B5E21315-3456-4FBC-8807-B24E962756AF}">
-  <ds:schemaRefs>
-    <ds:schemaRef ds:uri="http://schemas.microsoft.com/sharepoint/v3/contenttype/forms"/>
-  </ds:schemaRefs>
-</ds:datastoreItem>
+<file path=customXml/item3.xml><?xml version="1.0" encoding="utf-8"?>
+<p:properties xmlns:p="http://schemas.microsoft.com/office/2006/metadata/properties" xmlns:xsi="http://www.w3.org/2001/XMLSchema-instance" xmlns:pc="http://schemas.microsoft.com/office/infopath/2007/PartnerControls">
+  <documentManagement/>
+</p:properties>
 </file>
 
-<file path=customXml/itemProps3.xml><?xml version="1.0" encoding="utf-8"?>
+<file path=customXml/itemProps1.xml><?xml version="1.0" encoding="utf-8"?>
 <ds:datastoreItem xmlns:ds="http://schemas.openxmlformats.org/officeDocument/2006/customXml" ds:itemID="{AF506A69-CB65-41D0-9E76-2210A713824C}">
   <ds:schemaRefs>
     <ds:schemaRef ds:uri="1eac365c-24b9-49f6-8b08-64a95c9e0c2d"/>
@@ -37853,6 +41046,31 @@
 </ds:datastoreItem>
 </file>
 
+<file path=customXml/itemProps2.xml><?xml version="1.0" encoding="utf-8"?>
+<ds:datastoreItem xmlns:ds="http://schemas.openxmlformats.org/officeDocument/2006/customXml" ds:itemID="{B5E21315-3456-4FBC-8807-B24E962756AF}">
+  <ds:schemaRefs>
+    <ds:schemaRef ds:uri="http://schemas.microsoft.com/sharepoint/v3/contenttype/forms"/>
+  </ds:schemaRefs>
+</ds:datastoreItem>
+</file>
+
+<file path=customXml/itemProps3.xml><?xml version="1.0" encoding="utf-8"?>
+<ds:datastoreItem xmlns:ds="http://schemas.openxmlformats.org/officeDocument/2006/customXml" ds:itemID="{3DA4B80E-AB13-4EE9-A8E3-2ACC6F11AFAD}">
+  <ds:schemaRefs>
+    <ds:schemaRef ds:uri="http://schemas.openxmlformats.org/package/2006/metadata/core-properties"/>
+    <ds:schemaRef ds:uri="http://schemas.microsoft.com/office/infopath/2007/PartnerControls"/>
+    <ds:schemaRef ds:uri="http://schemas.microsoft.com/office/2006/documentManagement/types"/>
+    <ds:schemaRef ds:uri="http://www.w3.org/XML/1998/namespace"/>
+    <ds:schemaRef ds:uri="http://purl.org/dc/elements/1.1/"/>
+    <ds:schemaRef ds:uri="a2be3752-dc5b-4cdd-a620-72e6c83e257b"/>
+    <ds:schemaRef ds:uri="http://purl.org/dc/dcmitype/"/>
+    <ds:schemaRef ds:uri="1eac365c-24b9-49f6-8b08-64a95c9e0c2d"/>
+    <ds:schemaRef ds:uri="http://purl.org/dc/terms/"/>
+    <ds:schemaRef ds:uri="http://schemas.microsoft.com/office/2006/metadata/properties"/>
+  </ds:schemaRefs>
+</ds:datastoreItem>
+</file>
+
 <file path=docMetadata/LabelInfo.xml><?xml version="1.0" encoding="utf-8"?>
 <clbl:labelList xmlns:clbl="http://schemas.microsoft.com/office/2020/mipLabelMetadata">
   <clbl:label id="{f42aa342-8706-4288-bd11-ebb85995028c}" enabled="1" method="Standard" siteId="{72f988bf-86f1-41af-91ab-2d7cd011db47}" removed="0"/>

--- a/vienna-lectures/lecture3-theories.pptx
+++ b/vienna-lectures/lecture3-theories.pptx
@@ -5,7 +5,7 @@
     <p:sldMasterId id="2147483648" r:id="rId4"/>
   </p:sldMasterIdLst>
   <p:notesMasterIdLst>
-    <p:notesMasterId r:id="rId42"/>
+    <p:notesMasterId r:id="rId43"/>
   </p:notesMasterIdLst>
   <p:sldIdLst>
     <p:sldId id="256" r:id="rId5"/>
@@ -39,12 +39,13 @@
     <p:sldId id="2146847252" r:id="rId33"/>
     <p:sldId id="2146847253" r:id="rId34"/>
     <p:sldId id="2146847254" r:id="rId35"/>
-    <p:sldId id="2146847256" r:id="rId36"/>
-    <p:sldId id="2146847257" r:id="rId37"/>
-    <p:sldId id="2146847258" r:id="rId38"/>
-    <p:sldId id="2146847255" r:id="rId39"/>
-    <p:sldId id="2146847259" r:id="rId40"/>
-    <p:sldId id="2146847260" r:id="rId41"/>
+    <p:sldId id="2146847261" r:id="rId36"/>
+    <p:sldId id="2146847256" r:id="rId37"/>
+    <p:sldId id="2146847257" r:id="rId38"/>
+    <p:sldId id="2146847258" r:id="rId39"/>
+    <p:sldId id="2146847255" r:id="rId40"/>
+    <p:sldId id="2146847259" r:id="rId41"/>
+    <p:sldId id="2146847260" r:id="rId42"/>
   </p:sldIdLst>
   <p:sldSz cx="12192000" cy="6858000"/>
   <p:notesSz cx="6858000" cy="9144000"/>
@@ -3137,7 +3138,7 @@
           <a:p>
             <a:fld id="{E0060B70-99F6-46DC-AC28-61E24B2D140B}" type="datetimeFigureOut">
               <a:rPr lang="en-US" smtClean="0"/>
-              <a:t>10/7/2025</a:t>
+              <a:t>10/8/2025</a:t>
             </a:fld>
             <a:endParaRPr lang="en-US"/>
           </a:p>
@@ -3658,7 +3659,7 @@
                 <a:tabLst/>
                 <a:defRPr/>
               </a:pPr>
-              <a:t>10/7/2025 3:07 PM</a:t>
+              <a:t>10/8/2025 8:22 AM</a:t>
             </a:fld>
             <a:endParaRPr kumimoji="0" lang="en-US" sz="1200" b="0" i="0" u="none" strike="noStrike" kern="1200" cap="none" spc="0" normalizeH="0" baseline="0" noProof="0">
               <a:ln>
@@ -4082,7 +4083,7 @@
           <a:p>
             <a:fld id="{D71F6AB6-6FBF-4B63-A5C3-90DEBBF6936C}" type="datetimeFigureOut">
               <a:rPr lang="en-US" smtClean="0"/>
-              <a:t>10/7/2025</a:t>
+              <a:t>10/8/2025</a:t>
             </a:fld>
             <a:endParaRPr lang="en-US"/>
           </a:p>
@@ -4280,7 +4281,7 @@
           <a:p>
             <a:fld id="{D71F6AB6-6FBF-4B63-A5C3-90DEBBF6936C}" type="datetimeFigureOut">
               <a:rPr lang="en-US" smtClean="0"/>
-              <a:t>10/7/2025</a:t>
+              <a:t>10/8/2025</a:t>
             </a:fld>
             <a:endParaRPr lang="en-US"/>
           </a:p>
@@ -4488,7 +4489,7 @@
           <a:p>
             <a:fld id="{D71F6AB6-6FBF-4B63-A5C3-90DEBBF6936C}" type="datetimeFigureOut">
               <a:rPr lang="en-US" smtClean="0"/>
-              <a:t>10/7/2025</a:t>
+              <a:t>10/8/2025</a:t>
             </a:fld>
             <a:endParaRPr lang="en-US"/>
           </a:p>
@@ -4686,7 +4687,7 @@
           <a:p>
             <a:fld id="{D71F6AB6-6FBF-4B63-A5C3-90DEBBF6936C}" type="datetimeFigureOut">
               <a:rPr lang="en-US" smtClean="0"/>
-              <a:t>10/7/2025</a:t>
+              <a:t>10/8/2025</a:t>
             </a:fld>
             <a:endParaRPr lang="en-US"/>
           </a:p>
@@ -4961,7 +4962,7 @@
           <a:p>
             <a:fld id="{D71F6AB6-6FBF-4B63-A5C3-90DEBBF6936C}" type="datetimeFigureOut">
               <a:rPr lang="en-US" smtClean="0"/>
-              <a:t>10/7/2025</a:t>
+              <a:t>10/8/2025</a:t>
             </a:fld>
             <a:endParaRPr lang="en-US"/>
           </a:p>
@@ -5226,7 +5227,7 @@
           <a:p>
             <a:fld id="{D71F6AB6-6FBF-4B63-A5C3-90DEBBF6936C}" type="datetimeFigureOut">
               <a:rPr lang="en-US" smtClean="0"/>
-              <a:t>10/7/2025</a:t>
+              <a:t>10/8/2025</a:t>
             </a:fld>
             <a:endParaRPr lang="en-US"/>
           </a:p>
@@ -5638,7 +5639,7 @@
           <a:p>
             <a:fld id="{D71F6AB6-6FBF-4B63-A5C3-90DEBBF6936C}" type="datetimeFigureOut">
               <a:rPr lang="en-US" smtClean="0"/>
-              <a:t>10/7/2025</a:t>
+              <a:t>10/8/2025</a:t>
             </a:fld>
             <a:endParaRPr lang="en-US"/>
           </a:p>
@@ -5779,7 +5780,7 @@
           <a:p>
             <a:fld id="{D71F6AB6-6FBF-4B63-A5C3-90DEBBF6936C}" type="datetimeFigureOut">
               <a:rPr lang="en-US" smtClean="0"/>
-              <a:t>10/7/2025</a:t>
+              <a:t>10/8/2025</a:t>
             </a:fld>
             <a:endParaRPr lang="en-US"/>
           </a:p>
@@ -5892,7 +5893,7 @@
           <a:p>
             <a:fld id="{D71F6AB6-6FBF-4B63-A5C3-90DEBBF6936C}" type="datetimeFigureOut">
               <a:rPr lang="en-US" smtClean="0"/>
-              <a:t>10/7/2025</a:t>
+              <a:t>10/8/2025</a:t>
             </a:fld>
             <a:endParaRPr lang="en-US"/>
           </a:p>
@@ -6203,7 +6204,7 @@
           <a:p>
             <a:fld id="{D71F6AB6-6FBF-4B63-A5C3-90DEBBF6936C}" type="datetimeFigureOut">
               <a:rPr lang="en-US" smtClean="0"/>
-              <a:t>10/7/2025</a:t>
+              <a:t>10/8/2025</a:t>
             </a:fld>
             <a:endParaRPr lang="en-US"/>
           </a:p>
@@ -6491,7 +6492,7 @@
           <a:p>
             <a:fld id="{D71F6AB6-6FBF-4B63-A5C3-90DEBBF6936C}" type="datetimeFigureOut">
               <a:rPr lang="en-US" smtClean="0"/>
-              <a:t>10/7/2025</a:t>
+              <a:t>10/8/2025</a:t>
             </a:fld>
             <a:endParaRPr lang="en-US"/>
           </a:p>
@@ -6732,7 +6733,7 @@
           <a:p>
             <a:fld id="{D71F6AB6-6FBF-4B63-A5C3-90DEBBF6936C}" type="datetimeFigureOut">
               <a:rPr lang="en-US" smtClean="0"/>
-              <a:t>10/7/2025</a:t>
+              <a:t>10/8/2025</a:t>
             </a:fld>
             <a:endParaRPr lang="en-US"/>
           </a:p>
@@ -26044,7 +26045,7 @@
           </a:ln>
           <a:extLst>
             <a:ext uri="{C572A759-6A51-4108-AA02-DFA0A04FC94B}">
-              <ma14:wrappingTextBoxFlag xmlns:m="http://schemas.openxmlformats.org/officeDocument/2006/math" xmlns:a14="http://schemas.microsoft.com/office/drawing/2010/main" xmlns:ma14="http://schemas.microsoft.com/office/mac/drawingml/2011/main" xmlns="" val="1"/>
+              <ma14:wrappingTextBoxFlag xmlns="" xmlns:ma14="http://schemas.microsoft.com/office/mac/drawingml/2011/main" xmlns:a14="http://schemas.microsoft.com/office/drawing/2010/main" xmlns:m="http://schemas.openxmlformats.org/officeDocument/2006/math" val="1"/>
             </a:ext>
           </a:extLst>
         </p:spPr>
@@ -27725,7 +27726,7 @@
           </a:ln>
           <a:extLst>
             <a:ext uri="{C572A759-6A51-4108-AA02-DFA0A04FC94B}">
-              <ma14:wrappingTextBoxFlag xmlns:ma14="http://schemas.microsoft.com/office/mac/drawingml/2011/main" xmlns:a14="http://schemas.microsoft.com/office/drawing/2010/main" xmlns:m="http://schemas.openxmlformats.org/officeDocument/2006/math" xmlns="" val="1"/>
+              <ma14:wrappingTextBoxFlag xmlns="" xmlns:m="http://schemas.openxmlformats.org/officeDocument/2006/math" xmlns:a14="http://schemas.microsoft.com/office/drawing/2010/main" xmlns:ma14="http://schemas.microsoft.com/office/mac/drawingml/2011/main" val="1"/>
             </a:ext>
           </a:extLst>
         </p:spPr>
@@ -29303,7 +29304,7 @@
               </a:ln>
               <a:extLst>
                 <a:ext uri="{C572A759-6A51-4108-AA02-DFA0A04FC94B}">
-                  <ma14:wrappingTextBoxFlag xmlns:m="http://schemas.openxmlformats.org/officeDocument/2006/math" xmlns:ma14="http://schemas.microsoft.com/office/mac/drawingml/2011/main" xmlns="" val="1"/>
+                  <ma14:wrappingTextBoxFlag xmlns="" xmlns:ma14="http://schemas.microsoft.com/office/mac/drawingml/2011/main" xmlns:m="http://schemas.openxmlformats.org/officeDocument/2006/math" val="1"/>
                 </a:ext>
               </a:extLst>
             </p:spPr>
@@ -29671,7 +29672,7 @@
               </a:ln>
               <a:extLst>
                 <a:ext uri="{C572A759-6A51-4108-AA02-DFA0A04FC94B}">
-                  <ma14:wrappingTextBoxFlag xmlns:ma14="http://schemas.microsoft.com/office/mac/drawingml/2011/main" xmlns:m="http://schemas.openxmlformats.org/officeDocument/2006/math" xmlns="" val="1"/>
+                  <ma14:wrappingTextBoxFlag xmlns="" xmlns:m="http://schemas.openxmlformats.org/officeDocument/2006/math" xmlns:ma14="http://schemas.microsoft.com/office/mac/drawingml/2011/main" val="1"/>
                 </a:ext>
               </a:extLst>
             </p:spPr>
@@ -30465,7 +30466,7 @@
               </a:ln>
               <a:extLst>
                 <a:ext uri="{C572A759-6A51-4108-AA02-DFA0A04FC94B}">
-                  <ma14:wrappingTextBoxFlag xmlns:m="http://schemas.openxmlformats.org/officeDocument/2006/math" xmlns:ma14="http://schemas.microsoft.com/office/mac/drawingml/2011/main" xmlns="" val="1"/>
+                  <ma14:wrappingTextBoxFlag xmlns="" xmlns:ma14="http://schemas.microsoft.com/office/mac/drawingml/2011/main" xmlns:m="http://schemas.openxmlformats.org/officeDocument/2006/math" val="1"/>
                 </a:ext>
               </a:extLst>
             </p:spPr>
@@ -31593,7 +31594,7 @@
               </a:ln>
               <a:extLst>
                 <a:ext uri="{C572A759-6A51-4108-AA02-DFA0A04FC94B}">
-                  <ma14:wrappingTextBoxFlag xmlns:ma14="http://schemas.microsoft.com/office/mac/drawingml/2011/main" xmlns:m="http://schemas.openxmlformats.org/officeDocument/2006/math" xmlns="" val="1"/>
+                  <ma14:wrappingTextBoxFlag xmlns="" xmlns:m="http://schemas.openxmlformats.org/officeDocument/2006/math" xmlns:ma14="http://schemas.microsoft.com/office/mac/drawingml/2011/main" val="1"/>
                 </a:ext>
               </a:extLst>
             </p:spPr>
@@ -31961,7 +31962,7 @@
               </a:ln>
               <a:extLst>
                 <a:ext uri="{C572A759-6A51-4108-AA02-DFA0A04FC94B}">
-                  <ma14:wrappingTextBoxFlag xmlns:m="http://schemas.openxmlformats.org/officeDocument/2006/math" xmlns:ma14="http://schemas.microsoft.com/office/mac/drawingml/2011/main" xmlns="" val="1"/>
+                  <ma14:wrappingTextBoxFlag xmlns="" xmlns:ma14="http://schemas.microsoft.com/office/mac/drawingml/2011/main" xmlns:m="http://schemas.openxmlformats.org/officeDocument/2006/math" val="1"/>
                 </a:ext>
               </a:extLst>
             </p:spPr>
@@ -33910,8 +33911,8 @@
           </a:p>
         </p:txBody>
       </p:sp>
-      <mc:AlternateContent xmlns:mc="http://schemas.openxmlformats.org/markup-compatibility/2006">
-        <mc:Choice xmlns:a14="http://schemas.microsoft.com/office/drawing/2010/main" Requires="a14">
+      <mc:AlternateContent xmlns:mc="http://schemas.openxmlformats.org/markup-compatibility/2006" xmlns:a14="http://schemas.microsoft.com/office/drawing/2010/main">
+        <mc:Choice Requires="a14">
           <p:sp>
             <p:nvSpPr>
               <p:cNvPr id="3" name="Content Placeholder 2">
@@ -34543,7 +34544,7 @@
             </p:txBody>
           </p:sp>
         </mc:Choice>
-        <mc:Fallback>
+        <mc:Fallback xmlns="">
           <p:sp>
             <p:nvSpPr>
               <p:cNvPr id="3" name="Content Placeholder 2">
@@ -35210,8 +35211,8 @@
           </a:p>
         </p:txBody>
       </p:sp>
-      <mc:AlternateContent xmlns:mc="http://schemas.openxmlformats.org/markup-compatibility/2006">
-        <mc:Choice xmlns:a14="http://schemas.microsoft.com/office/drawing/2010/main" Requires="a14">
+      <mc:AlternateContent xmlns:mc="http://schemas.openxmlformats.org/markup-compatibility/2006" xmlns:a14="http://schemas.microsoft.com/office/drawing/2010/main">
+        <mc:Choice Requires="a14">
           <p:sp>
             <p:nvSpPr>
               <p:cNvPr id="3" name="Content Placeholder 2">
@@ -36382,7 +36383,7 @@
             </p:txBody>
           </p:sp>
         </mc:Choice>
-        <mc:Fallback>
+        <mc:Fallback xmlns="">
           <p:sp>
             <p:nvSpPr>
               <p:cNvPr id="3" name="Content Placeholder 2">
@@ -36549,6 +36550,907 @@
   <p:cSld>
     <p:spTree>
       <p:nvGrpSpPr>
+        <p:cNvPr id="1" name=""/>
+        <p:cNvGrpSpPr/>
+        <p:nvPr/>
+      </p:nvGrpSpPr>
+      <p:grpSpPr>
+        <a:xfrm>
+          <a:off x="0" y="0"/>
+          <a:ext cx="0" cy="0"/>
+          <a:chOff x="0" y="0"/>
+          <a:chExt cx="0" cy="0"/>
+        </a:xfrm>
+      </p:grpSpPr>
+      <p:sp>
+        <p:nvSpPr>
+          <p:cNvPr id="2" name="Title 1">
+            <a:extLst>
+              <a:ext uri="{FF2B5EF4-FFF2-40B4-BE49-F238E27FC236}">
+                <a16:creationId xmlns:a16="http://schemas.microsoft.com/office/drawing/2014/main" id="{0DC8038C-F8E8-1504-2FC8-8477BB746C96}"/>
+              </a:ext>
+            </a:extLst>
+          </p:cNvPr>
+          <p:cNvSpPr>
+            <a:spLocks noGrp="1"/>
+          </p:cNvSpPr>
+          <p:nvPr>
+            <p:ph type="title"/>
+          </p:nvPr>
+        </p:nvSpPr>
+        <p:spPr/>
+        <p:txBody>
+          <a:bodyPr/>
+          <a:lstStyle/>
+          <a:p>
+            <a:r>
+              <a:rPr lang="en-US"/>
+              <a:t>Use Built-in </a:t>
+            </a:r>
+            <a:r>
+              <a:rPr lang="en-US" dirty="0"/>
+              <a:t>functions for existential axioms</a:t>
+            </a:r>
+          </a:p>
+        </p:txBody>
+      </p:sp>
+      <mc:AlternateContent xmlns:mc="http://schemas.openxmlformats.org/markup-compatibility/2006">
+        <mc:Choice xmlns:a14="http://schemas.microsoft.com/office/drawing/2010/main" Requires="a14">
+          <p:sp>
+            <p:nvSpPr>
+              <p:cNvPr id="5" name="TextBox 4">
+                <a:extLst>
+                  <a:ext uri="{FF2B5EF4-FFF2-40B4-BE49-F238E27FC236}">
+                    <a16:creationId xmlns:a16="http://schemas.microsoft.com/office/drawing/2014/main" id="{0144D5F8-DF6A-FEDF-D75D-9B16C0AA1EDD}"/>
+                  </a:ext>
+                </a:extLst>
+              </p:cNvPr>
+              <p:cNvSpPr txBox="1"/>
+              <p:nvPr/>
+            </p:nvSpPr>
+            <p:spPr>
+              <a:xfrm>
+                <a:off x="1388853" y="1992703"/>
+                <a:ext cx="7511450" cy="1384995"/>
+              </a:xfrm>
+              <a:prstGeom prst="rect">
+                <a:avLst/>
+              </a:prstGeom>
+              <a:noFill/>
+            </p:spPr>
+            <p:txBody>
+              <a:bodyPr wrap="square">
+                <a:spAutoFit/>
+              </a:bodyPr>
+              <a:lstStyle/>
+              <a:p>
+                <a:pPr marL="0" indent="0">
+                  <a:buNone/>
+                </a:pPr>
+                <a14:m>
+                  <m:oMathPara xmlns:m="http://schemas.openxmlformats.org/officeDocument/2006/math">
+                    <m:oMathParaPr>
+                      <m:jc m:val="centerGroup"/>
+                    </m:oMathParaPr>
+                    <m:oMath xmlns:m="http://schemas.openxmlformats.org/officeDocument/2006/math">
+                      <m:r>
+                        <a:rPr lang="en-US" sz="2800" i="1" smtClean="0">
+                          <a:latin typeface="Cambria Math" panose="02040503050406030204" pitchFamily="18" charset="0"/>
+                        </a:rPr>
+                        <m:t>𝑠</m:t>
+                      </m:r>
+                      <m:r>
+                        <a:rPr lang="en-US" sz="2800" i="1" smtClean="0">
+                          <a:latin typeface="Cambria Math" panose="02040503050406030204" pitchFamily="18" charset="0"/>
+                        </a:rPr>
+                        <m:t>≠</m:t>
+                      </m:r>
+                      <m:r>
+                        <a:rPr lang="en-US" sz="2800" i="1" smtClean="0">
+                          <a:latin typeface="Cambria Math" panose="02040503050406030204" pitchFamily="18" charset="0"/>
+                        </a:rPr>
+                        <m:t>𝑡</m:t>
+                      </m:r>
+                      <m:r>
+                        <a:rPr lang="en-US" sz="2800" i="1" smtClean="0">
+                          <a:latin typeface="Cambria Math" panose="02040503050406030204" pitchFamily="18" charset="0"/>
+                        </a:rPr>
+                        <m:t>⇒∃</m:t>
+                      </m:r>
+                      <m:r>
+                        <a:rPr lang="en-US" sz="2800" b="0" i="1" smtClean="0">
+                          <a:latin typeface="Cambria Math" panose="02040503050406030204" pitchFamily="18" charset="0"/>
+                        </a:rPr>
+                        <m:t>𝑥</m:t>
+                      </m:r>
+                      <m:r>
+                        <a:rPr lang="en-US" sz="2800" b="0" i="1" smtClean="0">
+                          <a:latin typeface="Cambria Math" panose="02040503050406030204" pitchFamily="18" charset="0"/>
+                        </a:rPr>
+                        <m:t> . </m:t>
+                      </m:r>
+                      <m:r>
+                        <a:rPr lang="en-US" sz="2800" b="0" i="1" smtClean="0">
+                          <a:latin typeface="Cambria Math" panose="02040503050406030204" pitchFamily="18" charset="0"/>
+                        </a:rPr>
+                        <m:t>𝑥</m:t>
+                      </m:r>
+                      <m:r>
+                        <a:rPr lang="en-US" sz="2800" b="0" i="1" smtClean="0">
+                          <a:latin typeface="Cambria Math" panose="02040503050406030204" pitchFamily="18" charset="0"/>
+                        </a:rPr>
+                        <m:t>∈</m:t>
+                      </m:r>
+                      <m:r>
+                        <a:rPr lang="en-US" sz="2800" b="0" i="1" smtClean="0">
+                          <a:latin typeface="Cambria Math" panose="02040503050406030204" pitchFamily="18" charset="0"/>
+                        </a:rPr>
+                        <m:t>𝑠</m:t>
+                      </m:r>
+                      <m:r>
+                        <a:rPr lang="en-US" sz="2800" b="0" i="1" smtClean="0">
+                          <a:latin typeface="Cambria Math" panose="02040503050406030204" pitchFamily="18" charset="0"/>
+                        </a:rPr>
+                        <m:t>≠</m:t>
+                      </m:r>
+                      <m:r>
+                        <a:rPr lang="en-US" sz="2800" b="0" i="1" smtClean="0">
+                          <a:latin typeface="Cambria Math" panose="02040503050406030204" pitchFamily="18" charset="0"/>
+                        </a:rPr>
+                        <m:t>𝑥</m:t>
+                      </m:r>
+                      <m:r>
+                        <a:rPr lang="en-US" sz="2800" b="0" i="1" smtClean="0">
+                          <a:latin typeface="Cambria Math" panose="02040503050406030204" pitchFamily="18" charset="0"/>
+                        </a:rPr>
+                        <m:t>∈</m:t>
+                      </m:r>
+                      <m:r>
+                        <a:rPr lang="en-US" sz="2800" b="0" i="1" smtClean="0">
+                          <a:latin typeface="Cambria Math" panose="02040503050406030204" pitchFamily="18" charset="0"/>
+                        </a:rPr>
+                        <m:t>𝑡</m:t>
+                      </m:r>
+                      <m:r>
+                        <a:rPr lang="en-US" sz="2800" b="0" i="1" smtClean="0">
+                          <a:latin typeface="Cambria Math" panose="02040503050406030204" pitchFamily="18" charset="0"/>
+                        </a:rPr>
+                        <m:t> </m:t>
+                      </m:r>
+                    </m:oMath>
+                  </m:oMathPara>
+                </a14:m>
+                <a:endParaRPr lang="en-US" sz="2800" b="0" i="1" dirty="0">
+                  <a:latin typeface="Cambria Math" panose="02040503050406030204" pitchFamily="18" charset="0"/>
+                </a:endParaRPr>
+              </a:p>
+              <a:p>
+                <a:pPr marL="0" indent="0">
+                  <a:buNone/>
+                </a:pPr>
+                <a:r>
+                  <a:rPr lang="en-US" sz="2800" dirty="0" err="1">
+                    <a:latin typeface="Cambria Math" panose="02040503050406030204" pitchFamily="18" charset="0"/>
+                  </a:rPr>
+                  <a:t>Skolemize</a:t>
+                </a:r>
+                <a:r>
+                  <a:rPr lang="en-US" sz="2800" dirty="0">
+                    <a:latin typeface="Cambria Math" panose="02040503050406030204" pitchFamily="18" charset="0"/>
+                  </a:rPr>
+                  <a:t>:</a:t>
+                </a:r>
+                <a:br>
+                  <a:rPr lang="en-US" sz="2800" b="0" i="1" dirty="0">
+                    <a:latin typeface="Cambria Math" panose="02040503050406030204" pitchFamily="18" charset="0"/>
+                  </a:rPr>
+                </a:br>
+                <a14:m>
+                  <m:oMathPara xmlns:m="http://schemas.openxmlformats.org/officeDocument/2006/math">
+                    <m:oMathParaPr>
+                      <m:jc m:val="centerGroup"/>
+                    </m:oMathParaPr>
+                    <m:oMath xmlns:m="http://schemas.openxmlformats.org/officeDocument/2006/math">
+                      <m:r>
+                        <a:rPr lang="en-US" sz="2800" b="0" i="1" smtClean="0">
+                          <a:latin typeface="Cambria Math" panose="02040503050406030204" pitchFamily="18" charset="0"/>
+                        </a:rPr>
+                        <m:t>𝑠</m:t>
+                      </m:r>
+                      <m:r>
+                        <a:rPr lang="en-US" sz="2800" b="0" i="1" smtClean="0">
+                          <a:latin typeface="Cambria Math" panose="02040503050406030204" pitchFamily="18" charset="0"/>
+                        </a:rPr>
+                        <m:t>≠</m:t>
+                      </m:r>
+                      <m:r>
+                        <a:rPr lang="en-US" sz="2800" b="0" i="1" smtClean="0">
+                          <a:latin typeface="Cambria Math" panose="02040503050406030204" pitchFamily="18" charset="0"/>
+                        </a:rPr>
+                        <m:t>𝑡</m:t>
+                      </m:r>
+                      <m:r>
+                        <a:rPr lang="en-US" sz="2800" b="0" i="1" smtClean="0">
+                          <a:latin typeface="Cambria Math" panose="02040503050406030204" pitchFamily="18" charset="0"/>
+                        </a:rPr>
+                        <m:t>⇒</m:t>
+                      </m:r>
+                      <m:r>
+                        <a:rPr lang="en-US" sz="2800" i="1" smtClean="0">
+                          <a:latin typeface="Cambria Math" panose="02040503050406030204" pitchFamily="18" charset="0"/>
+                        </a:rPr>
+                        <m:t>𝛿</m:t>
+                      </m:r>
+                      <m:d>
+                        <m:dPr>
+                          <m:ctrlPr>
+                            <a:rPr lang="en-US" sz="2800" i="1">
+                              <a:latin typeface="Cambria Math" panose="02040503050406030204" pitchFamily="18" charset="0"/>
+                            </a:rPr>
+                          </m:ctrlPr>
+                        </m:dPr>
+                        <m:e>
+                          <m:r>
+                            <a:rPr lang="en-US" sz="2800" i="1">
+                              <a:latin typeface="Cambria Math" panose="02040503050406030204" pitchFamily="18" charset="0"/>
+                            </a:rPr>
+                            <m:t>𝑠</m:t>
+                          </m:r>
+                          <m:r>
+                            <a:rPr lang="en-US" sz="2800" i="1">
+                              <a:latin typeface="Cambria Math" panose="02040503050406030204" pitchFamily="18" charset="0"/>
+                            </a:rPr>
+                            <m:t>, </m:t>
+                          </m:r>
+                          <m:r>
+                            <a:rPr lang="en-US" sz="2800" i="1">
+                              <a:latin typeface="Cambria Math" panose="02040503050406030204" pitchFamily="18" charset="0"/>
+                            </a:rPr>
+                            <m:t>𝑡</m:t>
+                          </m:r>
+                        </m:e>
+                      </m:d>
+                      <m:r>
+                        <a:rPr lang="en-US" sz="2800" i="1">
+                          <a:latin typeface="Cambria Math" panose="02040503050406030204" pitchFamily="18" charset="0"/>
+                        </a:rPr>
+                        <m:t>∈</m:t>
+                      </m:r>
+                      <m:r>
+                        <a:rPr lang="en-US" sz="2800" i="1">
+                          <a:latin typeface="Cambria Math" panose="02040503050406030204" pitchFamily="18" charset="0"/>
+                        </a:rPr>
+                        <m:t>𝑠</m:t>
+                      </m:r>
+                      <m:r>
+                        <a:rPr lang="en-US" sz="2800" i="1">
+                          <a:latin typeface="Cambria Math" panose="02040503050406030204" pitchFamily="18" charset="0"/>
+                        </a:rPr>
+                        <m:t>≠</m:t>
+                      </m:r>
+                      <m:r>
+                        <a:rPr lang="en-US" sz="2800" i="1">
+                          <a:latin typeface="Cambria Math" panose="02040503050406030204" pitchFamily="18" charset="0"/>
+                        </a:rPr>
+                        <m:t>𝛿</m:t>
+                      </m:r>
+                      <m:d>
+                        <m:dPr>
+                          <m:ctrlPr>
+                            <a:rPr lang="en-US" sz="2800" i="1">
+                              <a:latin typeface="Cambria Math" panose="02040503050406030204" pitchFamily="18" charset="0"/>
+                            </a:rPr>
+                          </m:ctrlPr>
+                        </m:dPr>
+                        <m:e>
+                          <m:r>
+                            <a:rPr lang="en-US" sz="2800" i="1">
+                              <a:latin typeface="Cambria Math" panose="02040503050406030204" pitchFamily="18" charset="0"/>
+                            </a:rPr>
+                            <m:t>𝑠</m:t>
+                          </m:r>
+                          <m:r>
+                            <a:rPr lang="en-US" sz="2800" i="1">
+                              <a:latin typeface="Cambria Math" panose="02040503050406030204" pitchFamily="18" charset="0"/>
+                            </a:rPr>
+                            <m:t>,</m:t>
+                          </m:r>
+                          <m:r>
+                            <a:rPr lang="en-US" sz="2800" i="1">
+                              <a:latin typeface="Cambria Math" panose="02040503050406030204" pitchFamily="18" charset="0"/>
+                            </a:rPr>
+                            <m:t>𝑡</m:t>
+                          </m:r>
+                        </m:e>
+                      </m:d>
+                      <m:r>
+                        <a:rPr lang="en-US" sz="2800" i="1">
+                          <a:latin typeface="Cambria Math" panose="02040503050406030204" pitchFamily="18" charset="0"/>
+                        </a:rPr>
+                        <m:t>∈</m:t>
+                      </m:r>
+                      <m:r>
+                        <a:rPr lang="en-US" sz="2800" i="1">
+                          <a:latin typeface="Cambria Math" panose="02040503050406030204" pitchFamily="18" charset="0"/>
+                        </a:rPr>
+                        <m:t>𝑡</m:t>
+                      </m:r>
+                    </m:oMath>
+                  </m:oMathPara>
+                </a14:m>
+                <a:endParaRPr lang="en-US" sz="2800" dirty="0"/>
+              </a:p>
+            </p:txBody>
+          </p:sp>
+        </mc:Choice>
+        <mc:Fallback>
+          <p:sp>
+            <p:nvSpPr>
+              <p:cNvPr id="5" name="TextBox 4">
+                <a:extLst>
+                  <a:ext uri="{FF2B5EF4-FFF2-40B4-BE49-F238E27FC236}">
+                    <a16:creationId xmlns:a16="http://schemas.microsoft.com/office/drawing/2014/main" id="{0144D5F8-DF6A-FEDF-D75D-9B16C0AA1EDD}"/>
+                  </a:ext>
+                </a:extLst>
+              </p:cNvPr>
+              <p:cNvSpPr txBox="1">
+                <a:spLocks noRot="1" noChangeAspect="1" noMove="1" noResize="1" noEditPoints="1" noAdjustHandles="1" noChangeArrowheads="1" noChangeShapeType="1" noTextEdit="1"/>
+              </p:cNvSpPr>
+              <p:nvPr/>
+            </p:nvSpPr>
+            <p:spPr>
+              <a:xfrm>
+                <a:off x="1388853" y="1992703"/>
+                <a:ext cx="7511450" cy="1384995"/>
+              </a:xfrm>
+              <a:prstGeom prst="rect">
+                <a:avLst/>
+              </a:prstGeom>
+              <a:blipFill>
+                <a:blip r:embed="rId2"/>
+                <a:stretch>
+                  <a:fillRect l="-1705"/>
+                </a:stretch>
+              </a:blipFill>
+            </p:spPr>
+            <p:txBody>
+              <a:bodyPr/>
+              <a:lstStyle/>
+              <a:p>
+                <a:r>
+                  <a:rPr lang="en-US">
+                    <a:noFill/>
+                  </a:rPr>
+                  <a:t> </a:t>
+                </a:r>
+              </a:p>
+            </p:txBody>
+          </p:sp>
+        </mc:Fallback>
+      </mc:AlternateContent>
+      <mc:AlternateContent xmlns:mc="http://schemas.openxmlformats.org/markup-compatibility/2006">
+        <mc:Choice xmlns:a14="http://schemas.microsoft.com/office/drawing/2010/main" Requires="a14">
+          <p:sp>
+            <p:nvSpPr>
+              <p:cNvPr id="6" name="TextBox 5">
+                <a:extLst>
+                  <a:ext uri="{FF2B5EF4-FFF2-40B4-BE49-F238E27FC236}">
+                    <a16:creationId xmlns:a16="http://schemas.microsoft.com/office/drawing/2014/main" id="{04F71166-4BAB-92A4-F19E-28E62A3BD831}"/>
+                  </a:ext>
+                </a:extLst>
+              </p:cNvPr>
+              <p:cNvSpPr txBox="1"/>
+              <p:nvPr/>
+            </p:nvSpPr>
+            <p:spPr>
+              <a:xfrm>
+                <a:off x="1202666" y="4077421"/>
+                <a:ext cx="9786667" cy="2302233"/>
+              </a:xfrm>
+              <a:prstGeom prst="rect">
+                <a:avLst/>
+              </a:prstGeom>
+              <a:noFill/>
+            </p:spPr>
+            <p:txBody>
+              <a:bodyPr wrap="square">
+                <a:spAutoFit/>
+              </a:bodyPr>
+              <a:lstStyle/>
+              <a:p>
+                <a:pPr marL="0" indent="0">
+                  <a:buNone/>
+                </a:pPr>
+                <a14:m>
+                  <m:oMathPara xmlns:m="http://schemas.openxmlformats.org/officeDocument/2006/math">
+                    <m:oMathParaPr>
+                      <m:jc m:val="centerGroup"/>
+                    </m:oMathParaPr>
+                    <m:oMath xmlns:m="http://schemas.openxmlformats.org/officeDocument/2006/math">
+                      <m:r>
+                        <a:rPr lang="en-US" sz="2800" b="0" i="1" smtClean="0">
+                          <a:latin typeface="Cambria Math" panose="02040503050406030204" pitchFamily="18" charset="0"/>
+                        </a:rPr>
+                        <m:t>𝑥</m:t>
+                      </m:r>
+                      <m:r>
+                        <a:rPr lang="en-US" sz="2800" b="0" i="1" smtClean="0">
+                          <a:latin typeface="Cambria Math" panose="02040503050406030204" pitchFamily="18" charset="0"/>
+                        </a:rPr>
+                        <m:t>∈</m:t>
+                      </m:r>
+                      <m:r>
+                        <a:rPr lang="en-US" sz="2800" b="0" i="1" smtClean="0">
+                          <a:latin typeface="Cambria Math" panose="02040503050406030204" pitchFamily="18" charset="0"/>
+                        </a:rPr>
+                        <m:t>𝑚𝑎𝑝</m:t>
+                      </m:r>
+                      <m:d>
+                        <m:dPr>
+                          <m:ctrlPr>
+                            <a:rPr lang="en-US" sz="2800" b="0" i="1" smtClean="0">
+                              <a:latin typeface="Cambria Math" panose="02040503050406030204" pitchFamily="18" charset="0"/>
+                            </a:rPr>
+                          </m:ctrlPr>
+                        </m:dPr>
+                        <m:e>
+                          <m:r>
+                            <a:rPr lang="en-US" sz="2800" b="0" i="1" smtClean="0">
+                              <a:latin typeface="Cambria Math" panose="02040503050406030204" pitchFamily="18" charset="0"/>
+                            </a:rPr>
+                            <m:t>𝑓</m:t>
+                          </m:r>
+                          <m:r>
+                            <a:rPr lang="en-US" sz="2800" b="0" i="1" smtClean="0">
+                              <a:latin typeface="Cambria Math" panose="02040503050406030204" pitchFamily="18" charset="0"/>
+                            </a:rPr>
+                            <m:t>, </m:t>
+                          </m:r>
+                          <m:r>
+                            <a:rPr lang="en-US" sz="2800" b="0" i="1" smtClean="0">
+                              <a:latin typeface="Cambria Math" panose="02040503050406030204" pitchFamily="18" charset="0"/>
+                            </a:rPr>
+                            <m:t>𝑆</m:t>
+                          </m:r>
+                        </m:e>
+                      </m:d>
+                      <m:r>
+                        <a:rPr lang="en-US" sz="2800" b="0" i="1" smtClean="0">
+                          <a:latin typeface="Cambria Math" panose="02040503050406030204" pitchFamily="18" charset="0"/>
+                        </a:rPr>
+                        <m:t>⇒∃</m:t>
+                      </m:r>
+                      <m:r>
+                        <a:rPr lang="en-US" sz="2800" b="0" i="1" smtClean="0">
+                          <a:latin typeface="Cambria Math" panose="02040503050406030204" pitchFamily="18" charset="0"/>
+                        </a:rPr>
+                        <m:t>𝑦</m:t>
+                      </m:r>
+                      <m:r>
+                        <a:rPr lang="en-US" sz="2800" b="0" i="1" smtClean="0">
+                          <a:latin typeface="Cambria Math" panose="02040503050406030204" pitchFamily="18" charset="0"/>
+                        </a:rPr>
+                        <m:t> . </m:t>
+                      </m:r>
+                      <m:r>
+                        <a:rPr lang="en-US" sz="2800" b="0" i="1" smtClean="0">
+                          <a:latin typeface="Cambria Math" panose="02040503050406030204" pitchFamily="18" charset="0"/>
+                        </a:rPr>
+                        <m:t>𝑦</m:t>
+                      </m:r>
+                      <m:r>
+                        <a:rPr lang="en-US" sz="2800" b="0" i="1" smtClean="0">
+                          <a:latin typeface="Cambria Math" panose="02040503050406030204" pitchFamily="18" charset="0"/>
+                        </a:rPr>
+                        <m:t>∈</m:t>
+                      </m:r>
+                      <m:r>
+                        <a:rPr lang="en-US" sz="2800" b="0" i="1" smtClean="0">
+                          <a:latin typeface="Cambria Math" panose="02040503050406030204" pitchFamily="18" charset="0"/>
+                        </a:rPr>
+                        <m:t>𝑆</m:t>
+                      </m:r>
+                      <m:r>
+                        <a:rPr lang="en-US" sz="2800" b="0" i="1" smtClean="0">
+                          <a:latin typeface="Cambria Math" panose="02040503050406030204" pitchFamily="18" charset="0"/>
+                        </a:rPr>
+                        <m:t>∧</m:t>
+                      </m:r>
+                      <m:r>
+                        <a:rPr lang="en-US" sz="2800" b="0" i="1" smtClean="0">
+                          <a:latin typeface="Cambria Math" panose="02040503050406030204" pitchFamily="18" charset="0"/>
+                        </a:rPr>
+                        <m:t>𝑓</m:t>
+                      </m:r>
+                      <m:d>
+                        <m:dPr>
+                          <m:ctrlPr>
+                            <a:rPr lang="en-US" sz="2800" b="0" i="1" smtClean="0">
+                              <a:latin typeface="Cambria Math" panose="02040503050406030204" pitchFamily="18" charset="0"/>
+                            </a:rPr>
+                          </m:ctrlPr>
+                        </m:dPr>
+                        <m:e>
+                          <m:r>
+                            <a:rPr lang="en-US" sz="2800" b="0" i="1" smtClean="0">
+                              <a:latin typeface="Cambria Math" panose="02040503050406030204" pitchFamily="18" charset="0"/>
+                            </a:rPr>
+                            <m:t>𝑦</m:t>
+                          </m:r>
+                        </m:e>
+                      </m:d>
+                      <m:r>
+                        <a:rPr lang="en-US" sz="2800" b="0" i="1" smtClean="0">
+                          <a:latin typeface="Cambria Math" panose="02040503050406030204" pitchFamily="18" charset="0"/>
+                        </a:rPr>
+                        <m:t>=</m:t>
+                      </m:r>
+                      <m:r>
+                        <a:rPr lang="en-US" sz="2800" b="0" i="1" smtClean="0">
+                          <a:latin typeface="Cambria Math" panose="02040503050406030204" pitchFamily="18" charset="0"/>
+                        </a:rPr>
+                        <m:t>𝑥</m:t>
+                      </m:r>
+                      <m:r>
+                        <a:rPr lang="en-US" sz="2800" b="0" i="1" smtClean="0">
+                          <a:latin typeface="Cambria Math" panose="02040503050406030204" pitchFamily="18" charset="0"/>
+                        </a:rPr>
+                        <m:t> </m:t>
+                      </m:r>
+                    </m:oMath>
+                  </m:oMathPara>
+                </a14:m>
+                <a:endParaRPr lang="en-US" sz="2800" b="0" i="1" dirty="0">
+                  <a:latin typeface="Cambria Math" panose="02040503050406030204" pitchFamily="18" charset="0"/>
+                </a:endParaRPr>
+              </a:p>
+              <a:p>
+                <a:r>
+                  <a:rPr lang="en-US" sz="2800" dirty="0" err="1">
+                    <a:latin typeface="Cambria Math" panose="02040503050406030204" pitchFamily="18" charset="0"/>
+                  </a:rPr>
+                  <a:t>Skolemize</a:t>
+                </a:r>
+                <a:r>
+                  <a:rPr lang="en-US" sz="2800" dirty="0">
+                    <a:latin typeface="Cambria Math" panose="02040503050406030204" pitchFamily="18" charset="0"/>
+                  </a:rPr>
+                  <a:t>:</a:t>
+                </a:r>
+              </a:p>
+              <a:p>
+                <a:br>
+                  <a:rPr lang="en-US" sz="2800" b="0" i="1" dirty="0">
+                    <a:latin typeface="Cambria Math" panose="02040503050406030204" pitchFamily="18" charset="0"/>
+                  </a:rPr>
+                </a:br>
+                <a14:m>
+                  <m:oMathPara xmlns:m="http://schemas.openxmlformats.org/officeDocument/2006/math">
+                    <m:oMathParaPr>
+                      <m:jc m:val="centerGroup"/>
+                    </m:oMathParaPr>
+                    <m:oMath xmlns:m="http://schemas.openxmlformats.org/officeDocument/2006/math">
+                      <m:r>
+                        <a:rPr lang="en-US" sz="2800" i="1">
+                          <a:latin typeface="Cambria Math" panose="02040503050406030204" pitchFamily="18" charset="0"/>
+                        </a:rPr>
+                        <m:t>𝑥</m:t>
+                      </m:r>
+                      <m:r>
+                        <a:rPr lang="en-US" sz="2800" i="1">
+                          <a:latin typeface="Cambria Math" panose="02040503050406030204" pitchFamily="18" charset="0"/>
+                        </a:rPr>
+                        <m:t>∈</m:t>
+                      </m:r>
+                      <m:r>
+                        <a:rPr lang="en-US" sz="2800" i="1">
+                          <a:latin typeface="Cambria Math" panose="02040503050406030204" pitchFamily="18" charset="0"/>
+                        </a:rPr>
+                        <m:t>𝑚𝑎𝑝</m:t>
+                      </m:r>
+                      <m:d>
+                        <m:dPr>
+                          <m:ctrlPr>
+                            <a:rPr lang="en-US" sz="2800" i="1">
+                              <a:latin typeface="Cambria Math" panose="02040503050406030204" pitchFamily="18" charset="0"/>
+                            </a:rPr>
+                          </m:ctrlPr>
+                        </m:dPr>
+                        <m:e>
+                          <m:r>
+                            <a:rPr lang="en-US" sz="2800" i="1">
+                              <a:latin typeface="Cambria Math" panose="02040503050406030204" pitchFamily="18" charset="0"/>
+                            </a:rPr>
+                            <m:t>𝑓</m:t>
+                          </m:r>
+                          <m:r>
+                            <a:rPr lang="en-US" sz="2800" i="1">
+                              <a:latin typeface="Cambria Math" panose="02040503050406030204" pitchFamily="18" charset="0"/>
+                            </a:rPr>
+                            <m:t>, </m:t>
+                          </m:r>
+                          <m:r>
+                            <a:rPr lang="en-US" sz="2800" i="1">
+                              <a:latin typeface="Cambria Math" panose="02040503050406030204" pitchFamily="18" charset="0"/>
+                            </a:rPr>
+                            <m:t>𝑆</m:t>
+                          </m:r>
+                        </m:e>
+                      </m:d>
+                      <m:r>
+                        <a:rPr lang="en-US" sz="2800" i="1">
+                          <a:latin typeface="Cambria Math" panose="02040503050406030204" pitchFamily="18" charset="0"/>
+                        </a:rPr>
+                        <m:t>⇒</m:t>
+                      </m:r>
+                      <m:r>
+                        <a:rPr lang="en-US" sz="2800" i="1">
+                          <a:latin typeface="Cambria Math" panose="02040503050406030204" pitchFamily="18" charset="0"/>
+                        </a:rPr>
+                        <m:t>𝑚𝑎</m:t>
+                      </m:r>
+                      <m:sSup>
+                        <m:sSupPr>
+                          <m:ctrlPr>
+                            <a:rPr lang="en-US" sz="2800" i="1">
+                              <a:latin typeface="Cambria Math" panose="02040503050406030204" pitchFamily="18" charset="0"/>
+                            </a:rPr>
+                          </m:ctrlPr>
+                        </m:sSupPr>
+                        <m:e>
+                          <m:r>
+                            <a:rPr lang="en-US" sz="2800" i="1">
+                              <a:latin typeface="Cambria Math" panose="02040503050406030204" pitchFamily="18" charset="0"/>
+                            </a:rPr>
+                            <m:t>𝑝</m:t>
+                          </m:r>
+                        </m:e>
+                        <m:sup>
+                          <m:r>
+                            <a:rPr lang="en-US" sz="2800" i="1">
+                              <a:latin typeface="Cambria Math" panose="02040503050406030204" pitchFamily="18" charset="0"/>
+                            </a:rPr>
+                            <m:t>−1</m:t>
+                          </m:r>
+                        </m:sup>
+                      </m:sSup>
+                      <m:d>
+                        <m:dPr>
+                          <m:ctrlPr>
+                            <a:rPr lang="en-US" sz="2800" i="1">
+                              <a:latin typeface="Cambria Math" panose="02040503050406030204" pitchFamily="18" charset="0"/>
+                            </a:rPr>
+                          </m:ctrlPr>
+                        </m:dPr>
+                        <m:e>
+                          <m:r>
+                            <a:rPr lang="en-US" sz="2800" i="1">
+                              <a:latin typeface="Cambria Math" panose="02040503050406030204" pitchFamily="18" charset="0"/>
+                            </a:rPr>
+                            <m:t>𝑓</m:t>
+                          </m:r>
+                          <m:r>
+                            <a:rPr lang="en-US" sz="2800" i="1">
+                              <a:latin typeface="Cambria Math" panose="02040503050406030204" pitchFamily="18" charset="0"/>
+                            </a:rPr>
+                            <m:t>, </m:t>
+                          </m:r>
+                          <m:r>
+                            <a:rPr lang="en-US" sz="2800" i="1">
+                              <a:latin typeface="Cambria Math" panose="02040503050406030204" pitchFamily="18" charset="0"/>
+                            </a:rPr>
+                            <m:t>𝑥</m:t>
+                          </m:r>
+                          <m:r>
+                            <a:rPr lang="en-US" sz="2800" i="1">
+                              <a:latin typeface="Cambria Math" panose="02040503050406030204" pitchFamily="18" charset="0"/>
+                            </a:rPr>
+                            <m:t>, </m:t>
+                          </m:r>
+                          <m:r>
+                            <a:rPr lang="en-US" sz="2800" i="1">
+                              <a:latin typeface="Cambria Math" panose="02040503050406030204" pitchFamily="18" charset="0"/>
+                            </a:rPr>
+                            <m:t>𝑆</m:t>
+                          </m:r>
+                        </m:e>
+                      </m:d>
+                      <m:r>
+                        <a:rPr lang="en-US" sz="2800" i="1">
+                          <a:latin typeface="Cambria Math" panose="02040503050406030204" pitchFamily="18" charset="0"/>
+                        </a:rPr>
+                        <m:t>∈</m:t>
+                      </m:r>
+                      <m:r>
+                        <a:rPr lang="en-US" sz="2800" i="1">
+                          <a:latin typeface="Cambria Math" panose="02040503050406030204" pitchFamily="18" charset="0"/>
+                        </a:rPr>
+                        <m:t>𝑆</m:t>
+                      </m:r>
+                      <m:r>
+                        <a:rPr lang="en-US" sz="2800" i="1">
+                          <a:latin typeface="Cambria Math" panose="02040503050406030204" pitchFamily="18" charset="0"/>
+                        </a:rPr>
+                        <m:t>∧</m:t>
+                      </m:r>
+                      <m:r>
+                        <a:rPr lang="en-US" sz="2800" i="1">
+                          <a:latin typeface="Cambria Math" panose="02040503050406030204" pitchFamily="18" charset="0"/>
+                        </a:rPr>
+                        <m:t>𝑓</m:t>
+                      </m:r>
+                      <m:d>
+                        <m:dPr>
+                          <m:ctrlPr>
+                            <a:rPr lang="en-US" sz="2800" i="1">
+                              <a:latin typeface="Cambria Math" panose="02040503050406030204" pitchFamily="18" charset="0"/>
+                            </a:rPr>
+                          </m:ctrlPr>
+                        </m:dPr>
+                        <m:e>
+                          <m:r>
+                            <a:rPr lang="en-US" sz="2800" i="1">
+                              <a:latin typeface="Cambria Math" panose="02040503050406030204" pitchFamily="18" charset="0"/>
+                            </a:rPr>
+                            <m:t>𝑚𝑎</m:t>
+                          </m:r>
+                          <m:sSup>
+                            <m:sSupPr>
+                              <m:ctrlPr>
+                                <a:rPr lang="en-US" sz="2800" i="1">
+                                  <a:latin typeface="Cambria Math" panose="02040503050406030204" pitchFamily="18" charset="0"/>
+                                </a:rPr>
+                              </m:ctrlPr>
+                            </m:sSupPr>
+                            <m:e>
+                              <m:r>
+                                <a:rPr lang="en-US" sz="2800" i="1">
+                                  <a:latin typeface="Cambria Math" panose="02040503050406030204" pitchFamily="18" charset="0"/>
+                                </a:rPr>
+                                <m:t>𝑝</m:t>
+                              </m:r>
+                            </m:e>
+                            <m:sup>
+                              <m:r>
+                                <a:rPr lang="en-US" sz="2800" i="1">
+                                  <a:latin typeface="Cambria Math" panose="02040503050406030204" pitchFamily="18" charset="0"/>
+                                </a:rPr>
+                                <m:t>−1</m:t>
+                              </m:r>
+                            </m:sup>
+                          </m:sSup>
+                          <m:d>
+                            <m:dPr>
+                              <m:ctrlPr>
+                                <a:rPr lang="en-US" sz="2800" i="1">
+                                  <a:latin typeface="Cambria Math" panose="02040503050406030204" pitchFamily="18" charset="0"/>
+                                </a:rPr>
+                              </m:ctrlPr>
+                            </m:dPr>
+                            <m:e>
+                              <m:r>
+                                <a:rPr lang="en-US" sz="2800" i="1">
+                                  <a:latin typeface="Cambria Math" panose="02040503050406030204" pitchFamily="18" charset="0"/>
+                                </a:rPr>
+                                <m:t>𝑓</m:t>
+                              </m:r>
+                              <m:r>
+                                <a:rPr lang="en-US" sz="2800" i="1">
+                                  <a:latin typeface="Cambria Math" panose="02040503050406030204" pitchFamily="18" charset="0"/>
+                                </a:rPr>
+                                <m:t>, </m:t>
+                              </m:r>
+                              <m:r>
+                                <a:rPr lang="en-US" sz="2800" i="1">
+                                  <a:latin typeface="Cambria Math" panose="02040503050406030204" pitchFamily="18" charset="0"/>
+                                </a:rPr>
+                                <m:t>𝑥</m:t>
+                              </m:r>
+                              <m:r>
+                                <a:rPr lang="en-US" sz="2800" i="1">
+                                  <a:latin typeface="Cambria Math" panose="02040503050406030204" pitchFamily="18" charset="0"/>
+                                </a:rPr>
+                                <m:t>, </m:t>
+                              </m:r>
+                              <m:r>
+                                <a:rPr lang="en-US" sz="2800" i="1">
+                                  <a:latin typeface="Cambria Math" panose="02040503050406030204" pitchFamily="18" charset="0"/>
+                                </a:rPr>
+                                <m:t>𝑆</m:t>
+                              </m:r>
+                            </m:e>
+                          </m:d>
+                        </m:e>
+                      </m:d>
+                      <m:r>
+                        <a:rPr lang="en-US" sz="2800" i="1">
+                          <a:latin typeface="Cambria Math" panose="02040503050406030204" pitchFamily="18" charset="0"/>
+                        </a:rPr>
+                        <m:t>=</m:t>
+                      </m:r>
+                      <m:r>
+                        <a:rPr lang="en-US" sz="2800" i="1">
+                          <a:latin typeface="Cambria Math" panose="02040503050406030204" pitchFamily="18" charset="0"/>
+                        </a:rPr>
+                        <m:t>𝑥</m:t>
+                      </m:r>
+                    </m:oMath>
+                  </m:oMathPara>
+                </a14:m>
+                <a:endParaRPr lang="en-US" sz="2800" dirty="0"/>
+              </a:p>
+              <a:p>
+                <a:pPr marL="0" indent="0">
+                  <a:buNone/>
+                </a:pPr>
+                <a:endParaRPr lang="en-US" sz="2800" dirty="0"/>
+              </a:p>
+            </p:txBody>
+          </p:sp>
+        </mc:Choice>
+        <mc:Fallback>
+          <p:sp>
+            <p:nvSpPr>
+              <p:cNvPr id="6" name="TextBox 5">
+                <a:extLst>
+                  <a:ext uri="{FF2B5EF4-FFF2-40B4-BE49-F238E27FC236}">
+                    <a16:creationId xmlns:a16="http://schemas.microsoft.com/office/drawing/2014/main" id="{04F71166-4BAB-92A4-F19E-28E62A3BD831}"/>
+                  </a:ext>
+                </a:extLst>
+              </p:cNvPr>
+              <p:cNvSpPr txBox="1">
+                <a:spLocks noRot="1" noChangeAspect="1" noMove="1" noResize="1" noEditPoints="1" noAdjustHandles="1" noChangeArrowheads="1" noChangeShapeType="1" noTextEdit="1"/>
+              </p:cNvSpPr>
+              <p:nvPr/>
+            </p:nvSpPr>
+            <p:spPr>
+              <a:xfrm>
+                <a:off x="1202666" y="4077421"/>
+                <a:ext cx="9786667" cy="2302233"/>
+              </a:xfrm>
+              <a:prstGeom prst="rect">
+                <a:avLst/>
+              </a:prstGeom>
+              <a:blipFill>
+                <a:blip r:embed="rId3"/>
+                <a:stretch>
+                  <a:fillRect l="-1245"/>
+                </a:stretch>
+              </a:blipFill>
+            </p:spPr>
+            <p:txBody>
+              <a:bodyPr/>
+              <a:lstStyle/>
+              <a:p>
+                <a:r>
+                  <a:rPr lang="en-US">
+                    <a:noFill/>
+                  </a:rPr>
+                  <a:t> </a:t>
+                </a:r>
+              </a:p>
+            </p:txBody>
+          </p:sp>
+        </mc:Fallback>
+      </mc:AlternateContent>
+    </p:spTree>
+    <p:extLst>
+      <p:ext uri="{BB962C8B-B14F-4D97-AF65-F5344CB8AC3E}">
+        <p14:creationId xmlns:p14="http://schemas.microsoft.com/office/powerpoint/2010/main" val="3110642045"/>
+      </p:ext>
+    </p:extLst>
+  </p:cSld>
+  <p:clrMapOvr>
+    <a:masterClrMapping/>
+  </p:clrMapOvr>
+</p:sld>
+</file>
+
+<file path=ppt/slides/slide33.xml><?xml version="1.0" encoding="utf-8"?>
+<p:sld xmlns:a="http://schemas.openxmlformats.org/drawingml/2006/main" xmlns:r="http://schemas.openxmlformats.org/officeDocument/2006/relationships" xmlns:p="http://schemas.openxmlformats.org/presentationml/2006/main">
+  <p:cSld>
+    <p:spTree>
+      <p:nvGrpSpPr>
         <p:cNvPr id="1" name="">
           <a:extLst>
             <a:ext uri="{FF2B5EF4-FFF2-40B4-BE49-F238E27FC236}">
@@ -36616,173 +37518,31 @@
             <p:spPr/>
             <p:txBody>
               <a:bodyPr>
-                <a:normAutofit fontScale="85000" lnSpcReduction="10000"/>
+                <a:normAutofit fontScale="77500" lnSpcReduction="20000"/>
               </a:bodyPr>
               <a:lstStyle/>
               <a:p>
                 <a:pPr marL="0" indent="0">
                   <a:buNone/>
                 </a:pPr>
-                <a:endParaRPr lang="en-US" sz="3000" b="0" dirty="0"/>
-              </a:p>
-              <a:p>
-                <a:pPr marL="0" indent="0">
-                  <a:buNone/>
-                </a:pPr>
+                <a:r>
+                  <a:rPr lang="en-US" sz="3900" dirty="0"/>
+                  <a:t>		    </a:t>
+                </a:r>
                 <a14:m>
                   <m:oMath xmlns:m="http://schemas.openxmlformats.org/officeDocument/2006/math">
-                    <m:f>
-                      <m:fPr>
-                        <m:ctrlPr>
-                          <a:rPr lang="en-US" sz="3900" b="0" i="1" smtClean="0">
-                            <a:latin typeface="Cambria Math" panose="02040503050406030204" pitchFamily="18" charset="0"/>
-                          </a:rPr>
-                        </m:ctrlPr>
-                      </m:fPr>
-                      <m:num>
-                        <m:r>
-                          <a:rPr lang="en-US" sz="3900" i="1">
-                            <a:latin typeface="Cambria Math" panose="02040503050406030204" pitchFamily="18" charset="0"/>
-                          </a:rPr>
-                          <m:t>𝑥</m:t>
-                        </m:r>
-                        <m:r>
-                          <a:rPr lang="en-US" sz="3900" i="1">
-                            <a:latin typeface="Cambria Math" panose="02040503050406030204" pitchFamily="18" charset="0"/>
-                          </a:rPr>
-                          <m:t>∼</m:t>
-                        </m:r>
-                        <m:r>
-                          <a:rPr lang="en-US" sz="3900" i="1">
-                            <a:latin typeface="Cambria Math" panose="02040503050406030204" pitchFamily="18" charset="0"/>
-                          </a:rPr>
-                          <m:t>𝑦</m:t>
-                        </m:r>
-                        <m:r>
-                          <a:rPr lang="en-US" sz="3900" i="1">
-                            <a:latin typeface="Cambria Math" panose="02040503050406030204" pitchFamily="18" charset="0"/>
-                          </a:rPr>
-                          <m:t>,   </m:t>
-                        </m:r>
-                        <m:r>
-                          <a:rPr lang="en-US" sz="3900" i="1">
-                            <a:latin typeface="Cambria Math" panose="02040503050406030204" pitchFamily="18" charset="0"/>
-                          </a:rPr>
-                          <m:t>𝑦</m:t>
-                        </m:r>
-                        <m:r>
-                          <a:rPr lang="en-US" sz="3900" i="1">
-                            <a:latin typeface="Cambria Math" panose="02040503050406030204" pitchFamily="18" charset="0"/>
-                          </a:rPr>
-                          <m:t>∈</m:t>
-                        </m:r>
-                        <m:r>
-                          <a:rPr lang="en-US" sz="3900" i="1">
-                            <a:latin typeface="Cambria Math" panose="02040503050406030204" pitchFamily="18" charset="0"/>
-                          </a:rPr>
-                          <m:t>𝑆</m:t>
-                        </m:r>
-                        <m:r>
-                          <a:rPr lang="en-US" sz="3900" i="1">
-                            <a:latin typeface="Cambria Math" panose="02040503050406030204" pitchFamily="18" charset="0"/>
-                          </a:rPr>
-                          <m:t>∪</m:t>
-                        </m:r>
-                        <m:r>
-                          <a:rPr lang="en-US" sz="3900" i="1">
-                            <a:latin typeface="Cambria Math" panose="02040503050406030204" pitchFamily="18" charset="0"/>
-                          </a:rPr>
-                          <m:t>𝑇</m:t>
-                        </m:r>
-                      </m:num>
-                      <m:den>
-                        <m:r>
-                          <a:rPr lang="en-US" sz="3900" i="1">
-                            <a:latin typeface="Cambria Math" panose="02040503050406030204" pitchFamily="18" charset="0"/>
-                          </a:rPr>
-                          <m:t>𝑥</m:t>
-                        </m:r>
-                        <m:r>
-                          <a:rPr lang="en-US" sz="3900" i="1">
-                            <a:latin typeface="Cambria Math" panose="02040503050406030204" pitchFamily="18" charset="0"/>
-                          </a:rPr>
-                          <m:t>∈</m:t>
-                        </m:r>
-                        <m:r>
-                          <a:rPr lang="en-US" sz="3900" i="1">
-                            <a:latin typeface="Cambria Math" panose="02040503050406030204" pitchFamily="18" charset="0"/>
-                          </a:rPr>
-                          <m:t>𝑆</m:t>
-                        </m:r>
-                        <m:r>
-                          <a:rPr lang="en-US" sz="3900" i="1">
-                            <a:latin typeface="Cambria Math" panose="02040503050406030204" pitchFamily="18" charset="0"/>
-                          </a:rPr>
-                          <m:t>∪</m:t>
-                        </m:r>
-                        <m:r>
-                          <a:rPr lang="en-US" sz="3900" i="1">
-                            <a:latin typeface="Cambria Math" panose="02040503050406030204" pitchFamily="18" charset="0"/>
-                          </a:rPr>
-                          <m:t>𝑇</m:t>
-                        </m:r>
-                        <m:r>
-                          <a:rPr lang="en-US" sz="3900" i="1">
-                            <a:latin typeface="Cambria Math" panose="02040503050406030204" pitchFamily="18" charset="0"/>
-                          </a:rPr>
-                          <m:t>⇔</m:t>
-                        </m:r>
-                        <m:r>
-                          <a:rPr lang="en-US" sz="3900" i="1">
-                            <a:latin typeface="Cambria Math" panose="02040503050406030204" pitchFamily="18" charset="0"/>
-                          </a:rPr>
-                          <m:t>𝑥</m:t>
-                        </m:r>
-                        <m:r>
-                          <a:rPr lang="en-US" sz="3900" i="1">
-                            <a:latin typeface="Cambria Math" panose="02040503050406030204" pitchFamily="18" charset="0"/>
-                          </a:rPr>
-                          <m:t>∈</m:t>
-                        </m:r>
-                        <m:r>
-                          <a:rPr lang="en-US" sz="3900" i="1">
-                            <a:latin typeface="Cambria Math" panose="02040503050406030204" pitchFamily="18" charset="0"/>
-                          </a:rPr>
-                          <m:t>𝑆</m:t>
-                        </m:r>
-                        <m:r>
-                          <a:rPr lang="en-US" sz="3900" i="1">
-                            <a:latin typeface="Cambria Math" panose="02040503050406030204" pitchFamily="18" charset="0"/>
-                          </a:rPr>
-                          <m:t>∨</m:t>
-                        </m:r>
-                        <m:r>
-                          <a:rPr lang="en-US" sz="3900" i="1">
-                            <a:latin typeface="Cambria Math" panose="02040503050406030204" pitchFamily="18" charset="0"/>
-                          </a:rPr>
-                          <m:t>𝑥</m:t>
-                        </m:r>
-                        <m:r>
-                          <a:rPr lang="en-US" sz="3900" i="1">
-                            <a:latin typeface="Cambria Math" panose="02040503050406030204" pitchFamily="18" charset="0"/>
-                          </a:rPr>
-                          <m:t>∈</m:t>
-                        </m:r>
-                        <m:r>
-                          <a:rPr lang="en-US" sz="3900" i="1">
-                            <a:latin typeface="Cambria Math" panose="02040503050406030204" pitchFamily="18" charset="0"/>
-                          </a:rPr>
-                          <m:t>𝑇</m:t>
-                        </m:r>
-                        <m:r>
-                          <m:rPr>
-                            <m:nor/>
-                          </m:rPr>
-                          <a:rPr lang="en-US" sz="3900" dirty="0"/>
-                          <m:t> </m:t>
-                        </m:r>
-                      </m:den>
-                    </m:f>
+                    <m:r>
+                      <a:rPr lang="en-US" sz="3900" b="0" i="1" smtClean="0">
+                        <a:latin typeface="Cambria Math" panose="02040503050406030204" pitchFamily="18" charset="0"/>
+                      </a:rPr>
+                      <m:t>∀</m:t>
+                    </m:r>
+                    <m:r>
+                      <a:rPr lang="en-US" sz="3900" b="0" i="1" smtClean="0">
+                        <a:latin typeface="Cambria Math" panose="02040503050406030204" pitchFamily="18" charset="0"/>
+                      </a:rPr>
+                      <m:t>𝑥</m:t>
+                    </m:r>
                     <m:r>
                       <a:rPr lang="en-US" sz="3900" b="0" i="1" smtClean="0">
                         <a:latin typeface="Cambria Math" panose="02040503050406030204" pitchFamily="18" charset="0"/>
@@ -36790,16 +37550,124 @@
                       <m:t> </m:t>
                     </m:r>
                     <m:r>
-                      <a:rPr lang="en-US" sz="3900" b="0" i="0" smtClean="0">
+                      <a:rPr lang="en-US" sz="3900" b="0" i="1" smtClean="0">
                         <a:latin typeface="Cambria Math" panose="02040503050406030204" pitchFamily="18" charset="0"/>
                       </a:rPr>
-                      <m:t> </m:t>
+                      <m:t>𝑆</m:t>
+                    </m:r>
+                    <m:r>
+                      <a:rPr lang="en-US" sz="3900" b="0" i="1" smtClean="0">
+                        <a:latin typeface="Cambria Math" panose="02040503050406030204" pitchFamily="18" charset="0"/>
+                      </a:rPr>
+                      <m:t>, </m:t>
+                    </m:r>
+                    <m:r>
+                      <a:rPr lang="en-US" sz="3900" b="0" i="1" smtClean="0">
+                        <a:latin typeface="Cambria Math" panose="02040503050406030204" pitchFamily="18" charset="0"/>
+                      </a:rPr>
+                      <m:t>𝑇</m:t>
+                    </m:r>
+                    <m:r>
+                      <a:rPr lang="en-US" sz="3900" b="0" i="1" smtClean="0">
+                        <a:latin typeface="Cambria Math" panose="02040503050406030204" pitchFamily="18" charset="0"/>
+                      </a:rPr>
+                      <m:t> . </m:t>
+                    </m:r>
+                    <m:r>
+                      <a:rPr lang="en-US" sz="3900" b="0" i="1" smtClean="0">
+                        <a:latin typeface="Cambria Math" panose="02040503050406030204" pitchFamily="18" charset="0"/>
+                      </a:rPr>
+                      <m:t>𝑥</m:t>
+                    </m:r>
+                    <m:r>
+                      <a:rPr lang="en-US" sz="3900" b="0" i="1" smtClean="0">
+                        <a:latin typeface="Cambria Math" panose="02040503050406030204" pitchFamily="18" charset="0"/>
+                      </a:rPr>
+                      <m:t>∈</m:t>
+                    </m:r>
+                    <m:r>
+                      <a:rPr lang="en-US" sz="3900" b="0" i="1" smtClean="0">
+                        <a:latin typeface="Cambria Math" panose="02040503050406030204" pitchFamily="18" charset="0"/>
+                      </a:rPr>
+                      <m:t>𝑆</m:t>
+                    </m:r>
+                    <m:r>
+                      <a:rPr lang="en-US" sz="3900" b="0" i="1" smtClean="0">
+                        <a:latin typeface="Cambria Math" panose="02040503050406030204" pitchFamily="18" charset="0"/>
+                      </a:rPr>
+                      <m:t>∪</m:t>
+                    </m:r>
+                    <m:r>
+                      <a:rPr lang="en-US" sz="3900" b="0" i="1" smtClean="0">
+                        <a:latin typeface="Cambria Math" panose="02040503050406030204" pitchFamily="18" charset="0"/>
+                      </a:rPr>
+                      <m:t>𝑇</m:t>
+                    </m:r>
+                    <m:r>
+                      <a:rPr lang="en-US" sz="3900" b="0" i="1" smtClean="0">
+                        <a:latin typeface="Cambria Math" panose="02040503050406030204" pitchFamily="18" charset="0"/>
+                      </a:rPr>
+                      <m:t>⇔</m:t>
+                    </m:r>
+                    <m:r>
+                      <a:rPr lang="en-US" sz="3900" b="0" i="1" smtClean="0">
+                        <a:latin typeface="Cambria Math" panose="02040503050406030204" pitchFamily="18" charset="0"/>
+                      </a:rPr>
+                      <m:t>𝑥</m:t>
+                    </m:r>
+                    <m:r>
+                      <a:rPr lang="en-US" sz="3900" b="0" i="1" smtClean="0">
+                        <a:latin typeface="Cambria Math" panose="02040503050406030204" pitchFamily="18" charset="0"/>
+                      </a:rPr>
+                      <m:t>∈</m:t>
+                    </m:r>
+                    <m:r>
+                      <a:rPr lang="en-US" sz="3900" b="0" i="1" smtClean="0">
+                        <a:latin typeface="Cambria Math" panose="02040503050406030204" pitchFamily="18" charset="0"/>
+                      </a:rPr>
+                      <m:t>𝑆</m:t>
+                    </m:r>
+                    <m:r>
+                      <a:rPr lang="en-US" sz="3900" b="0" i="1" smtClean="0">
+                        <a:latin typeface="Cambria Math" panose="02040503050406030204" pitchFamily="18" charset="0"/>
+                      </a:rPr>
+                      <m:t>∨</m:t>
+                    </m:r>
+                    <m:r>
+                      <a:rPr lang="en-US" sz="3900" b="0" i="1" smtClean="0">
+                        <a:latin typeface="Cambria Math" panose="02040503050406030204" pitchFamily="18" charset="0"/>
+                      </a:rPr>
+                      <m:t>𝑥</m:t>
+                    </m:r>
+                    <m:r>
+                      <a:rPr lang="en-US" sz="3900" b="0" i="1" smtClean="0">
+                        <a:latin typeface="Cambria Math" panose="02040503050406030204" pitchFamily="18" charset="0"/>
+                      </a:rPr>
+                      <m:t>∈</m:t>
+                    </m:r>
+                    <m:r>
+                      <a:rPr lang="en-US" sz="3900" b="0" i="1" smtClean="0">
+                        <a:latin typeface="Cambria Math" panose="02040503050406030204" pitchFamily="18" charset="0"/>
+                      </a:rPr>
+                      <m:t>𝑇</m:t>
                     </m:r>
                   </m:oMath>
                 </a14:m>
+                <a:endParaRPr lang="en-US" sz="3900" b="0" dirty="0"/>
+              </a:p>
+              <a:p>
+                <a:pPr marL="0" indent="0">
+                  <a:buNone/>
+                </a:pPr>
+                <a:endParaRPr lang="en-US" sz="3900" dirty="0"/>
+              </a:p>
+              <a:p>
+                <a:pPr marL="0" indent="0">
+                  <a:buNone/>
+                </a:pPr>
                 <a:r>
-                  <a:rPr lang="en-US" sz="3000" dirty="0"/>
-                  <a:t> </a:t>
+                  <a:rPr lang="en-US" sz="3900" dirty="0"/>
+                  <a:t>    	    </a:t>
                 </a:r>
                 <a14:m>
                   <m:oMath xmlns:m="http://schemas.openxmlformats.org/officeDocument/2006/math">
@@ -36959,7 +37827,7 @@
                 </a14:m>
                 <a:r>
                   <a:rPr lang="en-US" sz="3000" dirty="0"/>
-                  <a:t>    </a:t>
+                  <a:t>                    </a:t>
                 </a:r>
                 <a14:m>
                   <m:oMath xmlns:m="http://schemas.openxmlformats.org/officeDocument/2006/math">
@@ -36994,25 +37862,31 @@
                           <a:rPr lang="en-US" sz="3900" b="0" i="1" smtClean="0">
                             <a:latin typeface="Cambria Math" panose="02040503050406030204" pitchFamily="18" charset="0"/>
                           </a:rPr>
-                          <m:t>≡⊤</m:t>
+                          <m:t>≡</m:t>
                         </m:r>
                         <m:r>
-                          <a:rPr lang="en-US" sz="3900" i="1">
+                          <a:rPr lang="en-US" sz="3900" b="0" i="1" smtClean="0">
                             <a:latin typeface="Cambria Math" panose="02040503050406030204" pitchFamily="18" charset="0"/>
                           </a:rPr>
-                          <m:t>,    </m:t>
+                          <m:t>𝑣</m:t>
                         </m:r>
                         <m:r>
-                          <a:rPr lang="en-US" sz="3900" i="1">
+                          <a:rPr lang="en-US" sz="3900" b="0" i="1" smtClean="0">
+                            <a:latin typeface="Cambria Math" panose="02040503050406030204" pitchFamily="18" charset="0"/>
+                          </a:rPr>
+                          <m:t>           </m:t>
+                        </m:r>
+                        <m:r>
+                          <a:rPr lang="en-US" sz="3900" b="0" i="1" smtClean="0">
                             <a:latin typeface="Cambria Math" panose="02040503050406030204" pitchFamily="18" charset="0"/>
                           </a:rPr>
                           <m:t>𝑈</m:t>
                         </m:r>
                         <m:r>
-                          <a:rPr lang="en-US" sz="3900" i="1">
+                          <a:rPr lang="en-US" sz="3900" b="0" i="1" smtClean="0">
                             <a:latin typeface="Cambria Math" panose="02040503050406030204" pitchFamily="18" charset="0"/>
                           </a:rPr>
-                          <m:t> ~ </m:t>
+                          <m:t>∼</m:t>
                         </m:r>
                         <m:r>
                           <a:rPr lang="en-US" sz="3900" b="0" i="1" smtClean="0">
@@ -37024,7 +37898,7 @@
                           <a:rPr lang="en-US" sz="3900" b="0" i="1" smtClean="0">
                             <a:latin typeface="Cambria Math" panose="02040503050406030204" pitchFamily="18" charset="0"/>
                           </a:rPr>
-                          <m:t>,    </m:t>
+                          <m:t>     </m:t>
                         </m:r>
                         <m:r>
                           <a:rPr lang="en-US" sz="3900" i="1">
@@ -37054,7 +37928,25 @@
                           <a:rPr lang="en-US" sz="3900" b="0" i="1" smtClean="0">
                             <a:latin typeface="Cambria Math" panose="02040503050406030204" pitchFamily="18" charset="0"/>
                           </a:rPr>
-                          <m:t>𝑇𝑒𝑟𝑚𝑠</m:t>
+                          <m:t>𝑝𝑎𝑟𝑒𝑛𝑡𝑠</m:t>
+                        </m:r>
+                        <m:r>
+                          <a:rPr lang="en-US" sz="3900" b="0" i="1" smtClean="0">
+                            <a:latin typeface="Cambria Math" panose="02040503050406030204" pitchFamily="18" charset="0"/>
+                          </a:rPr>
+                          <m:t>(</m:t>
+                        </m:r>
+                        <m:r>
+                          <a:rPr lang="en-US" sz="3900" b="0" i="1" smtClean="0">
+                            <a:latin typeface="Cambria Math" panose="02040503050406030204" pitchFamily="18" charset="0"/>
+                          </a:rPr>
+                          <m:t>𝑈</m:t>
+                        </m:r>
+                        <m:r>
+                          <a:rPr lang="en-US" sz="3900" b="0" i="1" smtClean="0">
+                            <a:latin typeface="Cambria Math" panose="02040503050406030204" pitchFamily="18" charset="0"/>
+                          </a:rPr>
+                          <m:t>)</m:t>
                         </m:r>
                       </m:num>
                       <m:den>
@@ -37321,66 +38213,8 @@
                       <a:rPr lang="en-US" b="0" i="1" smtClean="0">
                         <a:latin typeface="Cambria Math" panose="02040503050406030204" pitchFamily="18" charset="0"/>
                       </a:rPr>
-                      <m:t>⇒</m:t>
+                      <m:t>, </m:t>
                     </m:r>
-                    <m:r>
-                      <a:rPr lang="en-US" b="0" i="1" smtClean="0">
-                        <a:latin typeface="Cambria Math" panose="02040503050406030204" pitchFamily="18" charset="0"/>
-                      </a:rPr>
-                      <m:t>𝑥</m:t>
-                    </m:r>
-                    <m:r>
-                      <a:rPr lang="en-US" b="0" i="1" smtClean="0">
-                        <a:latin typeface="Cambria Math" panose="02040503050406030204" pitchFamily="18" charset="0"/>
-                      </a:rPr>
-                      <m:t>∈</m:t>
-                    </m:r>
-                    <m:r>
-                      <a:rPr lang="en-US" b="0" i="1" smtClean="0">
-                        <a:latin typeface="Cambria Math" panose="02040503050406030204" pitchFamily="18" charset="0"/>
-                      </a:rPr>
-                      <m:t>𝑠</m:t>
-                    </m:r>
-                    <m:r>
-                      <a:rPr lang="en-US" b="0" i="1" smtClean="0">
-                        <a:latin typeface="Cambria Math" panose="02040503050406030204" pitchFamily="18" charset="0"/>
-                      </a:rPr>
-                      <m:t>⇔</m:t>
-                    </m:r>
-                    <m:r>
-                      <a:rPr lang="en-US" b="0" i="1" smtClean="0">
-                        <a:latin typeface="Cambria Math" panose="02040503050406030204" pitchFamily="18" charset="0"/>
-                      </a:rPr>
-                      <m:t>𝑦</m:t>
-                    </m:r>
-                    <m:r>
-                      <a:rPr lang="en-US" b="0" i="1" smtClean="0">
-                        <a:latin typeface="Cambria Math" panose="02040503050406030204" pitchFamily="18" charset="0"/>
-                      </a:rPr>
-                      <m:t>∈</m:t>
-                    </m:r>
-                    <m:r>
-                      <a:rPr lang="en-US" b="0" i="1" smtClean="0">
-                        <a:latin typeface="Cambria Math" panose="02040503050406030204" pitchFamily="18" charset="0"/>
-                      </a:rPr>
-                      <m:t>𝑠</m:t>
-                    </m:r>
-                  </m:oMath>
-                </a14:m>
-                <a:endParaRPr lang="en-US" b="0" i="1" dirty="0">
-                  <a:latin typeface="Cambria Math" panose="02040503050406030204" pitchFamily="18" charset="0"/>
-                </a:endParaRPr>
-              </a:p>
-              <a:p>
-                <a:pPr marL="0" indent="0">
-                  <a:buNone/>
-                </a:pPr>
-                <a:r>
-                  <a:rPr lang="en-US" b="0" dirty="0"/>
-                  <a:t>	 </a:t>
-                </a:r>
-                <a14:m>
-                  <m:oMath xmlns:m="http://schemas.openxmlformats.org/officeDocument/2006/math">
                     <m:r>
                       <a:rPr lang="en-US" b="0" i="1" smtClean="0">
                         <a:latin typeface="Cambria Math" panose="02040503050406030204" pitchFamily="18" charset="0"/>
@@ -37433,7 +38267,7 @@
                       <a:rPr lang="en-US" b="0" i="1" smtClean="0">
                         <a:latin typeface="Cambria Math" panose="02040503050406030204" pitchFamily="18" charset="0"/>
                       </a:rPr>
-                      <m:t>𝑥</m:t>
+                      <m:t>𝑦</m:t>
                     </m:r>
                     <m:r>
                       <a:rPr lang="en-US" b="0" i="1" smtClean="0">
@@ -37449,15 +38283,21 @@
                     </m:r>
                   </m:oMath>
                 </a14:m>
-                <a:endParaRPr lang="en-US" dirty="0"/>
+                <a:endParaRPr lang="en-US" b="0" i="1" dirty="0">
+                  <a:latin typeface="Cambria Math" panose="02040503050406030204" pitchFamily="18" charset="0"/>
+                </a:endParaRPr>
               </a:p>
               <a:p>
                 <a:pPr marL="0" indent="0">
                   <a:buNone/>
                 </a:pPr>
                 <a:r>
+                  <a:rPr lang="en-US" b="0" dirty="0"/>
+                  <a:t>	</a:t>
+                </a:r>
+                <a:r>
                   <a:rPr lang="en-US" dirty="0"/>
-                  <a:t>             Theory axioms are satisfied</a:t>
+                  <a:t>Theory axioms are satisfied: then M satisfies every asserted literal</a:t>
                 </a:r>
               </a:p>
               <a:p>
@@ -37514,7 +38354,7 @@
               <a:blipFill>
                 <a:blip r:embed="rId2"/>
                 <a:stretch>
-                  <a:fillRect l="-928" b="-140"/>
+                  <a:fillRect l="-754"/>
                 </a:stretch>
               </a:blipFill>
             </p:spPr>
@@ -37546,7 +38386,7 @@
 </p:sld>
 </file>
 
-<file path=ppt/slides/slide33.xml><?xml version="1.0" encoding="utf-8"?>
+<file path=ppt/slides/slide34.xml><?xml version="1.0" encoding="utf-8"?>
 <p:sld xmlns:a="http://schemas.openxmlformats.org/drawingml/2006/main" xmlns:r="http://schemas.openxmlformats.org/officeDocument/2006/relationships" xmlns:p="http://schemas.openxmlformats.org/presentationml/2006/main">
   <p:cSld>
     <p:spTree>
@@ -37597,94 +38437,320 @@
           </a:p>
         </p:txBody>
       </p:sp>
-      <p:sp>
-        <p:nvSpPr>
-          <p:cNvPr id="3" name="Content Placeholder 2">
-            <a:extLst>
-              <a:ext uri="{FF2B5EF4-FFF2-40B4-BE49-F238E27FC236}">
-                <a16:creationId xmlns:a16="http://schemas.microsoft.com/office/drawing/2014/main" id="{D6F9B033-332C-6D15-B4E5-7587871D4F46}"/>
-              </a:ext>
-            </a:extLst>
-          </p:cNvPr>
-          <p:cNvSpPr>
-            <a:spLocks noGrp="1"/>
-          </p:cNvSpPr>
-          <p:nvPr>
-            <p:ph idx="1"/>
-          </p:nvPr>
-        </p:nvSpPr>
-        <p:spPr/>
-        <p:txBody>
-          <a:bodyPr>
-            <a:normAutofit/>
-          </a:bodyPr>
-          <a:lstStyle/>
-          <a:p>
-            <a:pPr marL="0" indent="0">
-              <a:buNone/>
-            </a:pPr>
-            <a:r>
-              <a:rPr lang="en-US" dirty="0"/>
-              <a:t>Do we have to saturate all axioms to ensure consistent interpretations?</a:t>
-            </a:r>
-          </a:p>
-          <a:p>
-            <a:pPr marL="0" indent="0">
-              <a:buNone/>
-            </a:pPr>
-            <a:endParaRPr lang="en-US" dirty="0"/>
-          </a:p>
-          <a:p>
-            <a:pPr>
-              <a:buFontTx/>
-              <a:buChar char="-"/>
-            </a:pPr>
-            <a:r>
-              <a:rPr lang="en-US" dirty="0"/>
-              <a:t>Limit extensionality axioms to sets that have to be </a:t>
-            </a:r>
-            <a:r>
-              <a:rPr lang="en-US" dirty="0" err="1"/>
-              <a:t>disequal</a:t>
-            </a:r>
-            <a:r>
-              <a:rPr lang="en-US" dirty="0"/>
-              <a:t> for interpretation to be correct.</a:t>
-            </a:r>
-          </a:p>
-          <a:p>
-            <a:pPr>
-              <a:buFontTx/>
-              <a:buChar char="-"/>
-            </a:pPr>
-            <a:endParaRPr lang="en-US" dirty="0"/>
-          </a:p>
-          <a:p>
-            <a:pPr marL="0" indent="0">
-              <a:buNone/>
-            </a:pPr>
-            <a:endParaRPr lang="en-US" dirty="0"/>
-          </a:p>
-          <a:p>
-            <a:pPr marL="0" indent="0">
-              <a:buNone/>
-            </a:pPr>
-            <a:endParaRPr lang="en-US" dirty="0"/>
-          </a:p>
-          <a:p>
-            <a:pPr marL="0" indent="0">
-              <a:buNone/>
-            </a:pPr>
-            <a:endParaRPr lang="en-US" b="0" dirty="0"/>
-          </a:p>
-          <a:p>
-            <a:pPr marL="0" indent="0">
-              <a:buNone/>
-            </a:pPr>
-            <a:endParaRPr lang="en-US" dirty="0"/>
-          </a:p>
-        </p:txBody>
-      </p:sp>
+      <mc:AlternateContent xmlns:mc="http://schemas.openxmlformats.org/markup-compatibility/2006">
+        <mc:Choice xmlns:a14="http://schemas.microsoft.com/office/drawing/2010/main" Requires="a14">
+          <p:sp>
+            <p:nvSpPr>
+              <p:cNvPr id="3" name="Content Placeholder 2">
+                <a:extLst>
+                  <a:ext uri="{FF2B5EF4-FFF2-40B4-BE49-F238E27FC236}">
+                    <a16:creationId xmlns:a16="http://schemas.microsoft.com/office/drawing/2014/main" id="{D6F9B033-332C-6D15-B4E5-7587871D4F46}"/>
+                  </a:ext>
+                </a:extLst>
+              </p:cNvPr>
+              <p:cNvSpPr>
+                <a:spLocks noGrp="1"/>
+              </p:cNvSpPr>
+              <p:nvPr>
+                <p:ph idx="1"/>
+              </p:nvPr>
+            </p:nvSpPr>
+            <p:spPr/>
+            <p:txBody>
+              <a:bodyPr>
+                <a:normAutofit/>
+              </a:bodyPr>
+              <a:lstStyle/>
+              <a:p>
+                <a:pPr marL="0" indent="0">
+                  <a:buNone/>
+                </a:pPr>
+                <a:r>
+                  <a:rPr lang="en-US" dirty="0"/>
+                  <a:t>Do we have to saturate all axioms to ensure consistent interpretations?</a:t>
+                </a:r>
+              </a:p>
+              <a:p>
+                <a:pPr marL="0" indent="0">
+                  <a:buNone/>
+                </a:pPr>
+                <a:endParaRPr lang="en-US" dirty="0"/>
+              </a:p>
+              <a:p>
+                <a:pPr>
+                  <a:buFontTx/>
+                  <a:buChar char="-"/>
+                </a:pPr>
+                <a:r>
+                  <a:rPr lang="en-US" dirty="0"/>
+                  <a:t>Limit extensionality axioms to sets that have to be </a:t>
+                </a:r>
+                <a:r>
+                  <a:rPr lang="en-US" dirty="0" err="1"/>
+                  <a:t>disequal</a:t>
+                </a:r>
+                <a:r>
+                  <a:rPr lang="en-US" dirty="0"/>
+                  <a:t> for interpretation to be correct.</a:t>
+                </a:r>
+              </a:p>
+              <a:p>
+                <a:pPr>
+                  <a:buFontTx/>
+                  <a:buChar char="-"/>
+                </a:pPr>
+                <a:endParaRPr lang="en-US" dirty="0"/>
+              </a:p>
+              <a:p>
+                <a:pPr>
+                  <a:buFontTx/>
+                  <a:buChar char="-"/>
+                </a:pPr>
+                <a:r>
+                  <a:rPr lang="en-US" dirty="0"/>
+                  <a:t>Limit axiom instantiation for operators by evaluation</a:t>
+                </a:r>
+              </a:p>
+              <a:p>
+                <a:pPr marL="0" indent="0">
+                  <a:buNone/>
+                </a:pPr>
+                <a:endParaRPr lang="en-US" b="0" dirty="0"/>
+              </a:p>
+              <a:p>
+                <a:pPr marL="0" indent="0">
+                  <a:buNone/>
+                </a:pPr>
+                <a14:m>
+                  <m:oMathPara xmlns:m="http://schemas.openxmlformats.org/officeDocument/2006/math">
+                    <m:oMathParaPr>
+                      <m:jc m:val="centerGroup"/>
+                    </m:oMathParaPr>
+                    <m:oMath xmlns:m="http://schemas.openxmlformats.org/officeDocument/2006/math">
+                      <m:f>
+                        <m:fPr>
+                          <m:ctrlPr>
+                            <a:rPr lang="en-US" i="1">
+                              <a:latin typeface="Cambria Math" panose="02040503050406030204" pitchFamily="18" charset="0"/>
+                            </a:rPr>
+                          </m:ctrlPr>
+                        </m:fPr>
+                        <m:num>
+                          <m:r>
+                            <a:rPr lang="en-US" i="1">
+                              <a:latin typeface="Cambria Math" panose="02040503050406030204" pitchFamily="18" charset="0"/>
+                            </a:rPr>
+                            <m:t>𝑥</m:t>
+                          </m:r>
+                          <m:r>
+                            <a:rPr lang="en-US" i="1">
+                              <a:latin typeface="Cambria Math" panose="02040503050406030204" pitchFamily="18" charset="0"/>
+                            </a:rPr>
+                            <m:t>∈</m:t>
+                          </m:r>
+                          <m:r>
+                            <a:rPr lang="en-US" i="1">
+                              <a:latin typeface="Cambria Math" panose="02040503050406030204" pitchFamily="18" charset="0"/>
+                            </a:rPr>
+                            <m:t>𝑈</m:t>
+                          </m:r>
+                          <m:r>
+                            <a:rPr lang="en-US" b="0" i="1" smtClean="0">
+                              <a:latin typeface="Cambria Math" panose="02040503050406030204" pitchFamily="18" charset="0"/>
+                            </a:rPr>
+                            <m:t>≡⊤</m:t>
+                          </m:r>
+                          <m:r>
+                            <a:rPr lang="en-US" i="1">
+                              <a:latin typeface="Cambria Math" panose="02040503050406030204" pitchFamily="18" charset="0"/>
+                            </a:rPr>
+                            <m:t>          </m:t>
+                          </m:r>
+                          <m:r>
+                            <a:rPr lang="en-US" i="1">
+                              <a:latin typeface="Cambria Math" panose="02040503050406030204" pitchFamily="18" charset="0"/>
+                            </a:rPr>
+                            <m:t>𝑈</m:t>
+                          </m:r>
+                          <m:r>
+                            <a:rPr lang="en-US" i="1">
+                              <a:latin typeface="Cambria Math" panose="02040503050406030204" pitchFamily="18" charset="0"/>
+                            </a:rPr>
+                            <m:t>∼</m:t>
+                          </m:r>
+                          <m:r>
+                            <a:rPr lang="en-US" i="1">
+                              <a:latin typeface="Cambria Math" panose="02040503050406030204" pitchFamily="18" charset="0"/>
+                            </a:rPr>
+                            <m:t>𝑆</m:t>
+                          </m:r>
+                          <m:r>
+                            <a:rPr lang="en-US" i="1">
+                              <a:latin typeface="Cambria Math" panose="02040503050406030204" pitchFamily="18" charset="0"/>
+                            </a:rPr>
+                            <m:t>     </m:t>
+                          </m:r>
+                          <m:r>
+                            <a:rPr lang="en-US" i="1">
+                              <a:latin typeface="Cambria Math" panose="02040503050406030204" pitchFamily="18" charset="0"/>
+                            </a:rPr>
+                            <m:t>𝑆</m:t>
+                          </m:r>
+                          <m:r>
+                            <a:rPr lang="en-US" i="1">
+                              <a:latin typeface="Cambria Math" panose="02040503050406030204" pitchFamily="18" charset="0"/>
+                            </a:rPr>
+                            <m:t>∪</m:t>
+                          </m:r>
+                          <m:r>
+                            <a:rPr lang="en-US" i="1">
+                              <a:latin typeface="Cambria Math" panose="02040503050406030204" pitchFamily="18" charset="0"/>
+                            </a:rPr>
+                            <m:t>𝑇</m:t>
+                          </m:r>
+                          <m:r>
+                            <a:rPr lang="en-US" i="1">
+                              <a:latin typeface="Cambria Math" panose="02040503050406030204" pitchFamily="18" charset="0"/>
+                            </a:rPr>
+                            <m:t>∈</m:t>
+                          </m:r>
+                          <m:r>
+                            <a:rPr lang="en-US" i="1">
+                              <a:latin typeface="Cambria Math" panose="02040503050406030204" pitchFamily="18" charset="0"/>
+                            </a:rPr>
+                            <m:t>𝑝𝑎𝑟𝑒𝑛𝑡𝑠</m:t>
+                          </m:r>
+                          <m:r>
+                            <a:rPr lang="en-US" i="1">
+                              <a:latin typeface="Cambria Math" panose="02040503050406030204" pitchFamily="18" charset="0"/>
+                            </a:rPr>
+                            <m:t>(</m:t>
+                          </m:r>
+                          <m:r>
+                            <a:rPr lang="en-US" i="1">
+                              <a:latin typeface="Cambria Math" panose="02040503050406030204" pitchFamily="18" charset="0"/>
+                            </a:rPr>
+                            <m:t>𝑈</m:t>
+                          </m:r>
+                          <m:r>
+                            <a:rPr lang="en-US" i="1">
+                              <a:latin typeface="Cambria Math" panose="02040503050406030204" pitchFamily="18" charset="0"/>
+                            </a:rPr>
+                            <m:t>)</m:t>
+                          </m:r>
+                        </m:num>
+                        <m:den>
+                          <m:r>
+                            <a:rPr lang="en-US" i="1">
+                              <a:latin typeface="Cambria Math" panose="02040503050406030204" pitchFamily="18" charset="0"/>
+                            </a:rPr>
+                            <m:t>𝑥</m:t>
+                          </m:r>
+                          <m:r>
+                            <a:rPr lang="en-US" i="1">
+                              <a:latin typeface="Cambria Math" panose="02040503050406030204" pitchFamily="18" charset="0"/>
+                            </a:rPr>
+                            <m:t>∈</m:t>
+                          </m:r>
+                          <m:r>
+                            <a:rPr lang="en-US" i="1">
+                              <a:latin typeface="Cambria Math" panose="02040503050406030204" pitchFamily="18" charset="0"/>
+                            </a:rPr>
+                            <m:t>𝑆</m:t>
+                          </m:r>
+                          <m:r>
+                            <a:rPr lang="en-US" b="0" i="1" smtClean="0">
+                              <a:latin typeface="Cambria Math" panose="02040503050406030204" pitchFamily="18" charset="0"/>
+                            </a:rPr>
+                            <m:t>⇒</m:t>
+                          </m:r>
+                          <m:r>
+                            <a:rPr lang="en-US" i="1">
+                              <a:latin typeface="Cambria Math" panose="02040503050406030204" pitchFamily="18" charset="0"/>
+                            </a:rPr>
+                            <m:t>𝑥</m:t>
+                          </m:r>
+                          <m:r>
+                            <a:rPr lang="en-US" i="1">
+                              <a:latin typeface="Cambria Math" panose="02040503050406030204" pitchFamily="18" charset="0"/>
+                            </a:rPr>
+                            <m:t>∈</m:t>
+                          </m:r>
+                          <m:r>
+                            <a:rPr lang="en-US" i="1">
+                              <a:latin typeface="Cambria Math" panose="02040503050406030204" pitchFamily="18" charset="0"/>
+                            </a:rPr>
+                            <m:t>𝑆</m:t>
+                          </m:r>
+                          <m:r>
+                            <a:rPr lang="en-US" b="0" i="1" smtClean="0">
+                              <a:latin typeface="Cambria Math" panose="02040503050406030204" pitchFamily="18" charset="0"/>
+                            </a:rPr>
+                            <m:t>∪</m:t>
+                          </m:r>
+                          <m:r>
+                            <a:rPr lang="en-US" i="1">
+                              <a:latin typeface="Cambria Math" panose="02040503050406030204" pitchFamily="18" charset="0"/>
+                            </a:rPr>
+                            <m:t>𝑇</m:t>
+                          </m:r>
+                          <m:r>
+                            <m:rPr>
+                              <m:nor/>
+                            </m:rPr>
+                            <a:rPr lang="en-US" dirty="0"/>
+                            <m:t> </m:t>
+                          </m:r>
+                        </m:den>
+                      </m:f>
+                    </m:oMath>
+                  </m:oMathPara>
+                </a14:m>
+                <a:endParaRPr lang="en-US" dirty="0"/>
+              </a:p>
+            </p:txBody>
+          </p:sp>
+        </mc:Choice>
+        <mc:Fallback>
+          <p:sp>
+            <p:nvSpPr>
+              <p:cNvPr id="3" name="Content Placeholder 2">
+                <a:extLst>
+                  <a:ext uri="{FF2B5EF4-FFF2-40B4-BE49-F238E27FC236}">
+                    <a16:creationId xmlns:a16="http://schemas.microsoft.com/office/drawing/2014/main" id="{D6F9B033-332C-6D15-B4E5-7587871D4F46}"/>
+                  </a:ext>
+                </a:extLst>
+              </p:cNvPr>
+              <p:cNvSpPr>
+                <a:spLocks noGrp="1" noRot="1" noChangeAspect="1" noMove="1" noResize="1" noEditPoints="1" noAdjustHandles="1" noChangeArrowheads="1" noChangeShapeType="1" noTextEdit="1"/>
+              </p:cNvSpPr>
+              <p:nvPr>
+                <p:ph idx="1"/>
+              </p:nvPr>
+            </p:nvSpPr>
+            <p:spPr>
+              <a:blipFill>
+                <a:blip r:embed="rId2"/>
+                <a:stretch>
+                  <a:fillRect l="-1217" t="-2241" r="-58"/>
+                </a:stretch>
+              </a:blipFill>
+            </p:spPr>
+            <p:txBody>
+              <a:bodyPr/>
+              <a:lstStyle/>
+              <a:p>
+                <a:r>
+                  <a:rPr lang="en-US">
+                    <a:noFill/>
+                  </a:rPr>
+                  <a:t> </a:t>
+                </a:r>
+              </a:p>
+            </p:txBody>
+          </p:sp>
+        </mc:Fallback>
+      </mc:AlternateContent>
     </p:spTree>
     <p:extLst>
       <p:ext uri="{BB962C8B-B14F-4D97-AF65-F5344CB8AC3E}">
@@ -37698,7 +38764,7 @@
 </p:sld>
 </file>
 
-<file path=ppt/slides/slide34.xml><?xml version="1.0" encoding="utf-8"?>
+<file path=ppt/slides/slide35.xml><?xml version="1.0" encoding="utf-8"?>
 <p:sld xmlns:a="http://schemas.openxmlformats.org/drawingml/2006/main" xmlns:r="http://schemas.openxmlformats.org/officeDocument/2006/relationships" xmlns:p="http://schemas.openxmlformats.org/presentationml/2006/main">
   <p:cSld>
     <p:spTree>
@@ -37743,8 +38809,8 @@
           </a:p>
         </p:txBody>
       </p:sp>
-      <mc:AlternateContent xmlns:mc="http://schemas.openxmlformats.org/markup-compatibility/2006">
-        <mc:Choice xmlns:a14="http://schemas.microsoft.com/office/drawing/2010/main" Requires="a14">
+      <mc:AlternateContent xmlns:mc="http://schemas.openxmlformats.org/markup-compatibility/2006" xmlns:a14="http://schemas.microsoft.com/office/drawing/2010/main">
+        <mc:Choice Requires="a14">
           <p:sp>
             <p:nvSpPr>
               <p:cNvPr id="3" name="Content Placeholder 2">
@@ -37950,7 +39016,7 @@
                     <m:d>
                       <m:dPr>
                         <m:ctrlPr>
-                          <a:rPr lang="en-US" b="0" i="0" smtClean="0">
+                          <a:rPr lang="en-US" b="0" i="1" smtClean="0">
                             <a:latin typeface="Cambria Math" panose="02040503050406030204" pitchFamily="18" charset="0"/>
                           </a:rPr>
                         </m:ctrlPr>
@@ -37998,7 +39064,7 @@
             </p:txBody>
           </p:sp>
         </mc:Choice>
-        <mc:Fallback>
+        <mc:Fallback xmlns="">
           <p:sp>
             <p:nvSpPr>
               <p:cNvPr id="3" name="Content Placeholder 2">
@@ -38051,7 +39117,7 @@
 </p:sld>
 </file>
 
-<file path=ppt/slides/slide35.xml><?xml version="1.0" encoding="utf-8"?>
+<file path=ppt/slides/slide36.xml><?xml version="1.0" encoding="utf-8"?>
 <p:sld xmlns:a="http://schemas.openxmlformats.org/drawingml/2006/main" xmlns:r="http://schemas.openxmlformats.org/officeDocument/2006/relationships" xmlns:p="http://schemas.openxmlformats.org/presentationml/2006/main">
   <p:cSld>
     <p:spTree>
@@ -38096,8 +39162,8 @@
           </a:p>
         </p:txBody>
       </p:sp>
-      <mc:AlternateContent xmlns:mc="http://schemas.openxmlformats.org/markup-compatibility/2006">
-        <mc:Choice xmlns:a14="http://schemas.microsoft.com/office/drawing/2010/main" Requires="a14">
+      <mc:AlternateContent xmlns:mc="http://schemas.openxmlformats.org/markup-compatibility/2006" xmlns:a14="http://schemas.microsoft.com/office/drawing/2010/main">
+        <mc:Choice Requires="a14">
           <p:sp>
             <p:nvSpPr>
               <p:cNvPr id="3" name="Content Placeholder 2">
@@ -38496,7 +39562,7 @@
             </p:txBody>
           </p:sp>
         </mc:Choice>
-        <mc:Fallback>
+        <mc:Fallback xmlns="">
           <p:sp>
             <p:nvSpPr>
               <p:cNvPr id="3" name="Content Placeholder 2">
@@ -38549,7 +39615,7 @@
 </p:sld>
 </file>
 
-<file path=ppt/slides/slide36.xml><?xml version="1.0" encoding="utf-8"?>
+<file path=ppt/slides/slide37.xml><?xml version="1.0" encoding="utf-8"?>
 <p:sld xmlns:a="http://schemas.openxmlformats.org/drawingml/2006/main" xmlns:r="http://schemas.openxmlformats.org/officeDocument/2006/relationships" xmlns:p="http://schemas.openxmlformats.org/presentationml/2006/main">
   <p:cSld>
     <p:spTree>
@@ -38599,8 +39665,8 @@
           </a:p>
         </p:txBody>
       </p:sp>
-      <mc:AlternateContent xmlns:mc="http://schemas.openxmlformats.org/markup-compatibility/2006">
-        <mc:Choice xmlns:a14="http://schemas.microsoft.com/office/drawing/2010/main" Requires="a14">
+      <mc:AlternateContent xmlns:mc="http://schemas.openxmlformats.org/markup-compatibility/2006" xmlns:a14="http://schemas.microsoft.com/office/drawing/2010/main">
+        <mc:Choice Requires="a14">
           <p:sp>
             <p:nvSpPr>
               <p:cNvPr id="3" name="Content Placeholder 2">
@@ -38783,7 +39849,7 @@
             </p:txBody>
           </p:sp>
         </mc:Choice>
-        <mc:Fallback>
+        <mc:Fallback xmlns="">
           <p:sp>
             <p:nvSpPr>
               <p:cNvPr id="3" name="Content Placeholder 2">
@@ -38836,7 +39902,7 @@
 </p:sld>
 </file>
 
-<file path=ppt/slides/slide37.xml><?xml version="1.0" encoding="utf-8"?>
+<file path=ppt/slides/slide38.xml><?xml version="1.0" encoding="utf-8"?>
 <p:sld xmlns:a="http://schemas.openxmlformats.org/drawingml/2006/main" xmlns:r="http://schemas.openxmlformats.org/officeDocument/2006/relationships" xmlns:p="http://schemas.openxmlformats.org/presentationml/2006/main">
   <p:cSld>
     <p:spTree>
@@ -38981,6 +40047,306 @@
                     </m:r>
                   </m:oMath>
                 </a14:m>
+                <a:endParaRPr lang="en-US" b="0" dirty="0"/>
+              </a:p>
+              <a:p>
+                <a:pPr lvl="1"/>
+                <a:r>
+                  <a:rPr lang="en-US" b="0" dirty="0"/>
+                  <a:t>Disjoint regions on demand:</a:t>
+                </a:r>
+              </a:p>
+              <a:p>
+                <a:pPr lvl="1"/>
+                <a14:m>
+                  <m:oMath xmlns:m="http://schemas.openxmlformats.org/officeDocument/2006/math">
+                    <m:r>
+                      <a:rPr lang="en-US" b="0" i="1" smtClean="0">
+                        <a:latin typeface="Cambria Math" panose="02040503050406030204" pitchFamily="18" charset="0"/>
+                      </a:rPr>
+                      <m:t>|</m:t>
+                    </m:r>
+                    <m:r>
+                      <a:rPr lang="en-US" b="0" i="1" smtClean="0">
+                        <a:latin typeface="Cambria Math" panose="02040503050406030204" pitchFamily="18" charset="0"/>
+                      </a:rPr>
+                      <m:t>𝑆</m:t>
+                    </m:r>
+                    <m:r>
+                      <a:rPr lang="en-US" b="0" i="1" smtClean="0">
+                        <a:latin typeface="Cambria Math" panose="02040503050406030204" pitchFamily="18" charset="0"/>
+                      </a:rPr>
+                      <m:t>∪</m:t>
+                    </m:r>
+                    <m:r>
+                      <a:rPr lang="en-US" b="0" i="1" smtClean="0">
+                        <a:latin typeface="Cambria Math" panose="02040503050406030204" pitchFamily="18" charset="0"/>
+                      </a:rPr>
+                      <m:t>𝑇</m:t>
+                    </m:r>
+                    <m:r>
+                      <a:rPr lang="en-US" b="0" i="1" smtClean="0">
+                        <a:latin typeface="Cambria Math" panose="02040503050406030204" pitchFamily="18" charset="0"/>
+                      </a:rPr>
+                      <m:t>|</m:t>
+                    </m:r>
+                  </m:oMath>
+                </a14:m>
+                <a:endParaRPr lang="en-US" b="0" dirty="0"/>
+              </a:p>
+              <a:p>
+                <a:pPr lvl="1"/>
+                <a:r>
+                  <a:rPr lang="en-US" b="0" dirty="0"/>
+                  <a:t> </a:t>
+                </a:r>
+                <a14:m>
+                  <m:oMath xmlns:m="http://schemas.openxmlformats.org/officeDocument/2006/math">
+                    <m:r>
+                      <a:rPr lang="en-US" b="0" i="1" smtClean="0">
+                        <a:latin typeface="Cambria Math" panose="02040503050406030204" pitchFamily="18" charset="0"/>
+                      </a:rPr>
+                      <m:t>𝑆</m:t>
+                    </m:r>
+                    <m:r>
+                      <a:rPr lang="en-US" b="0" i="1" smtClean="0">
+                        <a:latin typeface="Cambria Math" panose="02040503050406030204" pitchFamily="18" charset="0"/>
+                      </a:rPr>
+                      <m:t>∪</m:t>
+                    </m:r>
+                    <m:r>
+                      <a:rPr lang="en-US" b="0" i="1" smtClean="0">
+                        <a:latin typeface="Cambria Math" panose="02040503050406030204" pitchFamily="18" charset="0"/>
+                      </a:rPr>
+                      <m:t>𝑇</m:t>
+                    </m:r>
+                    <m:r>
+                      <a:rPr lang="en-US" b="0" i="1" smtClean="0">
+                        <a:latin typeface="Cambria Math" panose="02040503050406030204" pitchFamily="18" charset="0"/>
+                      </a:rPr>
+                      <m:t>=(</m:t>
+                    </m:r>
+                    <m:r>
+                      <a:rPr lang="en-US" b="0" i="1" smtClean="0">
+                        <a:latin typeface="Cambria Math" panose="02040503050406030204" pitchFamily="18" charset="0"/>
+                      </a:rPr>
+                      <m:t>𝑆</m:t>
+                    </m:r>
+                    <m:r>
+                      <a:rPr lang="en-US" b="0" i="1" smtClean="0">
+                        <a:latin typeface="Cambria Math" panose="02040503050406030204" pitchFamily="18" charset="0"/>
+                      </a:rPr>
+                      <m:t>∖</m:t>
+                    </m:r>
+                    <m:r>
+                      <a:rPr lang="en-US" b="0" i="1" smtClean="0">
+                        <a:latin typeface="Cambria Math" panose="02040503050406030204" pitchFamily="18" charset="0"/>
+                      </a:rPr>
+                      <m:t>𝑇</m:t>
+                    </m:r>
+                    <m:r>
+                      <a:rPr lang="en-US" b="0" i="1" smtClean="0">
+                        <a:latin typeface="Cambria Math" panose="02040503050406030204" pitchFamily="18" charset="0"/>
+                      </a:rPr>
+                      <m:t>)∪(</m:t>
+                    </m:r>
+                    <m:r>
+                      <a:rPr lang="en-US" b="0" i="1" smtClean="0">
+                        <a:latin typeface="Cambria Math" panose="02040503050406030204" pitchFamily="18" charset="0"/>
+                      </a:rPr>
+                      <m:t>𝑆</m:t>
+                    </m:r>
+                    <m:r>
+                      <a:rPr lang="en-US" b="0" i="1" smtClean="0">
+                        <a:latin typeface="Cambria Math" panose="02040503050406030204" pitchFamily="18" charset="0"/>
+                      </a:rPr>
+                      <m:t>∩</m:t>
+                    </m:r>
+                    <m:r>
+                      <a:rPr lang="en-US" b="0" i="1" smtClean="0">
+                        <a:latin typeface="Cambria Math" panose="02040503050406030204" pitchFamily="18" charset="0"/>
+                      </a:rPr>
+                      <m:t>𝑇</m:t>
+                    </m:r>
+                    <m:r>
+                      <a:rPr lang="en-US" b="0" i="1" smtClean="0">
+                        <a:latin typeface="Cambria Math" panose="02040503050406030204" pitchFamily="18" charset="0"/>
+                      </a:rPr>
+                      <m:t>)∪(</m:t>
+                    </m:r>
+                    <m:r>
+                      <a:rPr lang="en-US" b="0" i="1" smtClean="0">
+                        <a:latin typeface="Cambria Math" panose="02040503050406030204" pitchFamily="18" charset="0"/>
+                      </a:rPr>
+                      <m:t>𝑇</m:t>
+                    </m:r>
+                    <m:r>
+                      <a:rPr lang="en-US" b="0" i="1" smtClean="0">
+                        <a:latin typeface="Cambria Math" panose="02040503050406030204" pitchFamily="18" charset="0"/>
+                      </a:rPr>
+                      <m:t>∖</m:t>
+                    </m:r>
+                    <m:r>
+                      <a:rPr lang="en-US" b="0" i="1" smtClean="0">
+                        <a:latin typeface="Cambria Math" panose="02040503050406030204" pitchFamily="18" charset="0"/>
+                      </a:rPr>
+                      <m:t>𝑆</m:t>
+                    </m:r>
+                    <m:r>
+                      <a:rPr lang="en-US" b="0" i="1" smtClean="0">
+                        <a:latin typeface="Cambria Math" panose="02040503050406030204" pitchFamily="18" charset="0"/>
+                      </a:rPr>
+                      <m:t>)</m:t>
+                    </m:r>
+                  </m:oMath>
+                </a14:m>
+                <a:endParaRPr lang="en-US" dirty="0"/>
+              </a:p>
+              <a:p>
+                <a:pPr lvl="1"/>
+                <a14:m>
+                  <m:oMath xmlns:m="http://schemas.openxmlformats.org/officeDocument/2006/math">
+                    <m:d>
+                      <m:dPr>
+                        <m:begChr m:val="|"/>
+                        <m:endChr m:val="|"/>
+                        <m:ctrlPr>
+                          <a:rPr lang="en-US" b="0" i="1" smtClean="0">
+                            <a:latin typeface="Cambria Math" panose="02040503050406030204" pitchFamily="18" charset="0"/>
+                          </a:rPr>
+                        </m:ctrlPr>
+                      </m:dPr>
+                      <m:e>
+                        <m:r>
+                          <a:rPr lang="en-US" i="1">
+                            <a:latin typeface="Cambria Math" panose="02040503050406030204" pitchFamily="18" charset="0"/>
+                          </a:rPr>
+                          <m:t>𝑆</m:t>
+                        </m:r>
+                        <m:r>
+                          <a:rPr lang="en-US" i="1">
+                            <a:latin typeface="Cambria Math" panose="02040503050406030204" pitchFamily="18" charset="0"/>
+                          </a:rPr>
+                          <m:t>∪</m:t>
+                        </m:r>
+                        <m:r>
+                          <a:rPr lang="en-US" i="1">
+                            <a:latin typeface="Cambria Math" panose="02040503050406030204" pitchFamily="18" charset="0"/>
+                          </a:rPr>
+                          <m:t>𝑇</m:t>
+                        </m:r>
+                      </m:e>
+                    </m:d>
+                    <m:r>
+                      <a:rPr lang="en-US" i="1">
+                        <a:latin typeface="Cambria Math" panose="02040503050406030204" pitchFamily="18" charset="0"/>
+                      </a:rPr>
+                      <m:t>=</m:t>
+                    </m:r>
+                    <m:d>
+                      <m:dPr>
+                        <m:begChr m:val="|"/>
+                        <m:endChr m:val="|"/>
+                        <m:ctrlPr>
+                          <a:rPr lang="en-US" b="0" i="1" smtClean="0">
+                            <a:latin typeface="Cambria Math" panose="02040503050406030204" pitchFamily="18" charset="0"/>
+                          </a:rPr>
+                        </m:ctrlPr>
+                      </m:dPr>
+                      <m:e>
+                        <m:r>
+                          <a:rPr lang="en-US" i="1">
+                            <a:latin typeface="Cambria Math" panose="02040503050406030204" pitchFamily="18" charset="0"/>
+                          </a:rPr>
+                          <m:t>𝑆</m:t>
+                        </m:r>
+                        <m:r>
+                          <a:rPr lang="en-US" i="1">
+                            <a:latin typeface="Cambria Math" panose="02040503050406030204" pitchFamily="18" charset="0"/>
+                          </a:rPr>
+                          <m:t>∖</m:t>
+                        </m:r>
+                        <m:r>
+                          <a:rPr lang="en-US" i="1">
+                            <a:latin typeface="Cambria Math" panose="02040503050406030204" pitchFamily="18" charset="0"/>
+                          </a:rPr>
+                          <m:t>𝑇</m:t>
+                        </m:r>
+                      </m:e>
+                    </m:d>
+                    <m:r>
+                      <a:rPr lang="en-US" b="0" i="1" smtClean="0">
+                        <a:latin typeface="Cambria Math" panose="02040503050406030204" pitchFamily="18" charset="0"/>
+                      </a:rPr>
+                      <m:t>+</m:t>
+                    </m:r>
+                    <m:d>
+                      <m:dPr>
+                        <m:begChr m:val="|"/>
+                        <m:endChr m:val="|"/>
+                        <m:ctrlPr>
+                          <a:rPr lang="en-US" b="0" i="1" smtClean="0">
+                            <a:latin typeface="Cambria Math" panose="02040503050406030204" pitchFamily="18" charset="0"/>
+                          </a:rPr>
+                        </m:ctrlPr>
+                      </m:dPr>
+                      <m:e>
+                        <m:r>
+                          <a:rPr lang="en-US" i="1">
+                            <a:latin typeface="Cambria Math" panose="02040503050406030204" pitchFamily="18" charset="0"/>
+                          </a:rPr>
+                          <m:t>𝑆</m:t>
+                        </m:r>
+                        <m:r>
+                          <a:rPr lang="en-US" i="1">
+                            <a:latin typeface="Cambria Math" panose="02040503050406030204" pitchFamily="18" charset="0"/>
+                          </a:rPr>
+                          <m:t>∩</m:t>
+                        </m:r>
+                        <m:r>
+                          <a:rPr lang="en-US" i="1">
+                            <a:latin typeface="Cambria Math" panose="02040503050406030204" pitchFamily="18" charset="0"/>
+                          </a:rPr>
+                          <m:t>𝑇</m:t>
+                        </m:r>
+                      </m:e>
+                    </m:d>
+                    <m:r>
+                      <a:rPr lang="en-US" b="0" i="1" smtClean="0">
+                        <a:latin typeface="Cambria Math" panose="02040503050406030204" pitchFamily="18" charset="0"/>
+                      </a:rPr>
+                      <m:t>+|</m:t>
+                    </m:r>
+                    <m:r>
+                      <a:rPr lang="en-US" i="1">
+                        <a:latin typeface="Cambria Math" panose="02040503050406030204" pitchFamily="18" charset="0"/>
+                      </a:rPr>
+                      <m:t>𝑇</m:t>
+                    </m:r>
+                    <m:r>
+                      <a:rPr lang="en-US" i="1">
+                        <a:latin typeface="Cambria Math" panose="02040503050406030204" pitchFamily="18" charset="0"/>
+                      </a:rPr>
+                      <m:t>∖</m:t>
+                    </m:r>
+                    <m:r>
+                      <a:rPr lang="en-US" i="1">
+                        <a:latin typeface="Cambria Math" panose="02040503050406030204" pitchFamily="18" charset="0"/>
+                      </a:rPr>
+                      <m:t>𝑆</m:t>
+                    </m:r>
+                    <m:r>
+                      <a:rPr lang="en-US" b="0" i="1" smtClean="0">
+                        <a:latin typeface="Cambria Math" panose="02040503050406030204" pitchFamily="18" charset="0"/>
+                      </a:rPr>
+                      <m:t>|</m:t>
+                    </m:r>
+                  </m:oMath>
+                </a14:m>
+                <a:endParaRPr lang="en-US" dirty="0"/>
+              </a:p>
+              <a:p>
+                <a:pPr lvl="1"/>
                 <a:endParaRPr lang="en-US" dirty="0"/>
               </a:p>
             </p:txBody>
@@ -40776,6 +42142,12 @@
 </file>
 
 <file path=customXml/item1.xml><?xml version="1.0" encoding="utf-8"?>
+<p:properties xmlns:p="http://schemas.microsoft.com/office/2006/metadata/properties" xmlns:xsi="http://www.w3.org/2001/XMLSchema-instance" xmlns:pc="http://schemas.microsoft.com/office/infopath/2007/PartnerControls">
+  <documentManagement/>
+</p:properties>
+</file>
+
+<file path=customXml/item2.xml><?xml version="1.0" encoding="utf-8"?>
 <ct:contentTypeSchema xmlns:ct="http://schemas.microsoft.com/office/2006/metadata/contentType" xmlns:ma="http://schemas.microsoft.com/office/2006/metadata/properties/metaAttributes" ct:_="" ma:_="" ma:contentTypeName="Document" ma:contentTypeID="0x01010097FD63E395080A43A32F443B5DB3CA82" ma:contentTypeVersion="15" ma:contentTypeDescription="Create a new document." ma:contentTypeScope="" ma:versionID="a3e21556ad7696f46e6aeed3e8446d09">
   <xsd:schema xmlns:xsd="http://www.w3.org/2001/XMLSchema" xmlns:xs="http://www.w3.org/2001/XMLSchema" xmlns:p="http://schemas.microsoft.com/office/2006/metadata/properties" xmlns:ns3="1eac365c-24b9-49f6-8b08-64a95c9e0c2d" xmlns:ns4="a2be3752-dc5b-4cdd-a620-72e6c83e257b" targetNamespace="http://schemas.microsoft.com/office/2006/metadata/properties" ma:root="true" ma:fieldsID="4546fefd2005ff12357c2bd0a43b79fc" ns3:_="" ns4:_="">
     <xsd:import namespace="1eac365c-24b9-49f6-8b08-64a95c9e0c2d"/>
@@ -41012,7 +42384,7 @@
 </ct:contentTypeSchema>
 </file>
 
-<file path=customXml/item2.xml><?xml version="1.0" encoding="utf-8"?>
+<file path=customXml/item3.xml><?xml version="1.0" encoding="utf-8"?>
 <?mso-contentType ?>
 <FormTemplates xmlns="http://schemas.microsoft.com/sharepoint/v3/contenttype/forms">
   <Display>DocumentLibraryForm</Display>
@@ -41021,13 +42393,24 @@
 </FormTemplates>
 </file>
 
-<file path=customXml/item3.xml><?xml version="1.0" encoding="utf-8"?>
-<p:properties xmlns:p="http://schemas.microsoft.com/office/2006/metadata/properties" xmlns:xsi="http://www.w3.org/2001/XMLSchema-instance" xmlns:pc="http://schemas.microsoft.com/office/infopath/2007/PartnerControls">
-  <documentManagement/>
-</p:properties>
+<file path=customXml/itemProps1.xml><?xml version="1.0" encoding="utf-8"?>
+<ds:datastoreItem xmlns:ds="http://schemas.openxmlformats.org/officeDocument/2006/customXml" ds:itemID="{3DA4B80E-AB13-4EE9-A8E3-2ACC6F11AFAD}">
+  <ds:schemaRefs>
+    <ds:schemaRef ds:uri="http://schemas.openxmlformats.org/package/2006/metadata/core-properties"/>
+    <ds:schemaRef ds:uri="http://schemas.microsoft.com/office/infopath/2007/PartnerControls"/>
+    <ds:schemaRef ds:uri="http://schemas.microsoft.com/office/2006/documentManagement/types"/>
+    <ds:schemaRef ds:uri="http://www.w3.org/XML/1998/namespace"/>
+    <ds:schemaRef ds:uri="http://purl.org/dc/elements/1.1/"/>
+    <ds:schemaRef ds:uri="a2be3752-dc5b-4cdd-a620-72e6c83e257b"/>
+    <ds:schemaRef ds:uri="http://purl.org/dc/dcmitype/"/>
+    <ds:schemaRef ds:uri="1eac365c-24b9-49f6-8b08-64a95c9e0c2d"/>
+    <ds:schemaRef ds:uri="http://purl.org/dc/terms/"/>
+    <ds:schemaRef ds:uri="http://schemas.microsoft.com/office/2006/metadata/properties"/>
+  </ds:schemaRefs>
+</ds:datastoreItem>
 </file>
 
-<file path=customXml/itemProps1.xml><?xml version="1.0" encoding="utf-8"?>
+<file path=customXml/itemProps2.xml><?xml version="1.0" encoding="utf-8"?>
 <ds:datastoreItem xmlns:ds="http://schemas.openxmlformats.org/officeDocument/2006/customXml" ds:itemID="{AF506A69-CB65-41D0-9E76-2210A713824C}">
   <ds:schemaRefs>
     <ds:schemaRef ds:uri="1eac365c-24b9-49f6-8b08-64a95c9e0c2d"/>
@@ -41046,27 +42429,10 @@
 </ds:datastoreItem>
 </file>
 
-<file path=customXml/itemProps2.xml><?xml version="1.0" encoding="utf-8"?>
+<file path=customXml/itemProps3.xml><?xml version="1.0" encoding="utf-8"?>
 <ds:datastoreItem xmlns:ds="http://schemas.openxmlformats.org/officeDocument/2006/customXml" ds:itemID="{B5E21315-3456-4FBC-8807-B24E962756AF}">
   <ds:schemaRefs>
     <ds:schemaRef ds:uri="http://schemas.microsoft.com/sharepoint/v3/contenttype/forms"/>
-  </ds:schemaRefs>
-</ds:datastoreItem>
-</file>
-
-<file path=customXml/itemProps3.xml><?xml version="1.0" encoding="utf-8"?>
-<ds:datastoreItem xmlns:ds="http://schemas.openxmlformats.org/officeDocument/2006/customXml" ds:itemID="{3DA4B80E-AB13-4EE9-A8E3-2ACC6F11AFAD}">
-  <ds:schemaRefs>
-    <ds:schemaRef ds:uri="http://schemas.openxmlformats.org/package/2006/metadata/core-properties"/>
-    <ds:schemaRef ds:uri="http://schemas.microsoft.com/office/infopath/2007/PartnerControls"/>
-    <ds:schemaRef ds:uri="http://schemas.microsoft.com/office/2006/documentManagement/types"/>
-    <ds:schemaRef ds:uri="http://www.w3.org/XML/1998/namespace"/>
-    <ds:schemaRef ds:uri="http://purl.org/dc/elements/1.1/"/>
-    <ds:schemaRef ds:uri="a2be3752-dc5b-4cdd-a620-72e6c83e257b"/>
-    <ds:schemaRef ds:uri="http://purl.org/dc/dcmitype/"/>
-    <ds:schemaRef ds:uri="1eac365c-24b9-49f6-8b08-64a95c9e0c2d"/>
-    <ds:schemaRef ds:uri="http://purl.org/dc/terms/"/>
-    <ds:schemaRef ds:uri="http://schemas.microsoft.com/office/2006/metadata/properties"/>
   </ds:schemaRefs>
 </ds:datastoreItem>
 </file>

--- a/vienna-lectures/lecture3-theories.pptx
+++ b/vienna-lectures/lecture3-theories.pptx
@@ -3659,7 +3659,7 @@
                 <a:tabLst/>
                 <a:defRPr/>
               </a:pPr>
-              <a:t>10/8/2025 8:22 AM</a:t>
+              <a:t>10/8/2025 10:41 PM</a:t>
             </a:fld>
             <a:endParaRPr kumimoji="0" lang="en-US" sz="1200" b="0" i="0" u="none" strike="noStrike" kern="1200" cap="none" spc="0" normalizeH="0" baseline="0" noProof="0">
               <a:ln>
@@ -26045,7 +26045,7 @@
           </a:ln>
           <a:extLst>
             <a:ext uri="{C572A759-6A51-4108-AA02-DFA0A04FC94B}">
-              <ma14:wrappingTextBoxFlag xmlns="" xmlns:ma14="http://schemas.microsoft.com/office/mac/drawingml/2011/main" xmlns:a14="http://schemas.microsoft.com/office/drawing/2010/main" xmlns:m="http://schemas.openxmlformats.org/officeDocument/2006/math" val="1"/>
+              <ma14:wrappingTextBoxFlag xmlns:m="http://schemas.openxmlformats.org/officeDocument/2006/math" xmlns:a14="http://schemas.microsoft.com/office/drawing/2010/main" xmlns:ma14="http://schemas.microsoft.com/office/mac/drawingml/2011/main" xmlns="" val="1"/>
             </a:ext>
           </a:extLst>
         </p:spPr>
@@ -27726,7 +27726,7 @@
           </a:ln>
           <a:extLst>
             <a:ext uri="{C572A759-6A51-4108-AA02-DFA0A04FC94B}">
-              <ma14:wrappingTextBoxFlag xmlns="" xmlns:m="http://schemas.openxmlformats.org/officeDocument/2006/math" xmlns:a14="http://schemas.microsoft.com/office/drawing/2010/main" xmlns:ma14="http://schemas.microsoft.com/office/mac/drawingml/2011/main" val="1"/>
+              <ma14:wrappingTextBoxFlag xmlns:ma14="http://schemas.microsoft.com/office/mac/drawingml/2011/main" xmlns:a14="http://schemas.microsoft.com/office/drawing/2010/main" xmlns:m="http://schemas.openxmlformats.org/officeDocument/2006/math" xmlns="" val="1"/>
             </a:ext>
           </a:extLst>
         </p:spPr>
@@ -29304,7 +29304,7 @@
               </a:ln>
               <a:extLst>
                 <a:ext uri="{C572A759-6A51-4108-AA02-DFA0A04FC94B}">
-                  <ma14:wrappingTextBoxFlag xmlns="" xmlns:ma14="http://schemas.microsoft.com/office/mac/drawingml/2011/main" xmlns:m="http://schemas.openxmlformats.org/officeDocument/2006/math" val="1"/>
+                  <ma14:wrappingTextBoxFlag xmlns:m="http://schemas.openxmlformats.org/officeDocument/2006/math" xmlns:ma14="http://schemas.microsoft.com/office/mac/drawingml/2011/main" xmlns="" val="1"/>
                 </a:ext>
               </a:extLst>
             </p:spPr>
@@ -29672,7 +29672,7 @@
               </a:ln>
               <a:extLst>
                 <a:ext uri="{C572A759-6A51-4108-AA02-DFA0A04FC94B}">
-                  <ma14:wrappingTextBoxFlag xmlns="" xmlns:m="http://schemas.openxmlformats.org/officeDocument/2006/math" xmlns:ma14="http://schemas.microsoft.com/office/mac/drawingml/2011/main" val="1"/>
+                  <ma14:wrappingTextBoxFlag xmlns:ma14="http://schemas.microsoft.com/office/mac/drawingml/2011/main" xmlns:m="http://schemas.openxmlformats.org/officeDocument/2006/math" xmlns="" val="1"/>
                 </a:ext>
               </a:extLst>
             </p:spPr>
@@ -30466,7 +30466,7 @@
               </a:ln>
               <a:extLst>
                 <a:ext uri="{C572A759-6A51-4108-AA02-DFA0A04FC94B}">
-                  <ma14:wrappingTextBoxFlag xmlns="" xmlns:ma14="http://schemas.microsoft.com/office/mac/drawingml/2011/main" xmlns:m="http://schemas.openxmlformats.org/officeDocument/2006/math" val="1"/>
+                  <ma14:wrappingTextBoxFlag xmlns:m="http://schemas.openxmlformats.org/officeDocument/2006/math" xmlns:ma14="http://schemas.microsoft.com/office/mac/drawingml/2011/main" xmlns="" val="1"/>
                 </a:ext>
               </a:extLst>
             </p:spPr>
@@ -31594,7 +31594,7 @@
               </a:ln>
               <a:extLst>
                 <a:ext uri="{C572A759-6A51-4108-AA02-DFA0A04FC94B}">
-                  <ma14:wrappingTextBoxFlag xmlns="" xmlns:m="http://schemas.openxmlformats.org/officeDocument/2006/math" xmlns:ma14="http://schemas.microsoft.com/office/mac/drawingml/2011/main" val="1"/>
+                  <ma14:wrappingTextBoxFlag xmlns:ma14="http://schemas.microsoft.com/office/mac/drawingml/2011/main" xmlns:m="http://schemas.openxmlformats.org/officeDocument/2006/math" xmlns="" val="1"/>
                 </a:ext>
               </a:extLst>
             </p:spPr>
@@ -31962,7 +31962,7 @@
               </a:ln>
               <a:extLst>
                 <a:ext uri="{C572A759-6A51-4108-AA02-DFA0A04FC94B}">
-                  <ma14:wrappingTextBoxFlag xmlns="" xmlns:ma14="http://schemas.microsoft.com/office/mac/drawingml/2011/main" xmlns:m="http://schemas.openxmlformats.org/officeDocument/2006/math" val="1"/>
+                  <ma14:wrappingTextBoxFlag xmlns:m="http://schemas.openxmlformats.org/officeDocument/2006/math" xmlns:ma14="http://schemas.microsoft.com/office/mac/drawingml/2011/main" xmlns="" val="1"/>
                 </a:ext>
               </a:extLst>
             </p:spPr>
@@ -36594,8 +36594,8 @@
           </a:p>
         </p:txBody>
       </p:sp>
-      <mc:AlternateContent xmlns:mc="http://schemas.openxmlformats.org/markup-compatibility/2006">
-        <mc:Choice xmlns:a14="http://schemas.microsoft.com/office/drawing/2010/main" Requires="a14">
+      <mc:AlternateContent xmlns:mc="http://schemas.openxmlformats.org/markup-compatibility/2006" xmlns:a14="http://schemas.microsoft.com/office/drawing/2010/main">
+        <mc:Choice Requires="a14">
           <p:sp>
             <p:nvSpPr>
               <p:cNvPr id="5" name="TextBox 4">
@@ -36883,7 +36883,7 @@
             </p:txBody>
           </p:sp>
         </mc:Choice>
-        <mc:Fallback>
+        <mc:Fallback xmlns="">
           <p:sp>
             <p:nvSpPr>
               <p:cNvPr id="5" name="TextBox 4">
@@ -36928,8 +36928,8 @@
           </p:sp>
         </mc:Fallback>
       </mc:AlternateContent>
-      <mc:AlternateContent xmlns:mc="http://schemas.openxmlformats.org/markup-compatibility/2006">
-        <mc:Choice xmlns:a14="http://schemas.microsoft.com/office/drawing/2010/main" Requires="a14">
+      <mc:AlternateContent xmlns:mc="http://schemas.openxmlformats.org/markup-compatibility/2006" xmlns:a14="http://schemas.microsoft.com/office/drawing/2010/main">
+        <mc:Choice Requires="a14">
           <p:sp>
             <p:nvSpPr>
               <p:cNvPr id="6" name="TextBox 5">
@@ -37119,6 +37119,7 @@
                 </a:r>
               </a:p>
               <a:p>
+                <a:pPr/>
                 <a:br>
                   <a:rPr lang="en-US" sz="2800" b="0" i="1" dirty="0">
                     <a:latin typeface="Cambria Math" panose="02040503050406030204" pitchFamily="18" charset="0"/>
@@ -37388,7 +37389,7 @@
             </p:txBody>
           </p:sp>
         </mc:Choice>
-        <mc:Fallback>
+        <mc:Fallback xmlns="">
           <p:sp>
             <p:nvSpPr>
               <p:cNvPr id="6" name="TextBox 5">
@@ -37497,8 +37498,8 @@
           </a:p>
         </p:txBody>
       </p:sp>
-      <mc:AlternateContent xmlns:mc="http://schemas.openxmlformats.org/markup-compatibility/2006">
-        <mc:Choice xmlns:a14="http://schemas.microsoft.com/office/drawing/2010/main" Requires="a14">
+      <mc:AlternateContent xmlns:mc="http://schemas.openxmlformats.org/markup-compatibility/2006" xmlns:a14="http://schemas.microsoft.com/office/drawing/2010/main">
+        <mc:Choice Requires="a14">
           <p:sp>
             <p:nvSpPr>
               <p:cNvPr id="3" name="Content Placeholder 2">
@@ -38333,7 +38334,7 @@
             </p:txBody>
           </p:sp>
         </mc:Choice>
-        <mc:Fallback>
+        <mc:Fallback xmlns="">
           <p:sp>
             <p:nvSpPr>
               <p:cNvPr id="3" name="Content Placeholder 2">
@@ -38627,10 +38628,10 @@
                             <m:t>(</m:t>
                           </m:r>
                           <m:r>
-                            <a:rPr lang="en-US" i="1">
+                            <a:rPr lang="en-US" b="0" i="1" smtClean="0">
                               <a:latin typeface="Cambria Math" panose="02040503050406030204" pitchFamily="18" charset="0"/>
                             </a:rPr>
-                            <m:t>𝑈</m:t>
+                            <m:t>𝑆</m:t>
                           </m:r>
                           <m:r>
                             <a:rPr lang="en-US" i="1">
@@ -38809,8 +38810,8 @@
           </a:p>
         </p:txBody>
       </p:sp>
-      <mc:AlternateContent xmlns:mc="http://schemas.openxmlformats.org/markup-compatibility/2006" xmlns:a14="http://schemas.microsoft.com/office/drawing/2010/main">
-        <mc:Choice Requires="a14">
+      <mc:AlternateContent xmlns:mc="http://schemas.openxmlformats.org/markup-compatibility/2006">
+        <mc:Choice xmlns:a14="http://schemas.microsoft.com/office/drawing/2010/main" Requires="a14">
           <p:sp>
             <p:nvSpPr>
               <p:cNvPr id="3" name="Content Placeholder 2">
@@ -38987,7 +38988,7 @@
                         <a:rPr lang="en-US" b="0" i="1" smtClean="0">
                           <a:latin typeface="Cambria Math" panose="02040503050406030204" pitchFamily="18" charset="0"/>
                         </a:rPr>
-                        <m:t>+10]</m:t>
+                        <m:t>+9]</m:t>
                       </m:r>
                     </m:oMath>
                   </m:oMathPara>
@@ -39064,7 +39065,7 @@
             </p:txBody>
           </p:sp>
         </mc:Choice>
-        <mc:Fallback xmlns="">
+        <mc:Fallback>
           <p:sp>
             <p:nvSpPr>
               <p:cNvPr id="3" name="Content Placeholder 2">
@@ -39947,8 +39948,8 @@
           </a:p>
         </p:txBody>
       </p:sp>
-      <mc:AlternateContent xmlns:mc="http://schemas.openxmlformats.org/markup-compatibility/2006">
-        <mc:Choice xmlns:a14="http://schemas.microsoft.com/office/drawing/2010/main" Requires="a14">
+      <mc:AlternateContent xmlns:mc="http://schemas.openxmlformats.org/markup-compatibility/2006" xmlns:a14="http://schemas.microsoft.com/office/drawing/2010/main">
+        <mc:Choice Requires="a14">
           <p:sp>
             <p:nvSpPr>
               <p:cNvPr id="3" name="Content Placeholder 2">
@@ -40352,7 +40353,7 @@
             </p:txBody>
           </p:sp>
         </mc:Choice>
-        <mc:Fallback>
+        <mc:Fallback xmlns="">
           <p:sp>
             <p:nvSpPr>
               <p:cNvPr id="3" name="Content Placeholder 2">
@@ -42142,12 +42143,21 @@
 </file>
 
 <file path=customXml/item1.xml><?xml version="1.0" encoding="utf-8"?>
+<?mso-contentType ?>
+<FormTemplates xmlns="http://schemas.microsoft.com/sharepoint/v3/contenttype/forms">
+  <Display>DocumentLibraryForm</Display>
+  <Edit>DocumentLibraryForm</Edit>
+  <New>DocumentLibraryForm</New>
+</FormTemplates>
+</file>
+
+<file path=customXml/item2.xml><?xml version="1.0" encoding="utf-8"?>
 <p:properties xmlns:p="http://schemas.microsoft.com/office/2006/metadata/properties" xmlns:xsi="http://www.w3.org/2001/XMLSchema-instance" xmlns:pc="http://schemas.microsoft.com/office/infopath/2007/PartnerControls">
   <documentManagement/>
 </p:properties>
 </file>
 
-<file path=customXml/item2.xml><?xml version="1.0" encoding="utf-8"?>
+<file path=customXml/item3.xml><?xml version="1.0" encoding="utf-8"?>
 <ct:contentTypeSchema xmlns:ct="http://schemas.microsoft.com/office/2006/metadata/contentType" xmlns:ma="http://schemas.microsoft.com/office/2006/metadata/properties/metaAttributes" ct:_="" ma:_="" ma:contentTypeName="Document" ma:contentTypeID="0x01010097FD63E395080A43A32F443B5DB3CA82" ma:contentTypeVersion="15" ma:contentTypeDescription="Create a new document." ma:contentTypeScope="" ma:versionID="a3e21556ad7696f46e6aeed3e8446d09">
   <xsd:schema xmlns:xsd="http://www.w3.org/2001/XMLSchema" xmlns:xs="http://www.w3.org/2001/XMLSchema" xmlns:p="http://schemas.microsoft.com/office/2006/metadata/properties" xmlns:ns3="1eac365c-24b9-49f6-8b08-64a95c9e0c2d" xmlns:ns4="a2be3752-dc5b-4cdd-a620-72e6c83e257b" targetNamespace="http://schemas.microsoft.com/office/2006/metadata/properties" ma:root="true" ma:fieldsID="4546fefd2005ff12357c2bd0a43b79fc" ns3:_="" ns4:_="">
     <xsd:import namespace="1eac365c-24b9-49f6-8b08-64a95c9e0c2d"/>
@@ -42384,16 +42394,15 @@
 </ct:contentTypeSchema>
 </file>
 
-<file path=customXml/item3.xml><?xml version="1.0" encoding="utf-8"?>
-<?mso-contentType ?>
-<FormTemplates xmlns="http://schemas.microsoft.com/sharepoint/v3/contenttype/forms">
-  <Display>DocumentLibraryForm</Display>
-  <Edit>DocumentLibraryForm</Edit>
-  <New>DocumentLibraryForm</New>
-</FormTemplates>
+<file path=customXml/itemProps1.xml><?xml version="1.0" encoding="utf-8"?>
+<ds:datastoreItem xmlns:ds="http://schemas.openxmlformats.org/officeDocument/2006/customXml" ds:itemID="{B5E21315-3456-4FBC-8807-B24E962756AF}">
+  <ds:schemaRefs>
+    <ds:schemaRef ds:uri="http://schemas.microsoft.com/sharepoint/v3/contenttype/forms"/>
+  </ds:schemaRefs>
+</ds:datastoreItem>
 </file>
 
-<file path=customXml/itemProps1.xml><?xml version="1.0" encoding="utf-8"?>
+<file path=customXml/itemProps2.xml><?xml version="1.0" encoding="utf-8"?>
 <ds:datastoreItem xmlns:ds="http://schemas.openxmlformats.org/officeDocument/2006/customXml" ds:itemID="{3DA4B80E-AB13-4EE9-A8E3-2ACC6F11AFAD}">
   <ds:schemaRefs>
     <ds:schemaRef ds:uri="http://schemas.openxmlformats.org/package/2006/metadata/core-properties"/>
@@ -42410,7 +42419,7 @@
 </ds:datastoreItem>
 </file>
 
-<file path=customXml/itemProps2.xml><?xml version="1.0" encoding="utf-8"?>
+<file path=customXml/itemProps3.xml><?xml version="1.0" encoding="utf-8"?>
 <ds:datastoreItem xmlns:ds="http://schemas.openxmlformats.org/officeDocument/2006/customXml" ds:itemID="{AF506A69-CB65-41D0-9E76-2210A713824C}">
   <ds:schemaRefs>
     <ds:schemaRef ds:uri="1eac365c-24b9-49f6-8b08-64a95c9e0c2d"/>
@@ -42429,14 +42438,6 @@
 </ds:datastoreItem>
 </file>
 
-<file path=customXml/itemProps3.xml><?xml version="1.0" encoding="utf-8"?>
-<ds:datastoreItem xmlns:ds="http://schemas.openxmlformats.org/officeDocument/2006/customXml" ds:itemID="{B5E21315-3456-4FBC-8807-B24E962756AF}">
-  <ds:schemaRefs>
-    <ds:schemaRef ds:uri="http://schemas.microsoft.com/sharepoint/v3/contenttype/forms"/>
-  </ds:schemaRefs>
-</ds:datastoreItem>
-</file>
-
 <file path=docMetadata/LabelInfo.xml><?xml version="1.0" encoding="utf-8"?>
 <clbl:labelList xmlns:clbl="http://schemas.microsoft.com/office/2020/mipLabelMetadata">
   <clbl:label id="{f42aa342-8706-4288-bd11-ebb85995028c}" enabled="1" method="Standard" siteId="{72f988bf-86f1-41af-91ab-2d7cd011db47}" removed="0"/>

--- a/vienna-lectures/lecture3-theories.pptx
+++ b/vienna-lectures/lecture3-theories.pptx
@@ -5,7 +5,7 @@
     <p:sldMasterId id="2147483648" r:id="rId4"/>
   </p:sldMasterIdLst>
   <p:notesMasterIdLst>
-    <p:notesMasterId r:id="rId43"/>
+    <p:notesMasterId r:id="rId45"/>
   </p:notesMasterIdLst>
   <p:sldIdLst>
     <p:sldId id="256" r:id="rId5"/>
@@ -39,13 +39,15 @@
     <p:sldId id="2146847252" r:id="rId33"/>
     <p:sldId id="2146847253" r:id="rId34"/>
     <p:sldId id="2146847254" r:id="rId35"/>
-    <p:sldId id="2146847261" r:id="rId36"/>
-    <p:sldId id="2146847256" r:id="rId37"/>
-    <p:sldId id="2146847257" r:id="rId38"/>
-    <p:sldId id="2146847258" r:id="rId39"/>
-    <p:sldId id="2146847255" r:id="rId40"/>
-    <p:sldId id="2146847259" r:id="rId41"/>
-    <p:sldId id="2146847260" r:id="rId42"/>
+    <p:sldId id="2146847262" r:id="rId36"/>
+    <p:sldId id="2146847261" r:id="rId37"/>
+    <p:sldId id="2146847256" r:id="rId38"/>
+    <p:sldId id="2146847257" r:id="rId39"/>
+    <p:sldId id="2146847263" r:id="rId40"/>
+    <p:sldId id="2146847258" r:id="rId41"/>
+    <p:sldId id="2146847255" r:id="rId42"/>
+    <p:sldId id="2146847259" r:id="rId43"/>
+    <p:sldId id="2146847260" r:id="rId44"/>
   </p:sldIdLst>
   <p:sldSz cx="12192000" cy="6858000"/>
   <p:notesSz cx="6858000" cy="9144000"/>
@@ -3138,7 +3140,7 @@
           <a:p>
             <a:fld id="{E0060B70-99F6-46DC-AC28-61E24B2D140B}" type="datetimeFigureOut">
               <a:rPr lang="en-US" smtClean="0"/>
-              <a:t>10/8/2025</a:t>
+              <a:t>10/13/2025</a:t>
             </a:fld>
             <a:endParaRPr lang="en-US"/>
           </a:p>
@@ -3659,7 +3661,7 @@
                 <a:tabLst/>
                 <a:defRPr/>
               </a:pPr>
-              <a:t>10/8/2025 10:41 PM</a:t>
+              <a:t>10/13/2025 8:46 AM</a:t>
             </a:fld>
             <a:endParaRPr kumimoji="0" lang="en-US" sz="1200" b="0" i="0" u="none" strike="noStrike" kern="1200" cap="none" spc="0" normalizeH="0" baseline="0" noProof="0">
               <a:ln>
@@ -4083,7 +4085,7 @@
           <a:p>
             <a:fld id="{D71F6AB6-6FBF-4B63-A5C3-90DEBBF6936C}" type="datetimeFigureOut">
               <a:rPr lang="en-US" smtClean="0"/>
-              <a:t>10/8/2025</a:t>
+              <a:t>10/13/2025</a:t>
             </a:fld>
             <a:endParaRPr lang="en-US"/>
           </a:p>
@@ -4281,7 +4283,7 @@
           <a:p>
             <a:fld id="{D71F6AB6-6FBF-4B63-A5C3-90DEBBF6936C}" type="datetimeFigureOut">
               <a:rPr lang="en-US" smtClean="0"/>
-              <a:t>10/8/2025</a:t>
+              <a:t>10/13/2025</a:t>
             </a:fld>
             <a:endParaRPr lang="en-US"/>
           </a:p>
@@ -4489,7 +4491,7 @@
           <a:p>
             <a:fld id="{D71F6AB6-6FBF-4B63-A5C3-90DEBBF6936C}" type="datetimeFigureOut">
               <a:rPr lang="en-US" smtClean="0"/>
-              <a:t>10/8/2025</a:t>
+              <a:t>10/13/2025</a:t>
             </a:fld>
             <a:endParaRPr lang="en-US"/>
           </a:p>
@@ -4687,7 +4689,7 @@
           <a:p>
             <a:fld id="{D71F6AB6-6FBF-4B63-A5C3-90DEBBF6936C}" type="datetimeFigureOut">
               <a:rPr lang="en-US" smtClean="0"/>
-              <a:t>10/8/2025</a:t>
+              <a:t>10/13/2025</a:t>
             </a:fld>
             <a:endParaRPr lang="en-US"/>
           </a:p>
@@ -4962,7 +4964,7 @@
           <a:p>
             <a:fld id="{D71F6AB6-6FBF-4B63-A5C3-90DEBBF6936C}" type="datetimeFigureOut">
               <a:rPr lang="en-US" smtClean="0"/>
-              <a:t>10/8/2025</a:t>
+              <a:t>10/13/2025</a:t>
             </a:fld>
             <a:endParaRPr lang="en-US"/>
           </a:p>
@@ -5227,7 +5229,7 @@
           <a:p>
             <a:fld id="{D71F6AB6-6FBF-4B63-A5C3-90DEBBF6936C}" type="datetimeFigureOut">
               <a:rPr lang="en-US" smtClean="0"/>
-              <a:t>10/8/2025</a:t>
+              <a:t>10/13/2025</a:t>
             </a:fld>
             <a:endParaRPr lang="en-US"/>
           </a:p>
@@ -5639,7 +5641,7 @@
           <a:p>
             <a:fld id="{D71F6AB6-6FBF-4B63-A5C3-90DEBBF6936C}" type="datetimeFigureOut">
               <a:rPr lang="en-US" smtClean="0"/>
-              <a:t>10/8/2025</a:t>
+              <a:t>10/13/2025</a:t>
             </a:fld>
             <a:endParaRPr lang="en-US"/>
           </a:p>
@@ -5780,7 +5782,7 @@
           <a:p>
             <a:fld id="{D71F6AB6-6FBF-4B63-A5C3-90DEBBF6936C}" type="datetimeFigureOut">
               <a:rPr lang="en-US" smtClean="0"/>
-              <a:t>10/8/2025</a:t>
+              <a:t>10/13/2025</a:t>
             </a:fld>
             <a:endParaRPr lang="en-US"/>
           </a:p>
@@ -5893,7 +5895,7 @@
           <a:p>
             <a:fld id="{D71F6AB6-6FBF-4B63-A5C3-90DEBBF6936C}" type="datetimeFigureOut">
               <a:rPr lang="en-US" smtClean="0"/>
-              <a:t>10/8/2025</a:t>
+              <a:t>10/13/2025</a:t>
             </a:fld>
             <a:endParaRPr lang="en-US"/>
           </a:p>
@@ -6204,7 +6206,7 @@
           <a:p>
             <a:fld id="{D71F6AB6-6FBF-4B63-A5C3-90DEBBF6936C}" type="datetimeFigureOut">
               <a:rPr lang="en-US" smtClean="0"/>
-              <a:t>10/8/2025</a:t>
+              <a:t>10/13/2025</a:t>
             </a:fld>
             <a:endParaRPr lang="en-US"/>
           </a:p>
@@ -6492,7 +6494,7 @@
           <a:p>
             <a:fld id="{D71F6AB6-6FBF-4B63-A5C3-90DEBBF6936C}" type="datetimeFigureOut">
               <a:rPr lang="en-US" smtClean="0"/>
-              <a:t>10/8/2025</a:t>
+              <a:t>10/13/2025</a:t>
             </a:fld>
             <a:endParaRPr lang="en-US"/>
           </a:p>
@@ -6733,7 +6735,7 @@
           <a:p>
             <a:fld id="{D71F6AB6-6FBF-4B63-A5C3-90DEBBF6936C}" type="datetimeFigureOut">
               <a:rPr lang="en-US" smtClean="0"/>
-              <a:t>10/8/2025</a:t>
+              <a:t>10/13/2025</a:t>
             </a:fld>
             <a:endParaRPr lang="en-US"/>
           </a:p>
@@ -8570,10 +8572,10 @@
       </p:sp>
       <p:pic>
         <p:nvPicPr>
-          <p:cNvPr id="5" name="Picture 4">
+          <p:cNvPr id="4" name="Picture 3">
             <a:extLst>
               <a:ext uri="{FF2B5EF4-FFF2-40B4-BE49-F238E27FC236}">
-                <a16:creationId xmlns:a16="http://schemas.microsoft.com/office/drawing/2014/main" id="{6D42C28B-8BDE-EF8E-A7A1-6DF97515E80C}"/>
+                <a16:creationId xmlns:a16="http://schemas.microsoft.com/office/drawing/2014/main" id="{6416CC39-5C2C-1023-FCBB-165750CB35F7}"/>
               </a:ext>
             </a:extLst>
           </p:cNvPr>
@@ -8584,14 +8586,15 @@
         </p:nvPicPr>
         <p:blipFill>
           <a:blip r:embed="rId2"/>
+          <a:srcRect t="28498"/>
           <a:stretch>
             <a:fillRect/>
           </a:stretch>
         </p:blipFill>
         <p:spPr>
           <a:xfrm>
-            <a:off x="577802" y="2183524"/>
-            <a:ext cx="11036396" cy="3714725"/>
+            <a:off x="59818" y="1932315"/>
+            <a:ext cx="12072364" cy="4261451"/>
           </a:xfrm>
           <a:prstGeom prst="rect">
             <a:avLst/>
@@ -26045,7 +26048,7 @@
           </a:ln>
           <a:extLst>
             <a:ext uri="{C572A759-6A51-4108-AA02-DFA0A04FC94B}">
-              <ma14:wrappingTextBoxFlag xmlns:m="http://schemas.openxmlformats.org/officeDocument/2006/math" xmlns:a14="http://schemas.microsoft.com/office/drawing/2010/main" xmlns:ma14="http://schemas.microsoft.com/office/mac/drawingml/2011/main" xmlns="" val="1"/>
+              <ma14:wrappingTextBoxFlag xmlns="" xmlns:ma14="http://schemas.microsoft.com/office/mac/drawingml/2011/main" xmlns:a14="http://schemas.microsoft.com/office/drawing/2010/main" xmlns:m="http://schemas.openxmlformats.org/officeDocument/2006/math" val="1"/>
             </a:ext>
           </a:extLst>
         </p:spPr>
@@ -27726,7 +27729,7 @@
           </a:ln>
           <a:extLst>
             <a:ext uri="{C572A759-6A51-4108-AA02-DFA0A04FC94B}">
-              <ma14:wrappingTextBoxFlag xmlns:ma14="http://schemas.microsoft.com/office/mac/drawingml/2011/main" xmlns:a14="http://schemas.microsoft.com/office/drawing/2010/main" xmlns:m="http://schemas.openxmlformats.org/officeDocument/2006/math" xmlns="" val="1"/>
+              <ma14:wrappingTextBoxFlag xmlns="" xmlns:m="http://schemas.openxmlformats.org/officeDocument/2006/math" xmlns:a14="http://schemas.microsoft.com/office/drawing/2010/main" xmlns:ma14="http://schemas.microsoft.com/office/mac/drawingml/2011/main" val="1"/>
             </a:ext>
           </a:extLst>
         </p:spPr>
@@ -29304,7 +29307,7 @@
               </a:ln>
               <a:extLst>
                 <a:ext uri="{C572A759-6A51-4108-AA02-DFA0A04FC94B}">
-                  <ma14:wrappingTextBoxFlag xmlns:m="http://schemas.openxmlformats.org/officeDocument/2006/math" xmlns:ma14="http://schemas.microsoft.com/office/mac/drawingml/2011/main" xmlns="" val="1"/>
+                  <ma14:wrappingTextBoxFlag xmlns="" xmlns:ma14="http://schemas.microsoft.com/office/mac/drawingml/2011/main" xmlns:m="http://schemas.openxmlformats.org/officeDocument/2006/math" val="1"/>
                 </a:ext>
               </a:extLst>
             </p:spPr>
@@ -29672,7 +29675,7 @@
               </a:ln>
               <a:extLst>
                 <a:ext uri="{C572A759-6A51-4108-AA02-DFA0A04FC94B}">
-                  <ma14:wrappingTextBoxFlag xmlns:ma14="http://schemas.microsoft.com/office/mac/drawingml/2011/main" xmlns:m="http://schemas.openxmlformats.org/officeDocument/2006/math" xmlns="" val="1"/>
+                  <ma14:wrappingTextBoxFlag xmlns="" xmlns:m="http://schemas.openxmlformats.org/officeDocument/2006/math" xmlns:ma14="http://schemas.microsoft.com/office/mac/drawingml/2011/main" val="1"/>
                 </a:ext>
               </a:extLst>
             </p:spPr>
@@ -30466,7 +30469,7 @@
               </a:ln>
               <a:extLst>
                 <a:ext uri="{C572A759-6A51-4108-AA02-DFA0A04FC94B}">
-                  <ma14:wrappingTextBoxFlag xmlns:m="http://schemas.openxmlformats.org/officeDocument/2006/math" xmlns:ma14="http://schemas.microsoft.com/office/mac/drawingml/2011/main" xmlns="" val="1"/>
+                  <ma14:wrappingTextBoxFlag xmlns="" xmlns:ma14="http://schemas.microsoft.com/office/mac/drawingml/2011/main" xmlns:m="http://schemas.openxmlformats.org/officeDocument/2006/math" val="1"/>
                 </a:ext>
               </a:extLst>
             </p:spPr>
@@ -31594,7 +31597,7 @@
               </a:ln>
               <a:extLst>
                 <a:ext uri="{C572A759-6A51-4108-AA02-DFA0A04FC94B}">
-                  <ma14:wrappingTextBoxFlag xmlns:ma14="http://schemas.microsoft.com/office/mac/drawingml/2011/main" xmlns:m="http://schemas.openxmlformats.org/officeDocument/2006/math" xmlns="" val="1"/>
+                  <ma14:wrappingTextBoxFlag xmlns="" xmlns:m="http://schemas.openxmlformats.org/officeDocument/2006/math" xmlns:ma14="http://schemas.microsoft.com/office/mac/drawingml/2011/main" val="1"/>
                 </a:ext>
               </a:extLst>
             </p:spPr>
@@ -31962,7 +31965,7 @@
               </a:ln>
               <a:extLst>
                 <a:ext uri="{C572A759-6A51-4108-AA02-DFA0A04FC94B}">
-                  <ma14:wrappingTextBoxFlag xmlns:m="http://schemas.openxmlformats.org/officeDocument/2006/math" xmlns:ma14="http://schemas.microsoft.com/office/mac/drawingml/2011/main" xmlns="" val="1"/>
+                  <ma14:wrappingTextBoxFlag xmlns="" xmlns:ma14="http://schemas.microsoft.com/office/mac/drawingml/2011/main" xmlns:m="http://schemas.openxmlformats.org/officeDocument/2006/math" val="1"/>
                 </a:ext>
               </a:extLst>
             </p:spPr>
@@ -36567,6 +36570,96 @@
           <p:cNvPr id="2" name="Title 1">
             <a:extLst>
               <a:ext uri="{FF2B5EF4-FFF2-40B4-BE49-F238E27FC236}">
+                <a16:creationId xmlns:a16="http://schemas.microsoft.com/office/drawing/2014/main" id="{5660F718-6A97-A941-58C7-4D5E616AF692}"/>
+              </a:ext>
+            </a:extLst>
+          </p:cNvPr>
+          <p:cNvSpPr>
+            <a:spLocks noGrp="1"/>
+          </p:cNvSpPr>
+          <p:nvPr>
+            <p:ph type="title"/>
+          </p:nvPr>
+        </p:nvSpPr>
+        <p:spPr/>
+        <p:txBody>
+          <a:bodyPr/>
+          <a:lstStyle/>
+          <a:p>
+            <a:r>
+              <a:rPr lang="en-US" dirty="0"/>
+              <a:t>Minimality</a:t>
+            </a:r>
+          </a:p>
+        </p:txBody>
+      </p:sp>
+      <p:sp>
+        <p:nvSpPr>
+          <p:cNvPr id="3" name="Content Placeholder 2">
+            <a:extLst>
+              <a:ext uri="{FF2B5EF4-FFF2-40B4-BE49-F238E27FC236}">
+                <a16:creationId xmlns:a16="http://schemas.microsoft.com/office/drawing/2014/main" id="{0405F07B-B9E3-5DDD-DA69-7F02D6B02865}"/>
+              </a:ext>
+            </a:extLst>
+          </p:cNvPr>
+          <p:cNvSpPr>
+            <a:spLocks noGrp="1"/>
+          </p:cNvSpPr>
+          <p:nvPr>
+            <p:ph idx="1"/>
+          </p:nvPr>
+        </p:nvSpPr>
+        <p:spPr/>
+        <p:txBody>
+          <a:bodyPr/>
+          <a:lstStyle/>
+          <a:p>
+            <a:r>
+              <a:rPr lang="en-US" dirty="0"/>
+              <a:t>Express map </a:t>
+            </a:r>
+            <a:r>
+              <a:rPr lang="en-US"/>
+              <a:t>using select</a:t>
+            </a:r>
+          </a:p>
+        </p:txBody>
+      </p:sp>
+    </p:spTree>
+    <p:extLst>
+      <p:ext uri="{BB962C8B-B14F-4D97-AF65-F5344CB8AC3E}">
+        <p14:creationId xmlns:p14="http://schemas.microsoft.com/office/powerpoint/2010/main" val="1492698729"/>
+      </p:ext>
+    </p:extLst>
+  </p:cSld>
+  <p:clrMapOvr>
+    <a:masterClrMapping/>
+  </p:clrMapOvr>
+</p:sld>
+</file>
+
+<file path=ppt/slides/slide33.xml><?xml version="1.0" encoding="utf-8"?>
+<p:sld xmlns:a="http://schemas.openxmlformats.org/drawingml/2006/main" xmlns:r="http://schemas.openxmlformats.org/officeDocument/2006/relationships" xmlns:p="http://schemas.openxmlformats.org/presentationml/2006/main">
+  <p:cSld>
+    <p:spTree>
+      <p:nvGrpSpPr>
+        <p:cNvPr id="1" name=""/>
+        <p:cNvGrpSpPr/>
+        <p:nvPr/>
+      </p:nvGrpSpPr>
+      <p:grpSpPr>
+        <a:xfrm>
+          <a:off x="0" y="0"/>
+          <a:ext cx="0" cy="0"/>
+          <a:chOff x="0" y="0"/>
+          <a:chExt cx="0" cy="0"/>
+        </a:xfrm>
+      </p:grpSpPr>
+      <p:sp>
+        <p:nvSpPr>
+          <p:cNvPr id="2" name="Title 1">
+            <a:extLst>
+              <a:ext uri="{FF2B5EF4-FFF2-40B4-BE49-F238E27FC236}">
                 <a16:creationId xmlns:a16="http://schemas.microsoft.com/office/drawing/2014/main" id="{0DC8038C-F8E8-1504-2FC8-8477BB746C96}"/>
               </a:ext>
             </a:extLst>
@@ -37447,7 +37540,7 @@
 </p:sld>
 </file>
 
-<file path=ppt/slides/slide33.xml><?xml version="1.0" encoding="utf-8"?>
+<file path=ppt/slides/slide34.xml><?xml version="1.0" encoding="utf-8"?>
 <p:sld xmlns:a="http://schemas.openxmlformats.org/drawingml/2006/main" xmlns:r="http://schemas.openxmlformats.org/officeDocument/2006/relationships" xmlns:p="http://schemas.openxmlformats.org/presentationml/2006/main">
   <p:cSld>
     <p:spTree>
@@ -38387,7 +38480,7 @@
 </p:sld>
 </file>
 
-<file path=ppt/slides/slide34.xml><?xml version="1.0" encoding="utf-8"?>
+<file path=ppt/slides/slide35.xml><?xml version="1.0" encoding="utf-8"?>
 <p:sld xmlns:a="http://schemas.openxmlformats.org/drawingml/2006/main" xmlns:r="http://schemas.openxmlformats.org/officeDocument/2006/relationships" xmlns:p="http://schemas.openxmlformats.org/presentationml/2006/main">
   <p:cSld>
     <p:spTree>
@@ -38438,8 +38531,8 @@
           </a:p>
         </p:txBody>
       </p:sp>
-      <mc:AlternateContent xmlns:mc="http://schemas.openxmlformats.org/markup-compatibility/2006">
-        <mc:Choice xmlns:a14="http://schemas.microsoft.com/office/drawing/2010/main" Requires="a14">
+      <mc:AlternateContent xmlns:mc="http://schemas.openxmlformats.org/markup-compatibility/2006" xmlns:a14="http://schemas.microsoft.com/office/drawing/2010/main">
+        <mc:Choice Requires="a14">
           <p:sp>
             <p:nvSpPr>
               <p:cNvPr id="3" name="Content Placeholder 2">
@@ -38712,7 +38805,7 @@
             </p:txBody>
           </p:sp>
         </mc:Choice>
-        <mc:Fallback>
+        <mc:Fallback xmlns="">
           <p:sp>
             <p:nvSpPr>
               <p:cNvPr id="3" name="Content Placeholder 2">
@@ -38765,7 +38858,143 @@
 </p:sld>
 </file>
 
-<file path=ppt/slides/slide35.xml><?xml version="1.0" encoding="utf-8"?>
+<file path=ppt/slides/slide36.xml><?xml version="1.0" encoding="utf-8"?>
+<p:sld xmlns:a="http://schemas.openxmlformats.org/drawingml/2006/main" xmlns:r="http://schemas.openxmlformats.org/officeDocument/2006/relationships" xmlns:p="http://schemas.openxmlformats.org/presentationml/2006/main">
+  <p:cSld>
+    <p:spTree>
+      <p:nvGrpSpPr>
+        <p:cNvPr id="1" name=""/>
+        <p:cNvGrpSpPr/>
+        <p:nvPr/>
+      </p:nvGrpSpPr>
+      <p:grpSpPr>
+        <a:xfrm>
+          <a:off x="0" y="0"/>
+          <a:ext cx="0" cy="0"/>
+          <a:chOff x="0" y="0"/>
+          <a:chExt cx="0" cy="0"/>
+        </a:xfrm>
+      </p:grpSpPr>
+      <p:sp>
+        <p:nvSpPr>
+          <p:cNvPr id="2" name="Title 1">
+            <a:extLst>
+              <a:ext uri="{FF2B5EF4-FFF2-40B4-BE49-F238E27FC236}">
+                <a16:creationId xmlns:a16="http://schemas.microsoft.com/office/drawing/2014/main" id="{935DF7C3-1BAA-2121-DD86-8211C0CAA9D5}"/>
+              </a:ext>
+            </a:extLst>
+          </p:cNvPr>
+          <p:cNvSpPr>
+            <a:spLocks noGrp="1"/>
+          </p:cNvSpPr>
+          <p:nvPr>
+            <p:ph type="title"/>
+          </p:nvPr>
+        </p:nvSpPr>
+        <p:spPr/>
+        <p:txBody>
+          <a:bodyPr/>
+          <a:lstStyle/>
+          <a:p>
+            <a:r>
+              <a:rPr lang="en-US" dirty="0"/>
+              <a:t>Hidden Axiom Saturation</a:t>
+            </a:r>
+          </a:p>
+        </p:txBody>
+      </p:sp>
+      <p:sp>
+        <p:nvSpPr>
+          <p:cNvPr id="3" name="Content Placeholder 2">
+            <a:extLst>
+              <a:ext uri="{FF2B5EF4-FFF2-40B4-BE49-F238E27FC236}">
+                <a16:creationId xmlns:a16="http://schemas.microsoft.com/office/drawing/2014/main" id="{0EC83379-1F7A-4351-75B1-50E1F300EE58}"/>
+              </a:ext>
+            </a:extLst>
+          </p:cNvPr>
+          <p:cNvSpPr>
+            <a:spLocks noGrp="1"/>
+          </p:cNvSpPr>
+          <p:nvPr>
+            <p:ph idx="1"/>
+          </p:nvPr>
+        </p:nvSpPr>
+        <p:spPr/>
+        <p:txBody>
+          <a:bodyPr/>
+          <a:lstStyle/>
+          <a:p>
+            <a:r>
+              <a:rPr lang="en-US" dirty="0"/>
+              <a:t>Option 1: </a:t>
+            </a:r>
+          </a:p>
+          <a:p>
+            <a:pPr lvl="1"/>
+            <a:r>
+              <a:rPr lang="en-US" dirty="0"/>
+              <a:t>assert axioms to the CDCL(T) core directly.</a:t>
+            </a:r>
+          </a:p>
+          <a:p>
+            <a:pPr lvl="1"/>
+            <a:r>
+              <a:rPr lang="en-US" dirty="0"/>
+              <a:t>Prefer unit propagation eagerly</a:t>
+            </a:r>
+          </a:p>
+          <a:p>
+            <a:pPr lvl="1"/>
+            <a:r>
+              <a:rPr lang="en-US" dirty="0"/>
+              <a:t>Defer axioms with new unassigned literals lazily</a:t>
+            </a:r>
+          </a:p>
+          <a:p>
+            <a:pPr lvl="1"/>
+            <a:endParaRPr lang="en-US" dirty="0"/>
+          </a:p>
+          <a:p>
+            <a:r>
+              <a:rPr lang="en-US" dirty="0"/>
+              <a:t>Option 2:</a:t>
+            </a:r>
+          </a:p>
+          <a:p>
+            <a:pPr lvl="1"/>
+            <a:r>
+              <a:rPr lang="en-US" dirty="0"/>
+              <a:t>Propagate axioms inside of the Finite Set theory solver</a:t>
+            </a:r>
+          </a:p>
+          <a:p>
+            <a:pPr lvl="1"/>
+            <a:r>
+              <a:rPr lang="en-US" dirty="0"/>
+              <a:t>Resolve conflicts within the theory solver before telling CDCL(T) core what the </a:t>
+            </a:r>
+            <a:r>
+              <a:rPr lang="en-US"/>
+              <a:t>conflicts are</a:t>
+            </a:r>
+            <a:endParaRPr lang="en-US" dirty="0"/>
+          </a:p>
+        </p:txBody>
+      </p:sp>
+    </p:spTree>
+    <p:extLst>
+      <p:ext uri="{BB962C8B-B14F-4D97-AF65-F5344CB8AC3E}">
+        <p14:creationId xmlns:p14="http://schemas.microsoft.com/office/powerpoint/2010/main" val="3271455127"/>
+      </p:ext>
+    </p:extLst>
+  </p:cSld>
+  <p:clrMapOvr>
+    <a:masterClrMapping/>
+  </p:clrMapOvr>
+</p:sld>
+</file>
+
+<file path=ppt/slides/slide37.xml><?xml version="1.0" encoding="utf-8"?>
 <p:sld xmlns:a="http://schemas.openxmlformats.org/drawingml/2006/main" xmlns:r="http://schemas.openxmlformats.org/officeDocument/2006/relationships" xmlns:p="http://schemas.openxmlformats.org/presentationml/2006/main">
   <p:cSld>
     <p:spTree>
@@ -38810,8 +39039,8 @@
           </a:p>
         </p:txBody>
       </p:sp>
-      <mc:AlternateContent xmlns:mc="http://schemas.openxmlformats.org/markup-compatibility/2006">
-        <mc:Choice xmlns:a14="http://schemas.microsoft.com/office/drawing/2010/main" Requires="a14">
+      <mc:AlternateContent xmlns:mc="http://schemas.openxmlformats.org/markup-compatibility/2006" xmlns:a14="http://schemas.microsoft.com/office/drawing/2010/main">
+        <mc:Choice Requires="a14">
           <p:sp>
             <p:nvSpPr>
               <p:cNvPr id="3" name="Content Placeholder 2">
@@ -39065,7 +39294,7 @@
             </p:txBody>
           </p:sp>
         </mc:Choice>
-        <mc:Fallback>
+        <mc:Fallback xmlns="">
           <p:sp>
             <p:nvSpPr>
               <p:cNvPr id="3" name="Content Placeholder 2">
@@ -39118,7 +39347,7 @@
 </p:sld>
 </file>
 
-<file path=ppt/slides/slide36.xml><?xml version="1.0" encoding="utf-8"?>
+<file path=ppt/slides/slide38.xml><?xml version="1.0" encoding="utf-8"?>
 <p:sld xmlns:a="http://schemas.openxmlformats.org/drawingml/2006/main" xmlns:r="http://schemas.openxmlformats.org/officeDocument/2006/relationships" xmlns:p="http://schemas.openxmlformats.org/presentationml/2006/main">
   <p:cSld>
     <p:spTree>
@@ -39616,7 +39845,7 @@
 </p:sld>
 </file>
 
-<file path=ppt/slides/slide37.xml><?xml version="1.0" encoding="utf-8"?>
+<file path=ppt/slides/slide39.xml><?xml version="1.0" encoding="utf-8"?>
 <p:sld xmlns:a="http://schemas.openxmlformats.org/drawingml/2006/main" xmlns:r="http://schemas.openxmlformats.org/officeDocument/2006/relationships" xmlns:p="http://schemas.openxmlformats.org/presentationml/2006/main">
   <p:cSld>
     <p:spTree>
@@ -39903,7 +40132,218 @@
 </p:sld>
 </file>
 
-<file path=ppt/slides/slide38.xml><?xml version="1.0" encoding="utf-8"?>
+<file path=ppt/slides/slide4.xml><?xml version="1.0" encoding="utf-8"?>
+<p:sld xmlns:a="http://schemas.openxmlformats.org/drawingml/2006/main" xmlns:r="http://schemas.openxmlformats.org/officeDocument/2006/relationships" xmlns:p="http://schemas.openxmlformats.org/presentationml/2006/main">
+  <p:cSld>
+    <p:spTree>
+      <p:nvGrpSpPr>
+        <p:cNvPr id="1" name=""/>
+        <p:cNvGrpSpPr/>
+        <p:nvPr/>
+      </p:nvGrpSpPr>
+      <p:grpSpPr>
+        <a:xfrm>
+          <a:off x="0" y="0"/>
+          <a:ext cx="0" cy="0"/>
+          <a:chOff x="0" y="0"/>
+          <a:chExt cx="0" cy="0"/>
+        </a:xfrm>
+      </p:grpSpPr>
+      <p:pic>
+        <p:nvPicPr>
+          <p:cNvPr id="4" name="Picture 3" descr="Diagram&#10;&#10;Description automatically generated">
+            <a:extLst>
+              <a:ext uri="{FF2B5EF4-FFF2-40B4-BE49-F238E27FC236}">
+                <a16:creationId xmlns:a16="http://schemas.microsoft.com/office/drawing/2014/main" id="{1A0C7838-519E-4C7C-BF74-624B75044D00}"/>
+              </a:ext>
+            </a:extLst>
+          </p:cNvPr>
+          <p:cNvPicPr>
+            <a:picLocks noChangeAspect="1"/>
+          </p:cNvPicPr>
+          <p:nvPr/>
+        </p:nvPicPr>
+        <p:blipFill>
+          <a:blip r:embed="rId2">
+            <a:extLst>
+              <a:ext uri="{28A0092B-C50C-407E-A947-70E740481C1C}">
+                <a14:useLocalDpi xmlns:a14="http://schemas.microsoft.com/office/drawing/2010/main" val="0"/>
+              </a:ext>
+            </a:extLst>
+          </a:blip>
+          <a:stretch>
+            <a:fillRect/>
+          </a:stretch>
+        </p:blipFill>
+        <p:spPr>
+          <a:xfrm>
+            <a:off x="4540571" y="292410"/>
+            <a:ext cx="6305549" cy="6394360"/>
+          </a:xfrm>
+          <a:prstGeom prst="rect">
+            <a:avLst/>
+          </a:prstGeom>
+        </p:spPr>
+      </p:pic>
+      <p:sp>
+        <p:nvSpPr>
+          <p:cNvPr id="7" name="TextBox 6">
+            <a:extLst>
+              <a:ext uri="{FF2B5EF4-FFF2-40B4-BE49-F238E27FC236}">
+                <a16:creationId xmlns:a16="http://schemas.microsoft.com/office/drawing/2014/main" id="{9773374F-F846-442A-8F5F-6012787369D2}"/>
+              </a:ext>
+            </a:extLst>
+          </p:cNvPr>
+          <p:cNvSpPr txBox="1"/>
+          <p:nvPr/>
+        </p:nvSpPr>
+        <p:spPr>
+          <a:xfrm>
+            <a:off x="7600950" y="4086225"/>
+            <a:ext cx="92396" cy="369330"/>
+          </a:xfrm>
+          <a:prstGeom prst="rect">
+            <a:avLst/>
+          </a:prstGeom>
+          <a:noFill/>
+          <a:ln w="12700" cap="flat">
+            <a:noFill/>
+            <a:miter lim="400000"/>
+          </a:ln>
+          <a:effectLst/>
+          <a:sp3d/>
+        </p:spPr>
+        <p:style>
+          <a:lnRef idx="0">
+            <a:scrgbClr r="0" g="0" b="0"/>
+          </a:lnRef>
+          <a:fillRef idx="0">
+            <a:scrgbClr r="0" g="0" b="0"/>
+          </a:fillRef>
+          <a:effectRef idx="0">
+            <a:scrgbClr r="0" g="0" b="0"/>
+          </a:effectRef>
+          <a:fontRef idx="none"/>
+        </p:style>
+        <p:txBody>
+          <a:bodyPr rot="0" spcFirstLastPara="1" vertOverflow="overflow" horzOverflow="overflow" vert="horz" wrap="none" lIns="45719" tIns="45719" rIns="45719" bIns="45719" numCol="1" spcCol="38100" rtlCol="0" anchor="t">
+            <a:spAutoFit/>
+          </a:bodyPr>
+          <a:lstStyle/>
+          <a:p>
+            <a:pPr marL="0" marR="0" indent="0" algn="l" defTabSz="914400" rtl="0" fontAlgn="auto" latinLnBrk="0" hangingPunct="0">
+              <a:lnSpc>
+                <a:spcPct val="100000"/>
+              </a:lnSpc>
+              <a:spcBef>
+                <a:spcPts val="0"/>
+              </a:spcBef>
+              <a:spcAft>
+                <a:spcPts val="0"/>
+              </a:spcAft>
+              <a:buClrTx/>
+              <a:buSzTx/>
+              <a:buFontTx/>
+              <a:buNone/>
+              <a:tabLst/>
+            </a:pPr>
+            <a:endParaRPr kumimoji="0" lang="en-US" sz="1800" b="0" i="0" u="none" strike="noStrike" cap="none" spc="0" normalizeH="0" baseline="0">
+              <a:ln>
+                <a:noFill/>
+              </a:ln>
+              <a:solidFill>
+                <a:srgbClr val="000000"/>
+              </a:solidFill>
+              <a:effectLst/>
+              <a:uFillTx/>
+              <a:latin typeface="+mj-lt"/>
+              <a:ea typeface="+mj-ea"/>
+              <a:cs typeface="+mj-cs"/>
+              <a:sym typeface="Calibri"/>
+            </a:endParaRPr>
+          </a:p>
+        </p:txBody>
+      </p:sp>
+      <p:sp>
+        <p:nvSpPr>
+          <p:cNvPr id="9" name="Title 1">
+            <a:extLst>
+              <a:ext uri="{FF2B5EF4-FFF2-40B4-BE49-F238E27FC236}">
+                <a16:creationId xmlns:a16="http://schemas.microsoft.com/office/drawing/2014/main" id="{9A8335DA-ADE9-40DF-B65B-B458D0767C7A}"/>
+              </a:ext>
+            </a:extLst>
+          </p:cNvPr>
+          <p:cNvSpPr>
+            <a:spLocks noGrp="1"/>
+          </p:cNvSpPr>
+          <p:nvPr>
+            <p:ph type="title"/>
+          </p:nvPr>
+        </p:nvSpPr>
+        <p:spPr>
+          <a:xfrm>
+            <a:off x="838200" y="365125"/>
+            <a:ext cx="10515600" cy="1325563"/>
+          </a:xfrm>
+        </p:spPr>
+        <p:txBody>
+          <a:bodyPr/>
+          <a:lstStyle/>
+          <a:p>
+            <a:r>
+              <a:rPr lang="en-US"/>
+              <a:t>        overview</a:t>
+            </a:r>
+          </a:p>
+        </p:txBody>
+      </p:sp>
+      <p:pic>
+        <p:nvPicPr>
+          <p:cNvPr id="10" name="Picture 2" descr="Picture 2">
+            <a:extLst>
+              <a:ext uri="{FF2B5EF4-FFF2-40B4-BE49-F238E27FC236}">
+                <a16:creationId xmlns:a16="http://schemas.microsoft.com/office/drawing/2014/main" id="{B50BA9FD-C68B-49D1-AE57-7ADC77BC2B39}"/>
+              </a:ext>
+            </a:extLst>
+          </p:cNvPr>
+          <p:cNvPicPr>
+            <a:picLocks noChangeAspect="1"/>
+          </p:cNvPicPr>
+          <p:nvPr/>
+        </p:nvPicPr>
+        <p:blipFill>
+          <a:blip r:embed="rId3"/>
+          <a:stretch>
+            <a:fillRect/>
+          </a:stretch>
+        </p:blipFill>
+        <p:spPr>
+          <a:xfrm>
+            <a:off x="972364" y="795173"/>
+            <a:ext cx="769890" cy="465465"/>
+          </a:xfrm>
+          <a:prstGeom prst="rect">
+            <a:avLst/>
+          </a:prstGeom>
+          <a:ln w="12700">
+            <a:miter lim="400000"/>
+          </a:ln>
+        </p:spPr>
+      </p:pic>
+    </p:spTree>
+    <p:extLst>
+      <p:ext uri="{BB962C8B-B14F-4D97-AF65-F5344CB8AC3E}">
+        <p14:creationId xmlns:p14="http://schemas.microsoft.com/office/powerpoint/2010/main" val="3758175032"/>
+      </p:ext>
+    </p:extLst>
+  </p:cSld>
+  <p:clrMapOvr>
+    <a:masterClrMapping/>
+  </p:clrMapOvr>
+</p:sld>
+</file>
+
+<file path=ppt/slides/slide40.xml><?xml version="1.0" encoding="utf-8"?>
 <p:sld xmlns:a="http://schemas.openxmlformats.org/drawingml/2006/main" xmlns:r="http://schemas.openxmlformats.org/officeDocument/2006/relationships" xmlns:p="http://schemas.openxmlformats.org/presentationml/2006/main">
   <p:cSld>
     <p:spTree>
@@ -40397,217 +40837,6 @@
     <p:extLst>
       <p:ext uri="{BB962C8B-B14F-4D97-AF65-F5344CB8AC3E}">
         <p14:creationId xmlns:p14="http://schemas.microsoft.com/office/powerpoint/2010/main" val="3848363081"/>
-      </p:ext>
-    </p:extLst>
-  </p:cSld>
-  <p:clrMapOvr>
-    <a:masterClrMapping/>
-  </p:clrMapOvr>
-</p:sld>
-</file>
-
-<file path=ppt/slides/slide4.xml><?xml version="1.0" encoding="utf-8"?>
-<p:sld xmlns:a="http://schemas.openxmlformats.org/drawingml/2006/main" xmlns:r="http://schemas.openxmlformats.org/officeDocument/2006/relationships" xmlns:p="http://schemas.openxmlformats.org/presentationml/2006/main">
-  <p:cSld>
-    <p:spTree>
-      <p:nvGrpSpPr>
-        <p:cNvPr id="1" name=""/>
-        <p:cNvGrpSpPr/>
-        <p:nvPr/>
-      </p:nvGrpSpPr>
-      <p:grpSpPr>
-        <a:xfrm>
-          <a:off x="0" y="0"/>
-          <a:ext cx="0" cy="0"/>
-          <a:chOff x="0" y="0"/>
-          <a:chExt cx="0" cy="0"/>
-        </a:xfrm>
-      </p:grpSpPr>
-      <p:pic>
-        <p:nvPicPr>
-          <p:cNvPr id="4" name="Picture 3" descr="Diagram&#10;&#10;Description automatically generated">
-            <a:extLst>
-              <a:ext uri="{FF2B5EF4-FFF2-40B4-BE49-F238E27FC236}">
-                <a16:creationId xmlns:a16="http://schemas.microsoft.com/office/drawing/2014/main" id="{1A0C7838-519E-4C7C-BF74-624B75044D00}"/>
-              </a:ext>
-            </a:extLst>
-          </p:cNvPr>
-          <p:cNvPicPr>
-            <a:picLocks noChangeAspect="1"/>
-          </p:cNvPicPr>
-          <p:nvPr/>
-        </p:nvPicPr>
-        <p:blipFill>
-          <a:blip r:embed="rId2">
-            <a:extLst>
-              <a:ext uri="{28A0092B-C50C-407E-A947-70E740481C1C}">
-                <a14:useLocalDpi xmlns:a14="http://schemas.microsoft.com/office/drawing/2010/main" val="0"/>
-              </a:ext>
-            </a:extLst>
-          </a:blip>
-          <a:stretch>
-            <a:fillRect/>
-          </a:stretch>
-        </p:blipFill>
-        <p:spPr>
-          <a:xfrm>
-            <a:off x="4540571" y="292410"/>
-            <a:ext cx="6305549" cy="6394360"/>
-          </a:xfrm>
-          <a:prstGeom prst="rect">
-            <a:avLst/>
-          </a:prstGeom>
-        </p:spPr>
-      </p:pic>
-      <p:sp>
-        <p:nvSpPr>
-          <p:cNvPr id="7" name="TextBox 6">
-            <a:extLst>
-              <a:ext uri="{FF2B5EF4-FFF2-40B4-BE49-F238E27FC236}">
-                <a16:creationId xmlns:a16="http://schemas.microsoft.com/office/drawing/2014/main" id="{9773374F-F846-442A-8F5F-6012787369D2}"/>
-              </a:ext>
-            </a:extLst>
-          </p:cNvPr>
-          <p:cNvSpPr txBox="1"/>
-          <p:nvPr/>
-        </p:nvSpPr>
-        <p:spPr>
-          <a:xfrm>
-            <a:off x="7600950" y="4086225"/>
-            <a:ext cx="92396" cy="369330"/>
-          </a:xfrm>
-          <a:prstGeom prst="rect">
-            <a:avLst/>
-          </a:prstGeom>
-          <a:noFill/>
-          <a:ln w="12700" cap="flat">
-            <a:noFill/>
-            <a:miter lim="400000"/>
-          </a:ln>
-          <a:effectLst/>
-          <a:sp3d/>
-        </p:spPr>
-        <p:style>
-          <a:lnRef idx="0">
-            <a:scrgbClr r="0" g="0" b="0"/>
-          </a:lnRef>
-          <a:fillRef idx="0">
-            <a:scrgbClr r="0" g="0" b="0"/>
-          </a:fillRef>
-          <a:effectRef idx="0">
-            <a:scrgbClr r="0" g="0" b="0"/>
-          </a:effectRef>
-          <a:fontRef idx="none"/>
-        </p:style>
-        <p:txBody>
-          <a:bodyPr rot="0" spcFirstLastPara="1" vertOverflow="overflow" horzOverflow="overflow" vert="horz" wrap="none" lIns="45719" tIns="45719" rIns="45719" bIns="45719" numCol="1" spcCol="38100" rtlCol="0" anchor="t">
-            <a:spAutoFit/>
-          </a:bodyPr>
-          <a:lstStyle/>
-          <a:p>
-            <a:pPr marL="0" marR="0" indent="0" algn="l" defTabSz="914400" rtl="0" fontAlgn="auto" latinLnBrk="0" hangingPunct="0">
-              <a:lnSpc>
-                <a:spcPct val="100000"/>
-              </a:lnSpc>
-              <a:spcBef>
-                <a:spcPts val="0"/>
-              </a:spcBef>
-              <a:spcAft>
-                <a:spcPts val="0"/>
-              </a:spcAft>
-              <a:buClrTx/>
-              <a:buSzTx/>
-              <a:buFontTx/>
-              <a:buNone/>
-              <a:tabLst/>
-            </a:pPr>
-            <a:endParaRPr kumimoji="0" lang="en-US" sz="1800" b="0" i="0" u="none" strike="noStrike" cap="none" spc="0" normalizeH="0" baseline="0">
-              <a:ln>
-                <a:noFill/>
-              </a:ln>
-              <a:solidFill>
-                <a:srgbClr val="000000"/>
-              </a:solidFill>
-              <a:effectLst/>
-              <a:uFillTx/>
-              <a:latin typeface="+mj-lt"/>
-              <a:ea typeface="+mj-ea"/>
-              <a:cs typeface="+mj-cs"/>
-              <a:sym typeface="Calibri"/>
-            </a:endParaRPr>
-          </a:p>
-        </p:txBody>
-      </p:sp>
-      <p:sp>
-        <p:nvSpPr>
-          <p:cNvPr id="9" name="Title 1">
-            <a:extLst>
-              <a:ext uri="{FF2B5EF4-FFF2-40B4-BE49-F238E27FC236}">
-                <a16:creationId xmlns:a16="http://schemas.microsoft.com/office/drawing/2014/main" id="{9A8335DA-ADE9-40DF-B65B-B458D0767C7A}"/>
-              </a:ext>
-            </a:extLst>
-          </p:cNvPr>
-          <p:cNvSpPr>
-            <a:spLocks noGrp="1"/>
-          </p:cNvSpPr>
-          <p:nvPr>
-            <p:ph type="title"/>
-          </p:nvPr>
-        </p:nvSpPr>
-        <p:spPr>
-          <a:xfrm>
-            <a:off x="838200" y="365125"/>
-            <a:ext cx="10515600" cy="1325563"/>
-          </a:xfrm>
-        </p:spPr>
-        <p:txBody>
-          <a:bodyPr/>
-          <a:lstStyle/>
-          <a:p>
-            <a:r>
-              <a:rPr lang="en-US"/>
-              <a:t>        overview</a:t>
-            </a:r>
-          </a:p>
-        </p:txBody>
-      </p:sp>
-      <p:pic>
-        <p:nvPicPr>
-          <p:cNvPr id="10" name="Picture 2" descr="Picture 2">
-            <a:extLst>
-              <a:ext uri="{FF2B5EF4-FFF2-40B4-BE49-F238E27FC236}">
-                <a16:creationId xmlns:a16="http://schemas.microsoft.com/office/drawing/2014/main" id="{B50BA9FD-C68B-49D1-AE57-7ADC77BC2B39}"/>
-              </a:ext>
-            </a:extLst>
-          </p:cNvPr>
-          <p:cNvPicPr>
-            <a:picLocks noChangeAspect="1"/>
-          </p:cNvPicPr>
-          <p:nvPr/>
-        </p:nvPicPr>
-        <p:blipFill>
-          <a:blip r:embed="rId3"/>
-          <a:stretch>
-            <a:fillRect/>
-          </a:stretch>
-        </p:blipFill>
-        <p:spPr>
-          <a:xfrm>
-            <a:off x="972364" y="795173"/>
-            <a:ext cx="769890" cy="465465"/>
-          </a:xfrm>
-          <a:prstGeom prst="rect">
-            <a:avLst/>
-          </a:prstGeom>
-          <a:ln w="12700">
-            <a:miter lim="400000"/>
-          </a:ln>
-        </p:spPr>
-      </p:pic>
-    </p:spTree>
-    <p:extLst>
-      <p:ext uri="{BB962C8B-B14F-4D97-AF65-F5344CB8AC3E}">
-        <p14:creationId xmlns:p14="http://schemas.microsoft.com/office/powerpoint/2010/main" val="3758175032"/>
       </p:ext>
     </p:extLst>
   </p:cSld>
